--- a/Documentation/NQueen Presentation.pptx
+++ b/Documentation/NQueen Presentation.pptx
@@ -243,7 +243,7 @@
           </a:lstStyle>
           <a:p>
             <a:fld id="{22356391-CFA0-1544-8425-9183CAE42ACA}" type="datetimeFigureOut">
-              <a:t>26.09.2018</a:t>
+              <a:t>12/22/2020</a:t>
             </a:fld>
             <a:endParaRPr lang="en-US" dirty="0"/>
           </a:p>
@@ -413,7 +413,7 @@
             <a:fld id="{DB01AB9E-8BFB-DA44-9869-DDFC164FA55D}" type="datetimeFigureOut">
               <a:rPr lang="en-US"/>
               <a:pPr/>
-              <a:t>9/26/2018</a:t>
+              <a:t>12/22/2020</a:t>
             </a:fld>
             <a:endParaRPr lang="en-US" dirty="0"/>
           </a:p>
@@ -8498,7 +8498,7 @@
           <a:graphicData uri="http://schemas.openxmlformats.org/presentationml/2006/ole">
             <mc:AlternateContent xmlns:mc="http://schemas.openxmlformats.org/markup-compatibility/2006">
               <mc:Choice xmlns:v="urn:schemas-microsoft-com:vml" Requires="v">
-                <p:oleObj spid="_x0000_s12334" name="Packager Shell Object" showAsIcon="1" r:id="rId5" imgW="2836800" imgH="604800" progId="Package">
+                <p:oleObj name="Packager Shell Object" showAsIcon="1" r:id="rId5" imgW="2836800" imgH="604800" progId="Package">
                   <p:embed/>
                 </p:oleObj>
               </mc:Choice>
@@ -8706,7 +8706,7 @@
           <a:graphicData uri="http://schemas.openxmlformats.org/presentationml/2006/ole">
             <mc:AlternateContent xmlns:mc="http://schemas.openxmlformats.org/markup-compatibility/2006">
               <mc:Choice xmlns:v="urn:schemas-microsoft-com:vml" Requires="v">
-                <p:oleObj spid="_x0000_s13358" name="Packager Shell Object" showAsIcon="1" r:id="rId5" imgW="2836800" imgH="604800" progId="Package">
+                <p:oleObj name="Packager Shell Object" showAsIcon="1" r:id="rId5" imgW="2836800" imgH="604800" progId="Package">
                   <p:embed/>
                 </p:oleObj>
               </mc:Choice>
@@ -8914,7 +8914,7 @@
           <a:graphicData uri="http://schemas.openxmlformats.org/presentationml/2006/ole">
             <mc:AlternateContent xmlns:mc="http://schemas.openxmlformats.org/markup-compatibility/2006">
               <mc:Choice xmlns:v="urn:schemas-microsoft-com:vml" Requires="v">
-                <p:oleObj spid="_x0000_s14381" name="Packager Shell Object" showAsIcon="1" r:id="rId5" imgW="2836800" imgH="604800" progId="Package">
+                <p:oleObj name="Packager Shell Object" showAsIcon="1" r:id="rId5" imgW="2836800" imgH="604800" progId="Package">
                   <p:embed/>
                 </p:oleObj>
               </mc:Choice>
@@ -9122,7 +9122,7 @@
           <a:graphicData uri="http://schemas.openxmlformats.org/presentationml/2006/ole">
             <mc:AlternateContent xmlns:mc="http://schemas.openxmlformats.org/markup-compatibility/2006">
               <mc:Choice xmlns:v="urn:schemas-microsoft-com:vml" Requires="v">
-                <p:oleObj spid="_x0000_s15405" name="Packager Shell Object" showAsIcon="1" r:id="rId5" imgW="2758320" imgH="604800" progId="Package">
+                <p:oleObj name="Packager Shell Object" showAsIcon="1" r:id="rId5" imgW="2758320" imgH="604800" progId="Package">
                   <p:embed/>
                 </p:oleObj>
               </mc:Choice>
@@ -9474,7 +9474,7 @@
           <a:p>
             <a:r>
               <a:rPr lang="en-US" dirty="0"/>
-              <a:t>What Next</a:t>
+              <a:t>What’s Next</a:t>
             </a:r>
           </a:p>
         </p:txBody>
@@ -10660,8 +10660,8 @@
           </a:p>
         </p:txBody>
       </p:sp>
-      <mc:AlternateContent xmlns:mc="http://schemas.openxmlformats.org/markup-compatibility/2006">
-        <mc:Choice xmlns:a14="http://schemas.microsoft.com/office/drawing/2010/main" Requires="a14">
+      <mc:AlternateContent xmlns:mc="http://schemas.openxmlformats.org/markup-compatibility/2006" xmlns:a14="http://schemas.microsoft.com/office/drawing/2010/main">
+        <mc:Choice Requires="a14">
           <p:sp>
             <p:nvSpPr>
               <p:cNvPr id="7" name="Subtitle 2">
@@ -10783,7 +10783,7 @@
             </p:txBody>
           </p:sp>
         </mc:Choice>
-        <mc:Fallback>
+        <mc:Fallback xmlns="">
           <p:sp>
             <p:nvSpPr>
               <p:cNvPr id="7" name="Subtitle 2">
@@ -11114,8 +11114,8 @@
           <a:chExt cx="0" cy="0"/>
         </a:xfrm>
       </p:grpSpPr>
-      <mc:AlternateContent xmlns:mc="http://schemas.openxmlformats.org/markup-compatibility/2006" xmlns:a14="http://schemas.microsoft.com/office/drawing/2010/main">
-        <mc:Choice Requires="a14">
+      <mc:AlternateContent xmlns:mc="http://schemas.openxmlformats.org/markup-compatibility/2006">
+        <mc:Choice xmlns:a14="http://schemas.microsoft.com/office/drawing/2010/main" Requires="a14">
           <p:sp>
             <p:nvSpPr>
               <p:cNvPr id="7" name="Subtitle 2">
@@ -11186,7 +11186,23 @@
                       <a:schemeClr val="bg1"/>
                     </a:solidFill>
                   </a:rPr>
-                  <a:t>a solution is chosen in the list box, then it may see be seen both on the chessboard and in a textbox</a:t>
+                  <a:t>a solution is chosen in the list box, then it </a:t>
+                </a:r>
+                <a:r>
+                  <a:rPr lang="en-US" noProof="0">
+                    <a:solidFill>
+                      <a:schemeClr val="bg1"/>
+                    </a:solidFill>
+                  </a:rPr>
+                  <a:t>may be </a:t>
+                </a:r>
+                <a:r>
+                  <a:rPr lang="en-US" noProof="0" dirty="0">
+                    <a:solidFill>
+                      <a:schemeClr val="bg1"/>
+                    </a:solidFill>
+                  </a:rPr>
+                  <a:t>seen both on the chessboard and in a textbox</a:t>
                 </a:r>
               </a:p>
               <a:p>
@@ -11425,7 +11441,7 @@
             </p:txBody>
           </p:sp>
         </mc:Choice>
-        <mc:Fallback xmlns="">
+        <mc:Fallback>
           <p:sp>
             <p:nvSpPr>
               <p:cNvPr id="7" name="Subtitle 2">
@@ -11459,7 +11475,7 @@
               <a:lstStyle/>
               <a:p>
                 <a:r>
-                  <a:rPr lang="nb-NO">
+                  <a:rPr lang="en-US">
                     <a:noFill/>
                   </a:rPr>
                   <a:t> </a:t>
@@ -11698,7 +11714,7 @@
           <a:graphicData uri="http://schemas.openxmlformats.org/presentationml/2006/ole">
             <mc:AlternateContent xmlns:mc="http://schemas.openxmlformats.org/markup-compatibility/2006">
               <mc:Choice xmlns:v="urn:schemas-microsoft-com:vml" Requires="v">
-                <p:oleObj spid="_x0000_s9269" name="Packager Shell Object" showAsIcon="1" r:id="rId5" imgW="3375000" imgH="604800" progId="Package">
+                <p:oleObj name="Packager Shell Object" showAsIcon="1" r:id="rId5" imgW="3375000" imgH="604800" progId="Package">
                   <p:embed/>
                 </p:oleObj>
               </mc:Choice>
@@ -11903,7 +11919,7 @@
           <a:graphicData uri="http://schemas.openxmlformats.org/presentationml/2006/ole">
             <mc:AlternateContent xmlns:mc="http://schemas.openxmlformats.org/markup-compatibility/2006">
               <mc:Choice xmlns:v="urn:schemas-microsoft-com:vml" Requires="v">
-                <p:oleObj spid="_x0000_s10287" name="Packager Shell Object" showAsIcon="1" r:id="rId5" imgW="3375000" imgH="604800" progId="Package">
+                <p:oleObj name="Packager Shell Object" showAsIcon="1" r:id="rId5" imgW="3375000" imgH="604800" progId="Package">
                   <p:embed/>
                 </p:oleObj>
               </mc:Choice>
@@ -12116,7 +12132,7 @@
           <a:graphicData uri="http://schemas.openxmlformats.org/presentationml/2006/ole">
             <mc:AlternateContent xmlns:mc="http://schemas.openxmlformats.org/markup-compatibility/2006">
               <mc:Choice xmlns:v="urn:schemas-microsoft-com:vml" Requires="v">
-                <p:oleObj spid="_x0000_s11310" name="Packager Shell Object" showAsIcon="1" r:id="rId5" imgW="3038760" imgH="604800" progId="Package">
+                <p:oleObj name="Packager Shell Object" showAsIcon="1" r:id="rId5" imgW="3038760" imgH="604800" progId="Package">
                   <p:embed/>
                 </p:oleObj>
               </mc:Choice>

--- a/Documentation/NQueen Presentation.pptx
+++ b/Documentation/NQueen Presentation.pptx
@@ -243,7 +243,7 @@
           </a:lstStyle>
           <a:p>
             <a:fld id="{22356391-CFA0-1544-8425-9183CAE42ACA}" type="datetimeFigureOut">
-              <a:t>12/22/2020</a:t>
+              <a:t>2/13/2021</a:t>
             </a:fld>
             <a:endParaRPr lang="en-US" dirty="0"/>
           </a:p>
@@ -413,7 +413,7 @@
             <a:fld id="{DB01AB9E-8BFB-DA44-9869-DDFC164FA55D}" type="datetimeFigureOut">
               <a:rPr lang="en-US"/>
               <a:pPr/>
-              <a:t>12/22/2020</a:t>
+              <a:t>2/13/2021</a:t>
             </a:fld>
             <a:endParaRPr lang="en-US" dirty="0"/>
           </a:p>
@@ -6395,7 +6395,7 @@
           <a:p>
             <a:r>
               <a:rPr lang="en-US" dirty="0"/>
-              <a:t>Algorithm Overview,</a:t>
+              <a:t>Overview of Algorithm,</a:t>
             </a:r>
           </a:p>
           <a:p>
@@ -6534,8 +6534,8 @@
           </a:p>
         </p:txBody>
       </p:sp>
-      <mc:AlternateContent xmlns:mc="http://schemas.openxmlformats.org/markup-compatibility/2006" xmlns:a14="http://schemas.microsoft.com/office/drawing/2010/main">
-        <mc:Choice Requires="a14">
+      <mc:AlternateContent xmlns:mc="http://schemas.openxmlformats.org/markup-compatibility/2006">
+        <mc:Choice xmlns:a14="http://schemas.microsoft.com/office/drawing/2010/main" Requires="a14">
           <p:sp>
             <p:nvSpPr>
               <p:cNvPr id="12" name="Subtitle 2">
@@ -6553,7 +6553,7 @@
             <p:spPr>
               <a:xfrm>
                 <a:off x="1082523" y="1270093"/>
-                <a:ext cx="7900111" cy="3133165"/>
+                <a:ext cx="7900111" cy="3145476"/>
               </a:xfrm>
               <a:prstGeom prst="rect">
                 <a:avLst/>
@@ -6707,6 +6707,49 @@
                 </a:pPr>
                 <a:r>
                   <a:rPr lang="en-US" dirty="0"/>
+                  <a:t>Placement of a queen is given with two numbers: </a:t>
+                </a:r>
+                <a:r>
+                  <a:rPr lang="en-US" sz="2000" dirty="0"/>
+                  <a:t>(column no., row no.)</a:t>
+                </a:r>
+                <a:endParaRPr lang="en-US" dirty="0"/>
+              </a:p>
+              <a:p>
+                <a:pPr>
+                  <a:buFont typeface="Wingdings" panose="05000000000000000000" pitchFamily="2" charset="2"/>
+                  <a:buChar char="Ø"/>
+                </a:pPr>
+                <a:r>
+                  <a:rPr lang="en-US" dirty="0"/>
+                  <a:t>Solution modus may be chosen between:</a:t>
+                </a:r>
+              </a:p>
+              <a:p>
+                <a:pPr lvl="1">
+                  <a:buFont typeface="Wingdings" panose="05000000000000000000" pitchFamily="2" charset="2"/>
+                  <a:buChar char="ü"/>
+                </a:pPr>
+                <a:r>
+                  <a:rPr lang="en-US" i="1" dirty="0"/>
+                  <a:t>Single</a:t>
+                </a:r>
+                <a:r>
+                  <a:rPr lang="en-US" dirty="0"/>
+                  <a:t>, </a:t>
+                </a:r>
+                <a:r>
+                  <a:rPr lang="en-US" i="1" dirty="0"/>
+                  <a:t>Unique and All</a:t>
+                </a:r>
+              </a:p>
+              <a:p>
+                <a:pPr>
+                  <a:buFont typeface="Wingdings" panose="05000000000000000000" pitchFamily="2" charset="2"/>
+                  <a:buChar char="ü"/>
+                </a:pPr>
+                <a:r>
+                  <a:rPr lang="en-US" dirty="0"/>
                   <a:t>A single solution is a </a:t>
                 </a:r>
                 <a14:m>
@@ -6729,73 +6772,45 @@
                 </a:r>
               </a:p>
               <a:p>
-                <a:pPr>
+                <a:pPr algn="just">
                   <a:buFont typeface="Wingdings" panose="05000000000000000000" pitchFamily="2" charset="2"/>
                   <a:buChar char="Ø"/>
                 </a:pPr>
                 <a:r>
                   <a:rPr lang="en-US" dirty="0"/>
-                  <a:t>Placement of a queen is given with two numbers: </a:t>
-                </a:r>
-                <a:r>
-                  <a:rPr lang="en-US" sz="2000" dirty="0"/>
-                  <a:t>(column no., row no.)</a:t>
+                  <a:t>Unique solutions:</a:t>
                 </a:r>
               </a:p>
               <a:p>
-                <a:pPr>
-                  <a:buFont typeface="Wingdings" panose="05000000000000000000" pitchFamily="2" charset="2"/>
-                  <a:buChar char="Ø"/>
-                </a:pPr>
-                <a:r>
-                  <a:rPr lang="en-US" dirty="0"/>
-                  <a:t>Every solution may have up to 7 symm. counterparts :</a:t>
-                </a:r>
-              </a:p>
-              <a:p>
-                <a:pPr lvl="1">
+                <a:pPr lvl="1" algn="just">
                   <a:buFont typeface="Wingdings" panose="05000000000000000000" pitchFamily="2" charset="2"/>
                   <a:buChar char="ü"/>
                 </a:pPr>
                 <a:r>
                   <a:rPr lang="en-US" dirty="0"/>
-                  <a:t>The solutions are packed in groups with size of up to eight:</a:t>
+                  <a:t>a solution is characterized as </a:t>
                 </a:r>
-              </a:p>
-              <a:p>
-                <a:pPr lvl="2">
-                  <a:buFont typeface="Wingdings" panose="05000000000000000000" pitchFamily="2" charset="2"/>
-                  <a:buChar char="ü"/>
-                </a:pPr>
+                <a:r>
+                  <a:rPr lang="en-US" i="1" dirty="0"/>
+                  <a:t>unique</a:t>
+                </a:r>
                 <a:r>
                   <a:rPr lang="en-US" dirty="0"/>
-                  <a:t>Symm. with respect to horizontal and vertical midline (2)</a:t>
+                  <a:t>,</a:t>
                 </a:r>
-              </a:p>
-              <a:p>
-                <a:pPr lvl="2">
-                  <a:buFont typeface="Wingdings" panose="05000000000000000000" pitchFamily="2" charset="2"/>
-                  <a:buChar char="ü"/>
-                </a:pPr>
+                <a:r>
+                  <a:rPr lang="en-US" i="1" dirty="0"/>
+                  <a:t> </a:t>
+                </a:r>
                 <a:r>
                   <a:rPr lang="en-US" dirty="0"/>
-                  <a:t>Symm. with respect to main diagonals (2)</a:t>
-                </a:r>
-              </a:p>
-              <a:p>
-                <a:pPr lvl="2">
-                  <a:buFont typeface="Wingdings" panose="05000000000000000000" pitchFamily="2" charset="2"/>
-                  <a:buChar char="ü"/>
-                </a:pPr>
-                <a:r>
-                  <a:rPr lang="en-US" dirty="0"/>
-                  <a:t>Turning clockwise an amount of 90, 180 and 270 degrees (3)</a:t>
+                  <a:t>if it is not equal to any other solution or their symm. counterparts</a:t>
                 </a:r>
               </a:p>
             </p:txBody>
           </p:sp>
         </mc:Choice>
-        <mc:Fallback xmlns="">
+        <mc:Fallback>
           <p:sp>
             <p:nvSpPr>
               <p:cNvPr id="12" name="Subtitle 2">
@@ -6813,7 +6828,7 @@
             <p:spPr>
               <a:xfrm>
                 <a:off x="1082523" y="1270093"/>
-                <a:ext cx="7900111" cy="3133165"/>
+                <a:ext cx="7900111" cy="3145476"/>
               </a:xfrm>
               <a:prstGeom prst="rect">
                 <a:avLst/>
@@ -6821,7 +6836,7 @@
               <a:blipFill>
                 <a:blip r:embed="rId3"/>
                 <a:stretch>
-                  <a:fillRect l="-1080" t="-1362"/>
+                  <a:fillRect l="-1080" t="-1357" r="-772" b="-2713"/>
                 </a:stretch>
               </a:blipFill>
             </p:spPr>
@@ -6830,7 +6845,7 @@
               <a:lstStyle/>
               <a:p>
                 <a:r>
-                  <a:rPr lang="nb-NO">
+                  <a:rPr lang="en-US">
                     <a:noFill/>
                   </a:rPr>
                   <a:t> </a:t>
@@ -6952,7 +6967,7 @@
         <p:spPr>
           <a:xfrm>
             <a:off x="1082524" y="1270093"/>
-            <a:ext cx="7669590" cy="3207032"/>
+            <a:ext cx="7669590" cy="3083921"/>
           </a:xfrm>
           <a:prstGeom prst="rect">
             <a:avLst/>
@@ -7100,78 +7115,6 @@
             </a:lvl9pPr>
           </a:lstStyle>
           <a:p>
-            <a:pPr>
-              <a:buFont typeface="Wingdings" panose="05000000000000000000" pitchFamily="2" charset="2"/>
-              <a:buChar char="Ø"/>
-            </a:pPr>
-            <a:r>
-              <a:rPr lang="en-US" dirty="0"/>
-              <a:t>Solution modus may be chosen between:</a:t>
-            </a:r>
-          </a:p>
-          <a:p>
-            <a:pPr lvl="1">
-              <a:buFont typeface="Wingdings" panose="05000000000000000000" pitchFamily="2" charset="2"/>
-              <a:buChar char="ü"/>
-            </a:pPr>
-            <a:r>
-              <a:rPr lang="en-US" i="1" dirty="0"/>
-              <a:t>Single</a:t>
-            </a:r>
-            <a:r>
-              <a:rPr lang="en-US" dirty="0"/>
-              <a:t>, </a:t>
-            </a:r>
-            <a:r>
-              <a:rPr lang="en-US" i="1" dirty="0"/>
-              <a:t>Unique and All</a:t>
-            </a:r>
-            <a:endParaRPr lang="en-US" dirty="0"/>
-          </a:p>
-          <a:p>
-            <a:pPr algn="just">
-              <a:buFont typeface="Wingdings" panose="05000000000000000000" pitchFamily="2" charset="2"/>
-              <a:buChar char="Ø"/>
-            </a:pPr>
-            <a:endParaRPr lang="en-US" dirty="0"/>
-          </a:p>
-          <a:p>
-            <a:pPr algn="just">
-              <a:buFont typeface="Wingdings" panose="05000000000000000000" pitchFamily="2" charset="2"/>
-              <a:buChar char="Ø"/>
-            </a:pPr>
-            <a:r>
-              <a:rPr lang="en-US" dirty="0"/>
-              <a:t>Unique solutions:</a:t>
-            </a:r>
-          </a:p>
-          <a:p>
-            <a:pPr lvl="1" algn="just">
-              <a:buFont typeface="Wingdings" panose="05000000000000000000" pitchFamily="2" charset="2"/>
-              <a:buChar char="ü"/>
-            </a:pPr>
-            <a:r>
-              <a:rPr lang="en-US" dirty="0"/>
-              <a:t>a solution is characterized as </a:t>
-            </a:r>
-            <a:r>
-              <a:rPr lang="en-US" i="1" dirty="0"/>
-              <a:t>unique</a:t>
-            </a:r>
-            <a:r>
-              <a:rPr lang="en-US" dirty="0"/>
-              <a:t>,</a:t>
-            </a:r>
-            <a:r>
-              <a:rPr lang="en-US" i="1" dirty="0"/>
-              <a:t> </a:t>
-            </a:r>
-            <a:r>
-              <a:rPr lang="en-US" dirty="0"/>
-              <a:t>if it is not equal to any other solution or their symm. counterparts</a:t>
-            </a:r>
-          </a:p>
-          <a:p>
             <a:pPr algn="just">
               <a:buFont typeface="Wingdings" panose="05000000000000000000" pitchFamily="2" charset="2"/>
               <a:buChar char="Ø"/>
@@ -7188,7 +7131,64 @@
             </a:pPr>
             <a:r>
               <a:rPr lang="en-US" dirty="0"/>
-              <a:t>are unique solutions and all their symm. counterparts</a:t>
+              <a:t>are unique solutions and all their symm. Counterparts</a:t>
+            </a:r>
+          </a:p>
+          <a:p>
+            <a:pPr>
+              <a:buFont typeface="Wingdings" panose="05000000000000000000" pitchFamily="2" charset="2"/>
+              <a:buChar char="Ø"/>
+            </a:pPr>
+            <a:endParaRPr lang="en-US" dirty="0"/>
+          </a:p>
+          <a:p>
+            <a:pPr>
+              <a:buFont typeface="Wingdings" panose="05000000000000000000" pitchFamily="2" charset="2"/>
+              <a:buChar char="Ø"/>
+            </a:pPr>
+            <a:r>
+              <a:rPr lang="en-US" dirty="0"/>
+              <a:t>Every solution may have up to 7 symm. counterparts:</a:t>
+            </a:r>
+          </a:p>
+          <a:p>
+            <a:pPr lvl="1">
+              <a:buFont typeface="Wingdings" panose="05000000000000000000" pitchFamily="2" charset="2"/>
+              <a:buChar char="ü"/>
+            </a:pPr>
+            <a:r>
+              <a:rPr lang="en-US" dirty="0"/>
+              <a:t>The solutions are packed in groups with size of up to eight:</a:t>
+            </a:r>
+          </a:p>
+          <a:p>
+            <a:pPr lvl="2">
+              <a:buFont typeface="Wingdings" panose="05000000000000000000" pitchFamily="2" charset="2"/>
+              <a:buChar char="ü"/>
+            </a:pPr>
+            <a:r>
+              <a:rPr lang="en-US" dirty="0"/>
+              <a:t>Symm. with respect to horizontal and vertical midline (2)</a:t>
+            </a:r>
+          </a:p>
+          <a:p>
+            <a:pPr lvl="2">
+              <a:buFont typeface="Wingdings" panose="05000000000000000000" pitchFamily="2" charset="2"/>
+              <a:buChar char="ü"/>
+            </a:pPr>
+            <a:r>
+              <a:rPr lang="en-US" dirty="0"/>
+              <a:t>Symm. with respect to main diagonals (2)</a:t>
+            </a:r>
+          </a:p>
+          <a:p>
+            <a:pPr lvl="2">
+              <a:buFont typeface="Wingdings" panose="05000000000000000000" pitchFamily="2" charset="2"/>
+              <a:buChar char="ü"/>
+            </a:pPr>
+            <a:r>
+              <a:rPr lang="en-US" dirty="0"/>
+              <a:t>Turning clockwise an amount of 90, 180 and 270 degrees (3)</a:t>
             </a:r>
           </a:p>
         </p:txBody>
@@ -7288,8 +7288,8 @@
           </a:p>
         </p:txBody>
       </p:sp>
-      <mc:AlternateContent xmlns:mc="http://schemas.openxmlformats.org/markup-compatibility/2006" xmlns:a14="http://schemas.microsoft.com/office/drawing/2010/main">
-        <mc:Choice Requires="a14">
+      <mc:AlternateContent xmlns:mc="http://schemas.openxmlformats.org/markup-compatibility/2006">
+        <mc:Choice xmlns:a14="http://schemas.microsoft.com/office/drawing/2010/main" Requires="a14">
           <p:sp>
             <p:nvSpPr>
               <p:cNvPr id="12" name="Subtitle 2">
@@ -7565,13 +7565,18 @@
                 </a:pPr>
                 <a:r>
                   <a:rPr lang="en-US" dirty="0"/>
-                  <a:t>It is possible to visualize the solution buildup with an adjustable delay, se Excel-file and the simulations</a:t>
+                  <a:t>It is possible to visualize the solution buildup with an adjustable delay, ref simulations </a:t>
                 </a:r>
+                <a:r>
+                  <a:rPr lang="en-US"/>
+                  <a:t>and the Excel-file</a:t>
+                </a:r>
+                <a:endParaRPr lang="en-US" dirty="0"/>
               </a:p>
             </p:txBody>
           </p:sp>
         </mc:Choice>
-        <mc:Fallback xmlns="">
+        <mc:Fallback>
           <p:sp>
             <p:nvSpPr>
               <p:cNvPr id="12" name="Subtitle 2">
@@ -7606,7 +7611,7 @@
               <a:lstStyle/>
               <a:p>
                 <a:r>
-                  <a:rPr lang="nb-NO">
+                  <a:rPr lang="en-US">
                     <a:noFill/>
                   </a:rPr>
                   <a:t> </a:t>
@@ -10903,7 +10908,7 @@
         <p:spPr>
           <a:xfrm>
             <a:off x="783831" y="1076857"/>
-            <a:ext cx="8064334" cy="3379387"/>
+            <a:ext cx="8064334" cy="3213187"/>
           </a:xfrm>
         </p:spPr>
         <p:txBody>
@@ -10918,7 +10923,7 @@
             </a:pPr>
             <a:r>
               <a:rPr lang="en-US" noProof="0" dirty="0"/>
-              <a:t>Validation and GUI:</a:t>
+              <a:t>GUI:</a:t>
             </a:r>
           </a:p>
           <a:p>
@@ -10946,15 +10951,38 @@
                   <a:schemeClr val="bg1"/>
                 </a:solidFill>
               </a:rPr>
+              <a:t>Solution build up may be visualized </a:t>
+            </a:r>
+            <a:r>
+              <a:rPr lang="en-US" dirty="0">
+                <a:solidFill>
+                  <a:schemeClr val="bg1"/>
+                </a:solidFill>
+              </a:rPr>
+              <a:t>on </a:t>
+            </a:r>
+            <a:r>
+              <a:rPr lang="en-US" noProof="0" dirty="0">
+                <a:solidFill>
+                  <a:schemeClr val="bg1"/>
+                </a:solidFill>
+              </a:rPr>
+              <a:t>the board</a:t>
+            </a:r>
+          </a:p>
+          <a:p>
+            <a:pPr marL="800100" lvl="1" indent="-342900" algn="l">
+              <a:buFont typeface="Wingdings" panose="05000000000000000000" pitchFamily="2" charset="2"/>
+              <a:buChar char="ü"/>
+            </a:pPr>
+            <a:r>
+              <a:rPr lang="en-US" noProof="0" dirty="0">
+                <a:solidFill>
+                  <a:schemeClr val="bg1"/>
+                </a:solidFill>
+              </a:rPr>
               <a:t>The GUI should be responsive under the simulation</a:t>
             </a:r>
-            <a:endParaRPr lang="en-US" noProof="0" dirty="0"/>
-          </a:p>
-          <a:p>
-            <a:pPr marL="342900" indent="-342900" algn="l">
-              <a:buFont typeface="Wingdings" panose="05000000000000000000" pitchFamily="2" charset="2"/>
-              <a:buChar char="Ø"/>
-            </a:pPr>
             <a:endParaRPr lang="en-US" noProof="0" dirty="0"/>
           </a:p>
           <a:p>
@@ -11135,7 +11163,7 @@
             <p:spPr>
               <a:xfrm>
                 <a:off x="783831" y="1076857"/>
-                <a:ext cx="8064334" cy="3730701"/>
+                <a:ext cx="8064334" cy="3319691"/>
               </a:xfrm>
             </p:spPr>
             <p:txBody>
@@ -11186,53 +11214,7 @@
                       <a:schemeClr val="bg1"/>
                     </a:solidFill>
                   </a:rPr>
-                  <a:t>a solution is chosen in the list box, then it </a:t>
-                </a:r>
-                <a:r>
-                  <a:rPr lang="en-US" noProof="0">
-                    <a:solidFill>
-                      <a:schemeClr val="bg1"/>
-                    </a:solidFill>
-                  </a:rPr>
-                  <a:t>may be </a:t>
-                </a:r>
-                <a:r>
-                  <a:rPr lang="en-US" noProof="0" dirty="0">
-                    <a:solidFill>
-                      <a:schemeClr val="bg1"/>
-                    </a:solidFill>
-                  </a:rPr>
-                  <a:t>seen both on the chessboard and in a textbox</a:t>
-                </a:r>
-              </a:p>
-              <a:p>
-                <a:pPr marL="800100" lvl="1" indent="-342900" algn="l">
-                  <a:buFont typeface="Wingdings" panose="05000000000000000000" pitchFamily="2" charset="2"/>
-                  <a:buChar char="ü"/>
-                </a:pPr>
-                <a:r>
-                  <a:rPr lang="en-US" noProof="0" dirty="0">
-                    <a:solidFill>
-                      <a:schemeClr val="bg1"/>
-                    </a:solidFill>
-                  </a:rPr>
-                  <a:t>Solution build up could be visualized </a:t>
-                </a:r>
-                <a:r>
-                  <a:rPr lang="en-US" dirty="0">
-                    <a:solidFill>
-                      <a:schemeClr val="bg1"/>
-                    </a:solidFill>
-                  </a:rPr>
-                  <a:t>on </a:t>
-                </a:r>
-                <a:r>
-                  <a:rPr lang="en-US" noProof="0" dirty="0">
-                    <a:solidFill>
-                      <a:schemeClr val="bg1"/>
-                    </a:solidFill>
-                  </a:rPr>
-                  <a:t>the board</a:t>
+                  <a:t>a solution is chosen in the list box, then it may be seen both on the chessboard and in a textbox</a:t>
                 </a:r>
               </a:p>
               <a:p>
@@ -11461,12 +11443,12 @@
             <p:spPr>
               <a:xfrm>
                 <a:off x="783831" y="1076857"/>
-                <a:ext cx="8064334" cy="3730701"/>
+                <a:ext cx="8064334" cy="3319691"/>
               </a:xfrm>
               <a:blipFill>
                 <a:blip r:embed="rId3"/>
                 <a:stretch>
-                  <a:fillRect l="-2194" t="-1307" b="-2124"/>
+                  <a:fillRect l="-2194" t="-1471" b="-3860"/>
                 </a:stretch>
               </a:blipFill>
             </p:spPr>
@@ -12457,7 +12439,7 @@
             </a:r>
             <a:r>
               <a:rPr lang="en-US" sz="2000" dirty="0"/>
-              <a:t> .NET, C# 7.0, WPF og MVVM</a:t>
+              <a:t> .NET 5.0, C# 8.0, WPF og MVVM</a:t>
             </a:r>
           </a:p>
           <a:p>
@@ -12475,7 +12457,7 @@
             </a:r>
             <a:r>
               <a:rPr lang="en-US" sz="2000" dirty="0"/>
-              <a:t> MS Visual Studio 2017, Community Version</a:t>
+              <a:t> MS Visual Studio 2019, Community Version</a:t>
             </a:r>
           </a:p>
           <a:p>

--- a/Documentation/NQueen Presentation.pptx
+++ b/Documentation/NQueen Presentation.pptx
@@ -5,10 +5,10 @@
     <p:sldMasterId id="2147483648" r:id="rId1"/>
   </p:sldMasterIdLst>
   <p:notesMasterIdLst>
-    <p:notesMasterId r:id="rId24"/>
+    <p:notesMasterId r:id="rId15"/>
   </p:notesMasterIdLst>
   <p:handoutMasterIdLst>
-    <p:handoutMasterId r:id="rId25"/>
+    <p:handoutMasterId r:id="rId16"/>
   </p:handoutMasterIdLst>
   <p:sldIdLst>
     <p:sldId id="256" r:id="rId2"/>
@@ -16,23 +16,14 @@
     <p:sldId id="258" r:id="rId4"/>
     <p:sldId id="280" r:id="rId5"/>
     <p:sldId id="281" r:id="rId6"/>
-    <p:sldId id="257" r:id="rId7"/>
-    <p:sldId id="288" r:id="rId8"/>
-    <p:sldId id="289" r:id="rId9"/>
-    <p:sldId id="275" r:id="rId10"/>
-    <p:sldId id="270" r:id="rId11"/>
-    <p:sldId id="274" r:id="rId12"/>
-    <p:sldId id="279" r:id="rId13"/>
-    <p:sldId id="283" r:id="rId14"/>
-    <p:sldId id="271" r:id="rId15"/>
-    <p:sldId id="290" r:id="rId16"/>
-    <p:sldId id="284" r:id="rId17"/>
-    <p:sldId id="286" r:id="rId18"/>
-    <p:sldId id="285" r:id="rId19"/>
-    <p:sldId id="287" r:id="rId20"/>
-    <p:sldId id="277" r:id="rId21"/>
-    <p:sldId id="276" r:id="rId22"/>
-    <p:sldId id="278" r:id="rId23"/>
+    <p:sldId id="275" r:id="rId7"/>
+    <p:sldId id="270" r:id="rId8"/>
+    <p:sldId id="274" r:id="rId9"/>
+    <p:sldId id="279" r:id="rId10"/>
+    <p:sldId id="283" r:id="rId11"/>
+    <p:sldId id="277" r:id="rId12"/>
+    <p:sldId id="276" r:id="rId13"/>
+    <p:sldId id="278" r:id="rId14"/>
   </p:sldIdLst>
   <p:sldSz cx="9144000" cy="5143500" type="screen16x9"/>
   <p:notesSz cx="6858000" cy="9144000"/>
@@ -6112,7 +6103,7 @@
           <a:p>
             <a:r>
               <a:rPr lang="en-US" dirty="0"/>
-              <a:t>20.09.2018</a:t>
+              <a:t>20.02.2021</a:t>
             </a:r>
           </a:p>
         </p:txBody>
@@ -6152,325 +6143,6 @@
       </p:grpSpPr>
       <p:sp>
         <p:nvSpPr>
-          <p:cNvPr id="34" name="Subtitle 2">
-            <a:extLst>
-              <a:ext uri="{FF2B5EF4-FFF2-40B4-BE49-F238E27FC236}">
-                <a16:creationId xmlns:a16="http://schemas.microsoft.com/office/drawing/2014/main" id="{2C7C9F9A-0F75-42F6-B8E1-4CB1F83ADA2C}"/>
-              </a:ext>
-            </a:extLst>
-          </p:cNvPr>
-          <p:cNvSpPr txBox="1">
-            <a:spLocks/>
-          </p:cNvSpPr>
-          <p:nvPr/>
-        </p:nvSpPr>
-        <p:spPr>
-          <a:xfrm>
-            <a:off x="1082524" y="1765656"/>
-            <a:ext cx="7445874" cy="2677656"/>
-          </a:xfrm>
-          <a:prstGeom prst="rect">
-            <a:avLst/>
-          </a:prstGeom>
-        </p:spPr>
-        <p:txBody>
-          <a:bodyPr>
-            <a:spAutoFit/>
-          </a:bodyPr>
-          <a:lstStyle>
-            <a:lvl1pPr marL="342900" indent="-342900" algn="l" defTabSz="457200" rtl="0" eaLnBrk="1" latinLnBrk="0" hangingPunct="1">
-              <a:spcBef>
-                <a:spcPct val="20000"/>
-              </a:spcBef>
-              <a:buFont typeface="Arial"/>
-              <a:buChar char="•"/>
-              <a:defRPr sz="2400" kern="1200">
-                <a:solidFill>
-                  <a:schemeClr val="bg1"/>
-                </a:solidFill>
-                <a:latin typeface="Open Sans Light"/>
-                <a:ea typeface="+mn-ea"/>
-                <a:cs typeface="Open Sans Light"/>
-              </a:defRPr>
-            </a:lvl1pPr>
-            <a:lvl2pPr marL="742950" indent="-285750" algn="l" defTabSz="457200" rtl="0" eaLnBrk="1" latinLnBrk="0" hangingPunct="1">
-              <a:spcBef>
-                <a:spcPct val="20000"/>
-              </a:spcBef>
-              <a:buFont typeface="Arial"/>
-              <a:buChar char="–"/>
-              <a:defRPr sz="2000" kern="1200">
-                <a:solidFill>
-                  <a:schemeClr val="bg1"/>
-                </a:solidFill>
-                <a:latin typeface="Open Sans Light"/>
-                <a:ea typeface="+mn-ea"/>
-                <a:cs typeface="Open Sans Light"/>
-              </a:defRPr>
-            </a:lvl2pPr>
-            <a:lvl3pPr marL="1143000" indent="-228600" algn="l" defTabSz="457200" rtl="0" eaLnBrk="1" latinLnBrk="0" hangingPunct="1">
-              <a:spcBef>
-                <a:spcPct val="20000"/>
-              </a:spcBef>
-              <a:buFont typeface="Arial"/>
-              <a:buChar char="•"/>
-              <a:defRPr sz="1800" kern="1200">
-                <a:solidFill>
-                  <a:schemeClr val="bg1"/>
-                </a:solidFill>
-                <a:latin typeface="Open Sans Light"/>
-                <a:ea typeface="+mn-ea"/>
-                <a:cs typeface="Open Sans Light"/>
-              </a:defRPr>
-            </a:lvl3pPr>
-            <a:lvl4pPr marL="1600200" indent="-228600" algn="l" defTabSz="457200" rtl="0" eaLnBrk="1" latinLnBrk="0" hangingPunct="1">
-              <a:spcBef>
-                <a:spcPct val="20000"/>
-              </a:spcBef>
-              <a:buFont typeface="Arial"/>
-              <a:buChar char="–"/>
-              <a:defRPr sz="1600" kern="1200">
-                <a:solidFill>
-                  <a:schemeClr val="bg1"/>
-                </a:solidFill>
-                <a:latin typeface="Open Sans Light"/>
-                <a:ea typeface="+mn-ea"/>
-                <a:cs typeface="Open Sans Light"/>
-              </a:defRPr>
-            </a:lvl4pPr>
-            <a:lvl5pPr marL="2057400" indent="-228600" algn="l" defTabSz="457200" rtl="0" eaLnBrk="1" latinLnBrk="0" hangingPunct="1">
-              <a:spcBef>
-                <a:spcPct val="20000"/>
-              </a:spcBef>
-              <a:buFont typeface="Arial"/>
-              <a:buChar char="»"/>
-              <a:defRPr sz="1600" kern="1200">
-                <a:solidFill>
-                  <a:schemeClr val="bg1"/>
-                </a:solidFill>
-                <a:latin typeface="Open Sans Light"/>
-                <a:ea typeface="+mn-ea"/>
-                <a:cs typeface="Open Sans Light"/>
-              </a:defRPr>
-            </a:lvl5pPr>
-            <a:lvl6pPr marL="2514600" indent="-228600" algn="l" defTabSz="457200" rtl="0" eaLnBrk="1" latinLnBrk="0" hangingPunct="1">
-              <a:spcBef>
-                <a:spcPct val="20000"/>
-              </a:spcBef>
-              <a:buFont typeface="Arial"/>
-              <a:buChar char="•"/>
-              <a:defRPr sz="2000" kern="1200">
-                <a:solidFill>
-                  <a:schemeClr val="tx1"/>
-                </a:solidFill>
-                <a:latin typeface="+mn-lt"/>
-                <a:ea typeface="+mn-ea"/>
-                <a:cs typeface="+mn-cs"/>
-              </a:defRPr>
-            </a:lvl6pPr>
-            <a:lvl7pPr marL="2971800" indent="-228600" algn="l" defTabSz="457200" rtl="0" eaLnBrk="1" latinLnBrk="0" hangingPunct="1">
-              <a:spcBef>
-                <a:spcPct val="20000"/>
-              </a:spcBef>
-              <a:buFont typeface="Arial"/>
-              <a:buChar char="•"/>
-              <a:defRPr sz="2000" kern="1200">
-                <a:solidFill>
-                  <a:schemeClr val="tx1"/>
-                </a:solidFill>
-                <a:latin typeface="+mn-lt"/>
-                <a:ea typeface="+mn-ea"/>
-                <a:cs typeface="+mn-cs"/>
-              </a:defRPr>
-            </a:lvl7pPr>
-            <a:lvl8pPr marL="3429000" indent="-228600" algn="l" defTabSz="457200" rtl="0" eaLnBrk="1" latinLnBrk="0" hangingPunct="1">
-              <a:spcBef>
-                <a:spcPct val="20000"/>
-              </a:spcBef>
-              <a:buFont typeface="Arial"/>
-              <a:buChar char="•"/>
-              <a:defRPr sz="2000" kern="1200">
-                <a:solidFill>
-                  <a:schemeClr val="tx1"/>
-                </a:solidFill>
-                <a:latin typeface="+mn-lt"/>
-                <a:ea typeface="+mn-ea"/>
-                <a:cs typeface="+mn-cs"/>
-              </a:defRPr>
-            </a:lvl8pPr>
-            <a:lvl9pPr marL="3886200" indent="-228600" algn="l" defTabSz="457200" rtl="0" eaLnBrk="1" latinLnBrk="0" hangingPunct="1">
-              <a:spcBef>
-                <a:spcPct val="20000"/>
-              </a:spcBef>
-              <a:buFont typeface="Arial"/>
-              <a:buChar char="•"/>
-              <a:defRPr sz="2000" kern="1200">
-                <a:solidFill>
-                  <a:schemeClr val="tx1"/>
-                </a:solidFill>
-                <a:latin typeface="+mn-lt"/>
-                <a:ea typeface="+mn-ea"/>
-                <a:cs typeface="+mn-cs"/>
-              </a:defRPr>
-            </a:lvl9pPr>
-          </a:lstStyle>
-          <a:p>
-            <a:pPr>
-              <a:buFont typeface="Wingdings" panose="05000000000000000000" pitchFamily="2" charset="2"/>
-              <a:buChar char="Ø"/>
-            </a:pPr>
-            <a:r>
-              <a:rPr lang="en-US" sz="2000" dirty="0"/>
-              <a:t>Place a queen in the next column, from the bottom and upward. If possible, continue to the next column, otherwise remove the last queen and try to place it further upward in the same column. If not possible, remove that one and go one column backward</a:t>
-            </a:r>
-          </a:p>
-          <a:p>
-            <a:pPr>
-              <a:buFont typeface="Wingdings" panose="05000000000000000000" pitchFamily="2" charset="2"/>
-              <a:buChar char="Ø"/>
-            </a:pPr>
-            <a:r>
-              <a:rPr lang="en-US" sz="2000" dirty="0"/>
-              <a:t>A new solution is found, if the last queen is placed</a:t>
-            </a:r>
-          </a:p>
-          <a:p>
-            <a:pPr>
-              <a:buFont typeface="Wingdings" panose="05000000000000000000" pitchFamily="2" charset="2"/>
-              <a:buChar char="Ø"/>
-            </a:pPr>
-            <a:r>
-              <a:rPr lang="en-US" sz="2000" dirty="0"/>
-              <a:t>No more solutions may be found, if no queen can be placed on the first column</a:t>
-            </a:r>
-          </a:p>
-        </p:txBody>
-      </p:sp>
-      <p:sp>
-        <p:nvSpPr>
-          <p:cNvPr id="35" name="Title 1">
-            <a:extLst>
-              <a:ext uri="{FF2B5EF4-FFF2-40B4-BE49-F238E27FC236}">
-                <a16:creationId xmlns:a16="http://schemas.microsoft.com/office/drawing/2014/main" id="{A88BDC47-34C6-4CD1-BD21-87B110C7F7D1}"/>
-              </a:ext>
-            </a:extLst>
-          </p:cNvPr>
-          <p:cNvSpPr txBox="1">
-            <a:spLocks/>
-          </p:cNvSpPr>
-          <p:nvPr/>
-        </p:nvSpPr>
-        <p:spPr>
-          <a:xfrm>
-            <a:off x="1082525" y="610692"/>
-            <a:ext cx="6640286" cy="784830"/>
-          </a:xfrm>
-          <a:prstGeom prst="rect">
-            <a:avLst/>
-          </a:prstGeom>
-        </p:spPr>
-        <p:txBody>
-          <a:bodyPr vert="horz" wrap="square" lIns="0" tIns="0" rIns="0" bIns="0" rtlCol="0" anchor="t" anchorCtr="0">
-            <a:spAutoFit/>
-          </a:bodyPr>
-          <a:lstStyle>
-            <a:lvl1pPr>
-              <a:lnSpc>
-                <a:spcPct val="85000"/>
-              </a:lnSpc>
-              <a:spcBef>
-                <a:spcPct val="0"/>
-              </a:spcBef>
-              <a:buNone/>
-              <a:defRPr sz="3200" b="0" i="0" baseline="0">
-                <a:solidFill>
-                  <a:schemeClr val="bg1"/>
-                </a:solidFill>
-                <a:latin typeface="Museo 700"/>
-                <a:ea typeface="+mj-ea"/>
-                <a:cs typeface="Museo 700"/>
-              </a:defRPr>
-            </a:lvl1pPr>
-          </a:lstStyle>
-          <a:p>
-            <a:r>
-              <a:rPr lang="en-US" dirty="0"/>
-              <a:t>Overview of Algorithm,</a:t>
-            </a:r>
-          </a:p>
-          <a:p>
-            <a:r>
-              <a:rPr lang="en-US" sz="2800" dirty="0"/>
-              <a:t>Back-Tracking and Tail Recursive</a:t>
-            </a:r>
-          </a:p>
-        </p:txBody>
-      </p:sp>
-      <p:sp>
-        <p:nvSpPr>
-          <p:cNvPr id="5" name="Slide Number Placeholder 30">
-            <a:extLst>
-              <a:ext uri="{FF2B5EF4-FFF2-40B4-BE49-F238E27FC236}">
-                <a16:creationId xmlns:a16="http://schemas.microsoft.com/office/drawing/2014/main" id="{39A7066A-C5A6-42BA-8FAA-71D4B3F898CD}"/>
-              </a:ext>
-            </a:extLst>
-          </p:cNvPr>
-          <p:cNvSpPr>
-            <a:spLocks noGrp="1"/>
-          </p:cNvSpPr>
-          <p:nvPr>
-            <p:ph type="sldNum" sz="quarter" idx="12"/>
-          </p:nvPr>
-        </p:nvSpPr>
-        <p:spPr/>
-        <p:txBody>
-          <a:bodyPr/>
-          <a:lstStyle/>
-          <a:p>
-            <a:fld id="{5AA702B1-EDA3-FF46-994A-18FFB6DE5B39}" type="slidenum">
-              <a:rPr lang="en-US"/>
-              <a:pPr/>
-              <a:t>10</a:t>
-            </a:fld>
-            <a:endParaRPr lang="en-US"/>
-          </a:p>
-        </p:txBody>
-      </p:sp>
-    </p:spTree>
-    <p:extLst>
-      <p:ext uri="{BB962C8B-B14F-4D97-AF65-F5344CB8AC3E}">
-        <p14:creationId xmlns:p14="http://schemas.microsoft.com/office/powerpoint/2010/main" val="3924764732"/>
-      </p:ext>
-    </p:extLst>
-  </p:cSld>
-  <p:clrMapOvr>
-    <a:overrideClrMapping bg1="lt1" tx1="dk1" bg2="lt2" tx2="dk2" accent1="accent1" accent2="accent2" accent3="accent3" accent4="accent4" accent5="accent5" accent6="accent6" hlink="hlink" folHlink="folHlink"/>
-  </p:clrMapOvr>
-  <p:transition spd="slow">
-    <p:wipe/>
-  </p:transition>
-</p:sld>
-</file>
-
-<file path=ppt/slides/slide11.xml><?xml version="1.0" encoding="utf-8"?>
-<p:sld xmlns:a="http://schemas.openxmlformats.org/drawingml/2006/main" xmlns:r="http://schemas.openxmlformats.org/officeDocument/2006/relationships" xmlns:p="http://schemas.openxmlformats.org/presentationml/2006/main">
-  <p:cSld>
-    <p:spTree>
-      <p:nvGrpSpPr>
-        <p:cNvPr id="1" name=""/>
-        <p:cNvGrpSpPr/>
-        <p:nvPr/>
-      </p:nvGrpSpPr>
-      <p:grpSpPr>
-        <a:xfrm>
-          <a:off x="0" y="0"/>
-          <a:ext cx="0" cy="0"/>
-          <a:chOff x="0" y="0"/>
-          <a:chExt cx="0" cy="0"/>
-        </a:xfrm>
-      </p:grpSpPr>
-      <p:sp>
-        <p:nvSpPr>
           <p:cNvPr id="10" name="Title 9">
             <a:extLst>
               <a:ext uri="{FF2B5EF4-FFF2-40B4-BE49-F238E27FC236}">
@@ -6499,7 +6171,7 @@
           <a:p>
             <a:r>
               <a:rPr lang="en-US" noProof="0" dirty="0"/>
-              <a:t>Solution Modus</a:t>
+              <a:t>Solution Modus Continues</a:t>
             </a:r>
           </a:p>
         </p:txBody>
@@ -6528,761 +6200,7 @@
             <a:fld id="{5AA702B1-EDA3-FF46-994A-18FFB6DE5B39}" type="slidenum">
               <a:rPr lang="en-US" smtClean="0"/>
               <a:pPr/>
-              <a:t>11</a:t>
-            </a:fld>
-            <a:endParaRPr lang="en-US"/>
-          </a:p>
-        </p:txBody>
-      </p:sp>
-      <mc:AlternateContent xmlns:mc="http://schemas.openxmlformats.org/markup-compatibility/2006">
-        <mc:Choice xmlns:a14="http://schemas.microsoft.com/office/drawing/2010/main" Requires="a14">
-          <p:sp>
-            <p:nvSpPr>
-              <p:cNvPr id="12" name="Subtitle 2">
-                <a:extLst>
-                  <a:ext uri="{FF2B5EF4-FFF2-40B4-BE49-F238E27FC236}">
-                    <a16:creationId xmlns:a16="http://schemas.microsoft.com/office/drawing/2014/main" id="{C1ECDE8C-A778-4D1D-8B14-5FE88ED18A5D}"/>
-                  </a:ext>
-                </a:extLst>
-              </p:cNvPr>
-              <p:cNvSpPr txBox="1">
-                <a:spLocks/>
-              </p:cNvSpPr>
-              <p:nvPr/>
-            </p:nvSpPr>
-            <p:spPr>
-              <a:xfrm>
-                <a:off x="1082523" y="1270093"/>
-                <a:ext cx="7900111" cy="3145476"/>
-              </a:xfrm>
-              <a:prstGeom prst="rect">
-                <a:avLst/>
-              </a:prstGeom>
-            </p:spPr>
-            <p:txBody>
-              <a:bodyPr wrap="square">
-                <a:spAutoFit/>
-              </a:bodyPr>
-              <a:lstStyle>
-                <a:lvl1pPr marL="342900" indent="-342900" algn="l" defTabSz="457200" rtl="0" eaLnBrk="1" latinLnBrk="0" hangingPunct="1">
-                  <a:spcBef>
-                    <a:spcPct val="20000"/>
-                  </a:spcBef>
-                  <a:buFont typeface="Arial"/>
-                  <a:buChar char="•"/>
-                  <a:defRPr sz="2400" kern="1200">
-                    <a:solidFill>
-                      <a:schemeClr val="bg1"/>
-                    </a:solidFill>
-                    <a:latin typeface="Open Sans Light"/>
-                    <a:ea typeface="+mn-ea"/>
-                    <a:cs typeface="Open Sans Light"/>
-                  </a:defRPr>
-                </a:lvl1pPr>
-                <a:lvl2pPr marL="742950" indent="-285750" algn="l" defTabSz="457200" rtl="0" eaLnBrk="1" latinLnBrk="0" hangingPunct="1">
-                  <a:spcBef>
-                    <a:spcPct val="20000"/>
-                  </a:spcBef>
-                  <a:buFont typeface="Arial"/>
-                  <a:buChar char="–"/>
-                  <a:defRPr sz="2000" kern="1200">
-                    <a:solidFill>
-                      <a:schemeClr val="bg1"/>
-                    </a:solidFill>
-                    <a:latin typeface="Open Sans Light"/>
-                    <a:ea typeface="+mn-ea"/>
-                    <a:cs typeface="Open Sans Light"/>
-                  </a:defRPr>
-                </a:lvl2pPr>
-                <a:lvl3pPr marL="1143000" indent="-228600" algn="l" defTabSz="457200" rtl="0" eaLnBrk="1" latinLnBrk="0" hangingPunct="1">
-                  <a:spcBef>
-                    <a:spcPct val="20000"/>
-                  </a:spcBef>
-                  <a:buFont typeface="Arial"/>
-                  <a:buChar char="•"/>
-                  <a:defRPr sz="1800" kern="1200">
-                    <a:solidFill>
-                      <a:schemeClr val="bg1"/>
-                    </a:solidFill>
-                    <a:latin typeface="Open Sans Light"/>
-                    <a:ea typeface="+mn-ea"/>
-                    <a:cs typeface="Open Sans Light"/>
-                  </a:defRPr>
-                </a:lvl3pPr>
-                <a:lvl4pPr marL="1600200" indent="-228600" algn="l" defTabSz="457200" rtl="0" eaLnBrk="1" latinLnBrk="0" hangingPunct="1">
-                  <a:spcBef>
-                    <a:spcPct val="20000"/>
-                  </a:spcBef>
-                  <a:buFont typeface="Arial"/>
-                  <a:buChar char="–"/>
-                  <a:defRPr sz="1600" kern="1200">
-                    <a:solidFill>
-                      <a:schemeClr val="bg1"/>
-                    </a:solidFill>
-                    <a:latin typeface="Open Sans Light"/>
-                    <a:ea typeface="+mn-ea"/>
-                    <a:cs typeface="Open Sans Light"/>
-                  </a:defRPr>
-                </a:lvl4pPr>
-                <a:lvl5pPr marL="2057400" indent="-228600" algn="l" defTabSz="457200" rtl="0" eaLnBrk="1" latinLnBrk="0" hangingPunct="1">
-                  <a:spcBef>
-                    <a:spcPct val="20000"/>
-                  </a:spcBef>
-                  <a:buFont typeface="Arial"/>
-                  <a:buChar char="»"/>
-                  <a:defRPr sz="1600" kern="1200">
-                    <a:solidFill>
-                      <a:schemeClr val="bg1"/>
-                    </a:solidFill>
-                    <a:latin typeface="Open Sans Light"/>
-                    <a:ea typeface="+mn-ea"/>
-                    <a:cs typeface="Open Sans Light"/>
-                  </a:defRPr>
-                </a:lvl5pPr>
-                <a:lvl6pPr marL="2514600" indent="-228600" algn="l" defTabSz="457200" rtl="0" eaLnBrk="1" latinLnBrk="0" hangingPunct="1">
-                  <a:spcBef>
-                    <a:spcPct val="20000"/>
-                  </a:spcBef>
-                  <a:buFont typeface="Arial"/>
-                  <a:buChar char="•"/>
-                  <a:defRPr sz="2000" kern="1200">
-                    <a:solidFill>
-                      <a:schemeClr val="tx1"/>
-                    </a:solidFill>
-                    <a:latin typeface="+mn-lt"/>
-                    <a:ea typeface="+mn-ea"/>
-                    <a:cs typeface="+mn-cs"/>
-                  </a:defRPr>
-                </a:lvl6pPr>
-                <a:lvl7pPr marL="2971800" indent="-228600" algn="l" defTabSz="457200" rtl="0" eaLnBrk="1" latinLnBrk="0" hangingPunct="1">
-                  <a:spcBef>
-                    <a:spcPct val="20000"/>
-                  </a:spcBef>
-                  <a:buFont typeface="Arial"/>
-                  <a:buChar char="•"/>
-                  <a:defRPr sz="2000" kern="1200">
-                    <a:solidFill>
-                      <a:schemeClr val="tx1"/>
-                    </a:solidFill>
-                    <a:latin typeface="+mn-lt"/>
-                    <a:ea typeface="+mn-ea"/>
-                    <a:cs typeface="+mn-cs"/>
-                  </a:defRPr>
-                </a:lvl7pPr>
-                <a:lvl8pPr marL="3429000" indent="-228600" algn="l" defTabSz="457200" rtl="0" eaLnBrk="1" latinLnBrk="0" hangingPunct="1">
-                  <a:spcBef>
-                    <a:spcPct val="20000"/>
-                  </a:spcBef>
-                  <a:buFont typeface="Arial"/>
-                  <a:buChar char="•"/>
-                  <a:defRPr sz="2000" kern="1200">
-                    <a:solidFill>
-                      <a:schemeClr val="tx1"/>
-                    </a:solidFill>
-                    <a:latin typeface="+mn-lt"/>
-                    <a:ea typeface="+mn-ea"/>
-                    <a:cs typeface="+mn-cs"/>
-                  </a:defRPr>
-                </a:lvl8pPr>
-                <a:lvl9pPr marL="3886200" indent="-228600" algn="l" defTabSz="457200" rtl="0" eaLnBrk="1" latinLnBrk="0" hangingPunct="1">
-                  <a:spcBef>
-                    <a:spcPct val="20000"/>
-                  </a:spcBef>
-                  <a:buFont typeface="Arial"/>
-                  <a:buChar char="•"/>
-                  <a:defRPr sz="2000" kern="1200">
-                    <a:solidFill>
-                      <a:schemeClr val="tx1"/>
-                    </a:solidFill>
-                    <a:latin typeface="+mn-lt"/>
-                    <a:ea typeface="+mn-ea"/>
-                    <a:cs typeface="+mn-cs"/>
-                  </a:defRPr>
-                </a:lvl9pPr>
-              </a:lstStyle>
-              <a:p>
-                <a:pPr>
-                  <a:buFont typeface="Wingdings" panose="05000000000000000000" pitchFamily="2" charset="2"/>
-                  <a:buChar char="Ø"/>
-                </a:pPr>
-                <a:r>
-                  <a:rPr lang="en-US" dirty="0"/>
-                  <a:t>Placement of a queen is given with two numbers: </a:t>
-                </a:r>
-                <a:r>
-                  <a:rPr lang="en-US" sz="2000" dirty="0"/>
-                  <a:t>(column no., row no.)</a:t>
-                </a:r>
-                <a:endParaRPr lang="en-US" dirty="0"/>
-              </a:p>
-              <a:p>
-                <a:pPr>
-                  <a:buFont typeface="Wingdings" panose="05000000000000000000" pitchFamily="2" charset="2"/>
-                  <a:buChar char="Ø"/>
-                </a:pPr>
-                <a:r>
-                  <a:rPr lang="en-US" dirty="0"/>
-                  <a:t>Solution modus may be chosen between:</a:t>
-                </a:r>
-              </a:p>
-              <a:p>
-                <a:pPr lvl="1">
-                  <a:buFont typeface="Wingdings" panose="05000000000000000000" pitchFamily="2" charset="2"/>
-                  <a:buChar char="ü"/>
-                </a:pPr>
-                <a:r>
-                  <a:rPr lang="en-US" i="1" dirty="0"/>
-                  <a:t>Single</a:t>
-                </a:r>
-                <a:r>
-                  <a:rPr lang="en-US" dirty="0"/>
-                  <a:t>, </a:t>
-                </a:r>
-                <a:r>
-                  <a:rPr lang="en-US" i="1" dirty="0"/>
-                  <a:t>Unique and All</a:t>
-                </a:r>
-              </a:p>
-              <a:p>
-                <a:pPr>
-                  <a:buFont typeface="Wingdings" panose="05000000000000000000" pitchFamily="2" charset="2"/>
-                  <a:buChar char="ü"/>
-                </a:pPr>
-                <a:r>
-                  <a:rPr lang="en-US" dirty="0"/>
-                  <a:t>A single solution is a </a:t>
-                </a:r>
-                <a14:m>
-                  <m:oMath xmlns:m="http://schemas.openxmlformats.org/officeDocument/2006/math">
-                    <m:r>
-                      <a:rPr lang="en-US" i="1">
-                        <a:latin typeface="Cambria Math" panose="02040503050406030204" pitchFamily="18" charset="0"/>
-                      </a:rPr>
-                      <m:t>𝑁</m:t>
-                    </m:r>
-                  </m:oMath>
-                </a14:m>
-                <a:r>
-                  <a:rPr lang="en-US" i="1" dirty="0"/>
-                  <a:t>-vector</a:t>
-                </a:r>
-                <a:r>
-                  <a:rPr lang="en-US" dirty="0"/>
-                  <a:t> of queen locations</a:t>
-                </a:r>
-              </a:p>
-              <a:p>
-                <a:pPr algn="just">
-                  <a:buFont typeface="Wingdings" panose="05000000000000000000" pitchFamily="2" charset="2"/>
-                  <a:buChar char="Ø"/>
-                </a:pPr>
-                <a:r>
-                  <a:rPr lang="en-US" dirty="0"/>
-                  <a:t>Unique solutions:</a:t>
-                </a:r>
-              </a:p>
-              <a:p>
-                <a:pPr lvl="1" algn="just">
-                  <a:buFont typeface="Wingdings" panose="05000000000000000000" pitchFamily="2" charset="2"/>
-                  <a:buChar char="ü"/>
-                </a:pPr>
-                <a:r>
-                  <a:rPr lang="en-US" dirty="0"/>
-                  <a:t>a solution is characterized as </a:t>
-                </a:r>
-                <a:r>
-                  <a:rPr lang="en-US" i="1" dirty="0"/>
-                  <a:t>unique</a:t>
-                </a:r>
-                <a:r>
-                  <a:rPr lang="en-US" dirty="0"/>
-                  <a:t>,</a:t>
-                </a:r>
-                <a:r>
-                  <a:rPr lang="en-US" i="1" dirty="0"/>
-                  <a:t> </a:t>
-                </a:r>
-                <a:r>
-                  <a:rPr lang="en-US" dirty="0"/>
-                  <a:t>if it is not equal to any other solution or their symm. counterparts</a:t>
-                </a:r>
-              </a:p>
-            </p:txBody>
-          </p:sp>
-        </mc:Choice>
-        <mc:Fallback>
-          <p:sp>
-            <p:nvSpPr>
-              <p:cNvPr id="12" name="Subtitle 2">
-                <a:extLst>
-                  <a:ext uri="{FF2B5EF4-FFF2-40B4-BE49-F238E27FC236}">
-                    <a16:creationId xmlns:a16="http://schemas.microsoft.com/office/drawing/2014/main" id="{C1ECDE8C-A778-4D1D-8B14-5FE88ED18A5D}"/>
-                  </a:ext>
-                </a:extLst>
-              </p:cNvPr>
-              <p:cNvSpPr txBox="1">
-                <a:spLocks noRot="1" noChangeAspect="1" noMove="1" noResize="1" noEditPoints="1" noAdjustHandles="1" noChangeArrowheads="1" noChangeShapeType="1" noTextEdit="1"/>
-              </p:cNvSpPr>
-              <p:nvPr/>
-            </p:nvSpPr>
-            <p:spPr>
-              <a:xfrm>
-                <a:off x="1082523" y="1270093"/>
-                <a:ext cx="7900111" cy="3145476"/>
-              </a:xfrm>
-              <a:prstGeom prst="rect">
-                <a:avLst/>
-              </a:prstGeom>
-              <a:blipFill>
-                <a:blip r:embed="rId3"/>
-                <a:stretch>
-                  <a:fillRect l="-1080" t="-1357" r="-772" b="-2713"/>
-                </a:stretch>
-              </a:blipFill>
-            </p:spPr>
-            <p:txBody>
-              <a:bodyPr/>
-              <a:lstStyle/>
-              <a:p>
-                <a:r>
-                  <a:rPr lang="en-US">
-                    <a:noFill/>
-                  </a:rPr>
-                  <a:t> </a:t>
-                </a:r>
-              </a:p>
-            </p:txBody>
-          </p:sp>
-        </mc:Fallback>
-      </mc:AlternateContent>
-    </p:spTree>
-    <p:extLst>
-      <p:ext uri="{BB962C8B-B14F-4D97-AF65-F5344CB8AC3E}">
-        <p14:creationId xmlns:p14="http://schemas.microsoft.com/office/powerpoint/2010/main" val="26657"/>
-      </p:ext>
-    </p:extLst>
-  </p:cSld>
-  <p:clrMapOvr>
-    <a:overrideClrMapping bg1="lt1" tx1="dk1" bg2="lt2" tx2="dk2" accent1="accent1" accent2="accent2" accent3="accent3" accent4="accent4" accent5="accent5" accent6="accent6" hlink="hlink" folHlink="folHlink"/>
-  </p:clrMapOvr>
-</p:sld>
-</file>
-
-<file path=ppt/slides/slide12.xml><?xml version="1.0" encoding="utf-8"?>
-<p:sld xmlns:a="http://schemas.openxmlformats.org/drawingml/2006/main" xmlns:r="http://schemas.openxmlformats.org/officeDocument/2006/relationships" xmlns:p="http://schemas.openxmlformats.org/presentationml/2006/main">
-  <p:cSld>
-    <p:spTree>
-      <p:nvGrpSpPr>
-        <p:cNvPr id="1" name=""/>
-        <p:cNvGrpSpPr/>
-        <p:nvPr/>
-      </p:nvGrpSpPr>
-      <p:grpSpPr>
-        <a:xfrm>
-          <a:off x="0" y="0"/>
-          <a:ext cx="0" cy="0"/>
-          <a:chOff x="0" y="0"/>
-          <a:chExt cx="0" cy="0"/>
-        </a:xfrm>
-      </p:grpSpPr>
-      <p:sp>
-        <p:nvSpPr>
-          <p:cNvPr id="10" name="Title 9">
-            <a:extLst>
-              <a:ext uri="{FF2B5EF4-FFF2-40B4-BE49-F238E27FC236}">
-                <a16:creationId xmlns:a16="http://schemas.microsoft.com/office/drawing/2014/main" id="{F7BA15D8-4BE4-4774-806D-C728CCC40C6B}"/>
-              </a:ext>
-            </a:extLst>
-          </p:cNvPr>
-          <p:cNvSpPr>
-            <a:spLocks noGrp="1"/>
-          </p:cNvSpPr>
-          <p:nvPr>
-            <p:ph type="ctrTitle"/>
-          </p:nvPr>
-        </p:nvSpPr>
-        <p:spPr>
-          <a:xfrm>
-            <a:off x="1082525" y="610693"/>
-            <a:ext cx="6640286" cy="418576"/>
-          </a:xfrm>
-        </p:spPr>
-        <p:txBody>
-          <a:bodyPr vert="horz" wrap="square" lIns="0" tIns="0" rIns="0" bIns="0" rtlCol="0" anchor="t" anchorCtr="0">
-            <a:spAutoFit/>
-          </a:bodyPr>
-          <a:lstStyle/>
-          <a:p>
-            <a:r>
-              <a:rPr lang="en-US" noProof="0" dirty="0"/>
-              <a:t>Solution Modus Continues</a:t>
-            </a:r>
-          </a:p>
-        </p:txBody>
-      </p:sp>
-      <p:sp>
-        <p:nvSpPr>
-          <p:cNvPr id="11" name="Slide Number Placeholder 10">
-            <a:extLst>
-              <a:ext uri="{FF2B5EF4-FFF2-40B4-BE49-F238E27FC236}">
-                <a16:creationId xmlns:a16="http://schemas.microsoft.com/office/drawing/2014/main" id="{EE9BCE3B-59CC-4E88-9331-6CFD6C770193}"/>
-              </a:ext>
-            </a:extLst>
-          </p:cNvPr>
-          <p:cNvSpPr>
-            <a:spLocks noGrp="1"/>
-          </p:cNvSpPr>
-          <p:nvPr>
-            <p:ph type="sldNum" sz="quarter" idx="12"/>
-          </p:nvPr>
-        </p:nvSpPr>
-        <p:spPr/>
-        <p:txBody>
-          <a:bodyPr/>
-          <a:lstStyle/>
-          <a:p>
-            <a:fld id="{5AA702B1-EDA3-FF46-994A-18FFB6DE5B39}" type="slidenum">
-              <a:rPr lang="en-US" smtClean="0"/>
-              <a:pPr/>
-              <a:t>12</a:t>
-            </a:fld>
-            <a:endParaRPr lang="en-US"/>
-          </a:p>
-        </p:txBody>
-      </p:sp>
-      <p:sp>
-        <p:nvSpPr>
-          <p:cNvPr id="12" name="Subtitle 2">
-            <a:extLst>
-              <a:ext uri="{FF2B5EF4-FFF2-40B4-BE49-F238E27FC236}">
-                <a16:creationId xmlns:a16="http://schemas.microsoft.com/office/drawing/2014/main" id="{C1ECDE8C-A778-4D1D-8B14-5FE88ED18A5D}"/>
-              </a:ext>
-            </a:extLst>
-          </p:cNvPr>
-          <p:cNvSpPr txBox="1">
-            <a:spLocks/>
-          </p:cNvSpPr>
-          <p:nvPr/>
-        </p:nvSpPr>
-        <p:spPr>
-          <a:xfrm>
-            <a:off x="1082524" y="1270093"/>
-            <a:ext cx="7669590" cy="3083921"/>
-          </a:xfrm>
-          <a:prstGeom prst="rect">
-            <a:avLst/>
-          </a:prstGeom>
-        </p:spPr>
-        <p:txBody>
-          <a:bodyPr wrap="square">
-            <a:spAutoFit/>
-          </a:bodyPr>
-          <a:lstStyle>
-            <a:lvl1pPr marL="342900" indent="-342900" algn="l" defTabSz="457200" rtl="0" eaLnBrk="1" latinLnBrk="0" hangingPunct="1">
-              <a:spcBef>
-                <a:spcPct val="20000"/>
-              </a:spcBef>
-              <a:buFont typeface="Arial"/>
-              <a:buChar char="•"/>
-              <a:defRPr sz="2400" kern="1200">
-                <a:solidFill>
-                  <a:schemeClr val="bg1"/>
-                </a:solidFill>
-                <a:latin typeface="Open Sans Light"/>
-                <a:ea typeface="+mn-ea"/>
-                <a:cs typeface="Open Sans Light"/>
-              </a:defRPr>
-            </a:lvl1pPr>
-            <a:lvl2pPr marL="742950" indent="-285750" algn="l" defTabSz="457200" rtl="0" eaLnBrk="1" latinLnBrk="0" hangingPunct="1">
-              <a:spcBef>
-                <a:spcPct val="20000"/>
-              </a:spcBef>
-              <a:buFont typeface="Arial"/>
-              <a:buChar char="–"/>
-              <a:defRPr sz="2000" kern="1200">
-                <a:solidFill>
-                  <a:schemeClr val="bg1"/>
-                </a:solidFill>
-                <a:latin typeface="Open Sans Light"/>
-                <a:ea typeface="+mn-ea"/>
-                <a:cs typeface="Open Sans Light"/>
-              </a:defRPr>
-            </a:lvl2pPr>
-            <a:lvl3pPr marL="1143000" indent="-228600" algn="l" defTabSz="457200" rtl="0" eaLnBrk="1" latinLnBrk="0" hangingPunct="1">
-              <a:spcBef>
-                <a:spcPct val="20000"/>
-              </a:spcBef>
-              <a:buFont typeface="Arial"/>
-              <a:buChar char="•"/>
-              <a:defRPr sz="1800" kern="1200">
-                <a:solidFill>
-                  <a:schemeClr val="bg1"/>
-                </a:solidFill>
-                <a:latin typeface="Open Sans Light"/>
-                <a:ea typeface="+mn-ea"/>
-                <a:cs typeface="Open Sans Light"/>
-              </a:defRPr>
-            </a:lvl3pPr>
-            <a:lvl4pPr marL="1600200" indent="-228600" algn="l" defTabSz="457200" rtl="0" eaLnBrk="1" latinLnBrk="0" hangingPunct="1">
-              <a:spcBef>
-                <a:spcPct val="20000"/>
-              </a:spcBef>
-              <a:buFont typeface="Arial"/>
-              <a:buChar char="–"/>
-              <a:defRPr sz="1600" kern="1200">
-                <a:solidFill>
-                  <a:schemeClr val="bg1"/>
-                </a:solidFill>
-                <a:latin typeface="Open Sans Light"/>
-                <a:ea typeface="+mn-ea"/>
-                <a:cs typeface="Open Sans Light"/>
-              </a:defRPr>
-            </a:lvl4pPr>
-            <a:lvl5pPr marL="2057400" indent="-228600" algn="l" defTabSz="457200" rtl="0" eaLnBrk="1" latinLnBrk="0" hangingPunct="1">
-              <a:spcBef>
-                <a:spcPct val="20000"/>
-              </a:spcBef>
-              <a:buFont typeface="Arial"/>
-              <a:buChar char="»"/>
-              <a:defRPr sz="1600" kern="1200">
-                <a:solidFill>
-                  <a:schemeClr val="bg1"/>
-                </a:solidFill>
-                <a:latin typeface="Open Sans Light"/>
-                <a:ea typeface="+mn-ea"/>
-                <a:cs typeface="Open Sans Light"/>
-              </a:defRPr>
-            </a:lvl5pPr>
-            <a:lvl6pPr marL="2514600" indent="-228600" algn="l" defTabSz="457200" rtl="0" eaLnBrk="1" latinLnBrk="0" hangingPunct="1">
-              <a:spcBef>
-                <a:spcPct val="20000"/>
-              </a:spcBef>
-              <a:buFont typeface="Arial"/>
-              <a:buChar char="•"/>
-              <a:defRPr sz="2000" kern="1200">
-                <a:solidFill>
-                  <a:schemeClr val="tx1"/>
-                </a:solidFill>
-                <a:latin typeface="+mn-lt"/>
-                <a:ea typeface="+mn-ea"/>
-                <a:cs typeface="+mn-cs"/>
-              </a:defRPr>
-            </a:lvl6pPr>
-            <a:lvl7pPr marL="2971800" indent="-228600" algn="l" defTabSz="457200" rtl="0" eaLnBrk="1" latinLnBrk="0" hangingPunct="1">
-              <a:spcBef>
-                <a:spcPct val="20000"/>
-              </a:spcBef>
-              <a:buFont typeface="Arial"/>
-              <a:buChar char="•"/>
-              <a:defRPr sz="2000" kern="1200">
-                <a:solidFill>
-                  <a:schemeClr val="tx1"/>
-                </a:solidFill>
-                <a:latin typeface="+mn-lt"/>
-                <a:ea typeface="+mn-ea"/>
-                <a:cs typeface="+mn-cs"/>
-              </a:defRPr>
-            </a:lvl7pPr>
-            <a:lvl8pPr marL="3429000" indent="-228600" algn="l" defTabSz="457200" rtl="0" eaLnBrk="1" latinLnBrk="0" hangingPunct="1">
-              <a:spcBef>
-                <a:spcPct val="20000"/>
-              </a:spcBef>
-              <a:buFont typeface="Arial"/>
-              <a:buChar char="•"/>
-              <a:defRPr sz="2000" kern="1200">
-                <a:solidFill>
-                  <a:schemeClr val="tx1"/>
-                </a:solidFill>
-                <a:latin typeface="+mn-lt"/>
-                <a:ea typeface="+mn-ea"/>
-                <a:cs typeface="+mn-cs"/>
-              </a:defRPr>
-            </a:lvl8pPr>
-            <a:lvl9pPr marL="3886200" indent="-228600" algn="l" defTabSz="457200" rtl="0" eaLnBrk="1" latinLnBrk="0" hangingPunct="1">
-              <a:spcBef>
-                <a:spcPct val="20000"/>
-              </a:spcBef>
-              <a:buFont typeface="Arial"/>
-              <a:buChar char="•"/>
-              <a:defRPr sz="2000" kern="1200">
-                <a:solidFill>
-                  <a:schemeClr val="tx1"/>
-                </a:solidFill>
-                <a:latin typeface="+mn-lt"/>
-                <a:ea typeface="+mn-ea"/>
-                <a:cs typeface="+mn-cs"/>
-              </a:defRPr>
-            </a:lvl9pPr>
-          </a:lstStyle>
-          <a:p>
-            <a:pPr algn="just">
-              <a:buFont typeface="Wingdings" panose="05000000000000000000" pitchFamily="2" charset="2"/>
-              <a:buChar char="Ø"/>
-            </a:pPr>
-            <a:r>
-              <a:rPr lang="en-US" dirty="0"/>
-              <a:t>All solutions</a:t>
-            </a:r>
-          </a:p>
-          <a:p>
-            <a:pPr lvl="1" algn="just">
-              <a:buFont typeface="Wingdings" panose="05000000000000000000" pitchFamily="2" charset="2"/>
-              <a:buChar char="ü"/>
-            </a:pPr>
-            <a:r>
-              <a:rPr lang="en-US" dirty="0"/>
-              <a:t>are unique solutions and all their symm. Counterparts</a:t>
-            </a:r>
-          </a:p>
-          <a:p>
-            <a:pPr>
-              <a:buFont typeface="Wingdings" panose="05000000000000000000" pitchFamily="2" charset="2"/>
-              <a:buChar char="Ø"/>
-            </a:pPr>
-            <a:endParaRPr lang="en-US" dirty="0"/>
-          </a:p>
-          <a:p>
-            <a:pPr>
-              <a:buFont typeface="Wingdings" panose="05000000000000000000" pitchFamily="2" charset="2"/>
-              <a:buChar char="Ø"/>
-            </a:pPr>
-            <a:r>
-              <a:rPr lang="en-US" dirty="0"/>
-              <a:t>Every solution may have up to 7 symm. counterparts:</a:t>
-            </a:r>
-          </a:p>
-          <a:p>
-            <a:pPr lvl="1">
-              <a:buFont typeface="Wingdings" panose="05000000000000000000" pitchFamily="2" charset="2"/>
-              <a:buChar char="ü"/>
-            </a:pPr>
-            <a:r>
-              <a:rPr lang="en-US" dirty="0"/>
-              <a:t>The solutions are packed in groups with size of up to eight:</a:t>
-            </a:r>
-          </a:p>
-          <a:p>
-            <a:pPr lvl="2">
-              <a:buFont typeface="Wingdings" panose="05000000000000000000" pitchFamily="2" charset="2"/>
-              <a:buChar char="ü"/>
-            </a:pPr>
-            <a:r>
-              <a:rPr lang="en-US" dirty="0"/>
-              <a:t>Symm. with respect to horizontal and vertical midline (2)</a:t>
-            </a:r>
-          </a:p>
-          <a:p>
-            <a:pPr lvl="2">
-              <a:buFont typeface="Wingdings" panose="05000000000000000000" pitchFamily="2" charset="2"/>
-              <a:buChar char="ü"/>
-            </a:pPr>
-            <a:r>
-              <a:rPr lang="en-US" dirty="0"/>
-              <a:t>Symm. with respect to main diagonals (2)</a:t>
-            </a:r>
-          </a:p>
-          <a:p>
-            <a:pPr lvl="2">
-              <a:buFont typeface="Wingdings" panose="05000000000000000000" pitchFamily="2" charset="2"/>
-              <a:buChar char="ü"/>
-            </a:pPr>
-            <a:r>
-              <a:rPr lang="en-US" dirty="0"/>
-              <a:t>Turning clockwise an amount of 90, 180 and 270 degrees (3)</a:t>
-            </a:r>
-          </a:p>
-        </p:txBody>
-      </p:sp>
-    </p:spTree>
-    <p:extLst>
-      <p:ext uri="{BB962C8B-B14F-4D97-AF65-F5344CB8AC3E}">
-        <p14:creationId xmlns:p14="http://schemas.microsoft.com/office/powerpoint/2010/main" val="1872910531"/>
-      </p:ext>
-    </p:extLst>
-  </p:cSld>
-  <p:clrMapOvr>
-    <a:masterClrMapping/>
-  </p:clrMapOvr>
-</p:sld>
-</file>
-
-<file path=ppt/slides/slide13.xml><?xml version="1.0" encoding="utf-8"?>
-<p:sld xmlns:a="http://schemas.openxmlformats.org/drawingml/2006/main" xmlns:r="http://schemas.openxmlformats.org/officeDocument/2006/relationships" xmlns:p="http://schemas.openxmlformats.org/presentationml/2006/main">
-  <p:cSld>
-    <p:spTree>
-      <p:nvGrpSpPr>
-        <p:cNvPr id="1" name=""/>
-        <p:cNvGrpSpPr/>
-        <p:nvPr/>
-      </p:nvGrpSpPr>
-      <p:grpSpPr>
-        <a:xfrm>
-          <a:off x="0" y="0"/>
-          <a:ext cx="0" cy="0"/>
-          <a:chOff x="0" y="0"/>
-          <a:chExt cx="0" cy="0"/>
-        </a:xfrm>
-      </p:grpSpPr>
-      <p:sp>
-        <p:nvSpPr>
-          <p:cNvPr id="10" name="Title 9">
-            <a:extLst>
-              <a:ext uri="{FF2B5EF4-FFF2-40B4-BE49-F238E27FC236}">
-                <a16:creationId xmlns:a16="http://schemas.microsoft.com/office/drawing/2014/main" id="{F7BA15D8-4BE4-4774-806D-C728CCC40C6B}"/>
-              </a:ext>
-            </a:extLst>
-          </p:cNvPr>
-          <p:cNvSpPr>
-            <a:spLocks noGrp="1"/>
-          </p:cNvSpPr>
-          <p:nvPr>
-            <p:ph type="ctrTitle"/>
-          </p:nvPr>
-        </p:nvSpPr>
-        <p:spPr>
-          <a:xfrm>
-            <a:off x="1082525" y="610693"/>
-            <a:ext cx="6640286" cy="418576"/>
-          </a:xfrm>
-        </p:spPr>
-        <p:txBody>
-          <a:bodyPr vert="horz" wrap="square" lIns="0" tIns="0" rIns="0" bIns="0" rtlCol="0" anchor="t" anchorCtr="0">
-            <a:spAutoFit/>
-          </a:bodyPr>
-          <a:lstStyle/>
-          <a:p>
-            <a:r>
-              <a:rPr lang="en-US" noProof="0" dirty="0"/>
-              <a:t>Solution Modus Continues</a:t>
-            </a:r>
-          </a:p>
-        </p:txBody>
-      </p:sp>
-      <p:sp>
-        <p:nvSpPr>
-          <p:cNvPr id="11" name="Slide Number Placeholder 10">
-            <a:extLst>
-              <a:ext uri="{FF2B5EF4-FFF2-40B4-BE49-F238E27FC236}">
-                <a16:creationId xmlns:a16="http://schemas.microsoft.com/office/drawing/2014/main" id="{EE9BCE3B-59CC-4E88-9331-6CFD6C770193}"/>
-              </a:ext>
-            </a:extLst>
-          </p:cNvPr>
-          <p:cNvSpPr>
-            <a:spLocks noGrp="1"/>
-          </p:cNvSpPr>
-          <p:nvPr>
-            <p:ph type="sldNum" sz="quarter" idx="12"/>
-          </p:nvPr>
-        </p:nvSpPr>
-        <p:spPr/>
-        <p:txBody>
-          <a:bodyPr/>
-          <a:lstStyle/>
-          <a:p>
-            <a:fld id="{5AA702B1-EDA3-FF46-994A-18FFB6DE5B39}" type="slidenum">
-              <a:rPr lang="en-US" smtClean="0"/>
-              <a:pPr/>
-              <a:t>13</a:t>
+              <a:t>10</a:t>
             </a:fld>
             <a:endParaRPr lang="en-US"/>
           </a:p>
@@ -7307,7 +6225,7 @@
             <p:spPr>
               <a:xfrm>
                 <a:off x="1082524" y="1270093"/>
-                <a:ext cx="7669590" cy="2920479"/>
+                <a:ext cx="7669590" cy="3363678"/>
               </a:xfrm>
               <a:prstGeom prst="rect">
                 <a:avLst/>
@@ -7469,6 +6387,13 @@
                   <a:buFont typeface="Wingdings" panose="05000000000000000000" pitchFamily="2" charset="2"/>
                   <a:buChar char="Ø"/>
                 </a:pPr>
+                <a:endParaRPr lang="en-US" dirty="0"/>
+              </a:p>
+              <a:p>
+                <a:pPr>
+                  <a:buFont typeface="Wingdings" panose="05000000000000000000" pitchFamily="2" charset="2"/>
+                  <a:buChar char="Ø"/>
+                </a:pPr>
                 <a:r>
                   <a:rPr lang="en-US" dirty="0"/>
                   <a:t>The fraction </a:t>
@@ -7565,13 +6490,8 @@
                 </a:pPr>
                 <a:r>
                   <a:rPr lang="en-US" dirty="0"/>
-                  <a:t>It is possible to visualize the solution buildup with an adjustable delay, ref simulations </a:t>
+                  <a:t>It is possible to visualize the solution buildup with an adjustable delay, ref simulations and the Excel-file</a:t>
                 </a:r>
-                <a:r>
-                  <a:rPr lang="en-US"/>
-                  <a:t>and the Excel-file</a:t>
-                </a:r>
-                <a:endParaRPr lang="en-US" dirty="0"/>
               </a:p>
             </p:txBody>
           </p:sp>
@@ -7594,7 +6514,7 @@
             <p:spPr>
               <a:xfrm>
                 <a:off x="1082524" y="1270093"/>
-                <a:ext cx="7669590" cy="2920479"/>
+                <a:ext cx="7669590" cy="3363678"/>
               </a:xfrm>
               <a:prstGeom prst="rect">
                 <a:avLst/>
@@ -7602,7 +6522,7 @@
               <a:blipFill>
                 <a:blip r:embed="rId2"/>
                 <a:stretch>
-                  <a:fillRect l="-1113" t="-1461" r="-1828" b="-3967"/>
+                  <a:fillRect l="-1113" t="-1268" r="-1828" b="-3261"/>
                 </a:stretch>
               </a:blipFill>
             </p:spPr>
@@ -7634,7 +6554,7 @@
 </p:sld>
 </file>
 
-<file path=ppt/slides/slide14.xml><?xml version="1.0" encoding="utf-8"?>
+<file path=ppt/slides/slide11.xml><?xml version="1.0" encoding="utf-8"?>
 <p:sld xmlns:a="http://schemas.openxmlformats.org/drawingml/2006/main" xmlns:r="http://schemas.openxmlformats.org/officeDocument/2006/relationships" xmlns:p="http://schemas.openxmlformats.org/presentationml/2006/main">
   <p:cSld>
     <p:spTree>
@@ -7669,7 +6589,7 @@
             <a:fld id="{5AA702B1-EDA3-FF46-994A-18FFB6DE5B39}" type="slidenum">
               <a:rPr lang="en-US"/>
               <a:pPr/>
-              <a:t>14</a:t>
+              <a:t>11</a:t>
             </a:fld>
             <a:endParaRPr lang="en-US"/>
           </a:p>
@@ -7677,10 +6597,10 @@
       </p:sp>
       <p:sp>
         <p:nvSpPr>
-          <p:cNvPr id="4" name="Subtitle 2">
+          <p:cNvPr id="16" name="Title 1">
             <a:extLst>
               <a:ext uri="{FF2B5EF4-FFF2-40B4-BE49-F238E27FC236}">
-                <a16:creationId xmlns:a16="http://schemas.microsoft.com/office/drawing/2014/main" id="{2A2C15EA-6839-4379-9B86-431AD007E8C3}"/>
+                <a16:creationId xmlns:a16="http://schemas.microsoft.com/office/drawing/2014/main" id="{E05BFCB2-F9FD-4687-864D-12F55B2C3F05}"/>
               </a:ext>
             </a:extLst>
           </p:cNvPr>
@@ -7691,8 +6611,62 @@
         </p:nvSpPr>
         <p:spPr>
           <a:xfrm>
-            <a:off x="556287" y="2287526"/>
-            <a:ext cx="7900111" cy="769441"/>
+            <a:off x="880024" y="610692"/>
+            <a:ext cx="6640286" cy="418576"/>
+          </a:xfrm>
+          <a:prstGeom prst="rect">
+            <a:avLst/>
+          </a:prstGeom>
+        </p:spPr>
+        <p:txBody>
+          <a:bodyPr vert="horz" wrap="square" lIns="0" tIns="0" rIns="0" bIns="0" rtlCol="0" anchor="t" anchorCtr="0">
+            <a:spAutoFit/>
+          </a:bodyPr>
+          <a:lstStyle>
+            <a:lvl1pPr>
+              <a:lnSpc>
+                <a:spcPct val="85000"/>
+              </a:lnSpc>
+              <a:spcBef>
+                <a:spcPct val="0"/>
+              </a:spcBef>
+              <a:buNone/>
+              <a:defRPr sz="3200" b="0" i="0" baseline="0">
+                <a:solidFill>
+                  <a:schemeClr val="bg1"/>
+                </a:solidFill>
+                <a:latin typeface="Museo 700"/>
+                <a:ea typeface="+mj-ea"/>
+                <a:cs typeface="Museo 700"/>
+              </a:defRPr>
+            </a:lvl1pPr>
+          </a:lstStyle>
+          <a:p>
+            <a:r>
+              <a:rPr lang="en-US" dirty="0"/>
+              <a:t>What’s Next</a:t>
+            </a:r>
+          </a:p>
+        </p:txBody>
+      </p:sp>
+      <p:sp>
+        <p:nvSpPr>
+          <p:cNvPr id="17" name="Subtitle 2">
+            <a:extLst>
+              <a:ext uri="{FF2B5EF4-FFF2-40B4-BE49-F238E27FC236}">
+                <a16:creationId xmlns:a16="http://schemas.microsoft.com/office/drawing/2014/main" id="{D5D94FB6-56A9-4839-802C-0F9A7EE43656}"/>
+              </a:ext>
+            </a:extLst>
+          </p:cNvPr>
+          <p:cNvSpPr txBox="1">
+            <a:spLocks/>
+          </p:cNvSpPr>
+          <p:nvPr/>
+        </p:nvSpPr>
+        <p:spPr>
+          <a:xfrm>
+            <a:off x="880024" y="1552485"/>
+            <a:ext cx="7975218" cy="2973122"/>
           </a:xfrm>
           <a:prstGeom prst="rect">
             <a:avLst/>
@@ -7840,12 +6814,67 @@
             </a:lvl9pPr>
           </a:lstStyle>
           <a:p>
-            <a:pPr marL="0" indent="0" algn="ctr">
-              <a:buNone/>
+            <a:pPr>
+              <a:buFont typeface="Wingdings" panose="05000000000000000000" pitchFamily="2" charset="2"/>
+              <a:buChar char="Ø"/>
             </a:pPr>
             <a:r>
-              <a:rPr lang="en-US" sz="4400" dirty="0"/>
-              <a:t>Results</a:t>
+              <a:rPr lang="en-US" dirty="0"/>
+              <a:t>A «Pause/Continue» toggle button</a:t>
+            </a:r>
+          </a:p>
+          <a:p>
+            <a:pPr lvl="1">
+              <a:buFont typeface="Wingdings" panose="05000000000000000000" pitchFamily="2" charset="2"/>
+              <a:buChar char="ü"/>
+            </a:pPr>
+            <a:r>
+              <a:rPr lang="en-US" dirty="0"/>
+              <a:t>Stop simulations, but save the status</a:t>
+            </a:r>
+          </a:p>
+          <a:p>
+            <a:pPr lvl="1">
+              <a:buFont typeface="Wingdings" panose="05000000000000000000" pitchFamily="2" charset="2"/>
+              <a:buChar char="ü"/>
+            </a:pPr>
+            <a:r>
+              <a:rPr lang="en-US" dirty="0"/>
+              <a:t>Continue from the saved status when required</a:t>
+            </a:r>
+          </a:p>
+          <a:p>
+            <a:pPr>
+              <a:buFont typeface="Wingdings" panose="05000000000000000000" pitchFamily="2" charset="2"/>
+              <a:buChar char="Ø"/>
+            </a:pPr>
+            <a:endParaRPr lang="en-US" dirty="0"/>
+          </a:p>
+          <a:p>
+            <a:pPr>
+              <a:buFont typeface="Wingdings" panose="05000000000000000000" pitchFamily="2" charset="2"/>
+              <a:buChar char="Ø"/>
+            </a:pPr>
+            <a:r>
+              <a:rPr lang="en-US" dirty="0"/>
+              <a:t>Save the results in other formats: XML, database</a:t>
+            </a:r>
+          </a:p>
+          <a:p>
+            <a:pPr>
+              <a:buFont typeface="Wingdings" panose="05000000000000000000" pitchFamily="2" charset="2"/>
+              <a:buChar char="Ø"/>
+            </a:pPr>
+            <a:endParaRPr lang="en-US" dirty="0"/>
+          </a:p>
+          <a:p>
+            <a:pPr>
+              <a:buFont typeface="Wingdings" panose="05000000000000000000" pitchFamily="2" charset="2"/>
+              <a:buChar char="Ø"/>
+            </a:pPr>
+            <a:r>
+              <a:rPr lang="en-US" dirty="0"/>
+              <a:t>Testing of GUI</a:t>
             </a:r>
           </a:p>
         </p:txBody>
@@ -7853,7 +6882,7 @@
     </p:spTree>
     <p:extLst>
       <p:ext uri="{BB962C8B-B14F-4D97-AF65-F5344CB8AC3E}">
-        <p14:creationId xmlns:p14="http://schemas.microsoft.com/office/powerpoint/2010/main" val="564424466"/>
+        <p14:creationId xmlns:p14="http://schemas.microsoft.com/office/powerpoint/2010/main" val="3255904003"/>
       </p:ext>
     </p:extLst>
   </p:cSld>
@@ -7866,7 +6895,7 @@
 </p:sld>
 </file>
 
-<file path=ppt/slides/slide15.xml><?xml version="1.0" encoding="utf-8"?>
+<file path=ppt/slides/slide12.xml><?xml version="1.0" encoding="utf-8"?>
 <p:sld xmlns:a="http://schemas.openxmlformats.org/drawingml/2006/main" xmlns:r="http://schemas.openxmlformats.org/officeDocument/2006/relationships" xmlns:p="http://schemas.openxmlformats.org/presentationml/2006/main">
   <p:cSld>
     <p:spTree>
@@ -7885,35 +6914,6 @@
       </p:grpSpPr>
       <p:sp>
         <p:nvSpPr>
-          <p:cNvPr id="2" name="Title 1"/>
-          <p:cNvSpPr>
-            <a:spLocks noGrp="1"/>
-          </p:cNvSpPr>
-          <p:nvPr>
-            <p:ph type="ctrTitle"/>
-          </p:nvPr>
-        </p:nvSpPr>
-        <p:spPr>
-          <a:xfrm>
-            <a:off x="1082525" y="610693"/>
-            <a:ext cx="6640286" cy="422295"/>
-          </a:xfrm>
-        </p:spPr>
-        <p:txBody>
-          <a:bodyPr vert="horz" wrap="square" lIns="0" tIns="0" rIns="0" bIns="0" rtlCol="0" anchor="t" anchorCtr="0">
-            <a:spAutoFit/>
-          </a:bodyPr>
-          <a:lstStyle/>
-          <a:p>
-            <a:r>
-              <a:rPr lang="en-US" noProof="0" dirty="0"/>
-              <a:t>Some Simulations</a:t>
-            </a:r>
-          </a:p>
-        </p:txBody>
-      </p:sp>
-      <p:sp>
-        <p:nvSpPr>
           <p:cNvPr id="31" name="Slide Number Placeholder 30"/>
           <p:cNvSpPr>
             <a:spLocks noGrp="1"/>
@@ -7930,1842 +6930,7 @@
             <a:fld id="{5AA702B1-EDA3-FF46-994A-18FFB6DE5B39}" type="slidenum">
               <a:rPr lang="en-US"/>
               <a:pPr/>
-              <a:t>15</a:t>
-            </a:fld>
-            <a:endParaRPr lang="en-US"/>
-          </a:p>
-        </p:txBody>
-      </p:sp>
-      <mc:AlternateContent xmlns:mc="http://schemas.openxmlformats.org/markup-compatibility/2006" xmlns:a14="http://schemas.microsoft.com/office/drawing/2010/main">
-        <mc:Choice Requires="a14">
-          <p:sp>
-            <p:nvSpPr>
-              <p:cNvPr id="4" name="Subtitle 2">
-                <a:extLst>
-                  <a:ext uri="{FF2B5EF4-FFF2-40B4-BE49-F238E27FC236}">
-                    <a16:creationId xmlns:a16="http://schemas.microsoft.com/office/drawing/2014/main" id="{2A2C15EA-6839-4379-9B86-431AD007E8C3}"/>
-                  </a:ext>
-                </a:extLst>
-              </p:cNvPr>
-              <p:cNvSpPr txBox="1">
-                <a:spLocks/>
-              </p:cNvSpPr>
-              <p:nvPr/>
-            </p:nvSpPr>
-            <p:spPr>
-              <a:xfrm>
-                <a:off x="1082523" y="1270093"/>
-                <a:ext cx="7900111" cy="3268587"/>
-              </a:xfrm>
-              <a:prstGeom prst="rect">
-                <a:avLst/>
-              </a:prstGeom>
-            </p:spPr>
-            <p:txBody>
-              <a:bodyPr wrap="square">
-                <a:spAutoFit/>
-              </a:bodyPr>
-              <a:lstStyle>
-                <a:lvl1pPr marL="342900" indent="-342900" algn="l" defTabSz="457200" rtl="0" eaLnBrk="1" latinLnBrk="0" hangingPunct="1">
-                  <a:spcBef>
-                    <a:spcPct val="20000"/>
-                  </a:spcBef>
-                  <a:buFont typeface="Arial"/>
-                  <a:buChar char="•"/>
-                  <a:defRPr sz="2400" kern="1200">
-                    <a:solidFill>
-                      <a:schemeClr val="bg1"/>
-                    </a:solidFill>
-                    <a:latin typeface="Open Sans Light"/>
-                    <a:ea typeface="+mn-ea"/>
-                    <a:cs typeface="Open Sans Light"/>
-                  </a:defRPr>
-                </a:lvl1pPr>
-                <a:lvl2pPr marL="742950" indent="-285750" algn="l" defTabSz="457200" rtl="0" eaLnBrk="1" latinLnBrk="0" hangingPunct="1">
-                  <a:spcBef>
-                    <a:spcPct val="20000"/>
-                  </a:spcBef>
-                  <a:buFont typeface="Arial"/>
-                  <a:buChar char="–"/>
-                  <a:defRPr sz="2000" kern="1200">
-                    <a:solidFill>
-                      <a:schemeClr val="bg1"/>
-                    </a:solidFill>
-                    <a:latin typeface="Open Sans Light"/>
-                    <a:ea typeface="+mn-ea"/>
-                    <a:cs typeface="Open Sans Light"/>
-                  </a:defRPr>
-                </a:lvl2pPr>
-                <a:lvl3pPr marL="1143000" indent="-228600" algn="l" defTabSz="457200" rtl="0" eaLnBrk="1" latinLnBrk="0" hangingPunct="1">
-                  <a:spcBef>
-                    <a:spcPct val="20000"/>
-                  </a:spcBef>
-                  <a:buFont typeface="Arial"/>
-                  <a:buChar char="•"/>
-                  <a:defRPr sz="1800" kern="1200">
-                    <a:solidFill>
-                      <a:schemeClr val="bg1"/>
-                    </a:solidFill>
-                    <a:latin typeface="Open Sans Light"/>
-                    <a:ea typeface="+mn-ea"/>
-                    <a:cs typeface="Open Sans Light"/>
-                  </a:defRPr>
-                </a:lvl3pPr>
-                <a:lvl4pPr marL="1600200" indent="-228600" algn="l" defTabSz="457200" rtl="0" eaLnBrk="1" latinLnBrk="0" hangingPunct="1">
-                  <a:spcBef>
-                    <a:spcPct val="20000"/>
-                  </a:spcBef>
-                  <a:buFont typeface="Arial"/>
-                  <a:buChar char="–"/>
-                  <a:defRPr sz="1600" kern="1200">
-                    <a:solidFill>
-                      <a:schemeClr val="bg1"/>
-                    </a:solidFill>
-                    <a:latin typeface="Open Sans Light"/>
-                    <a:ea typeface="+mn-ea"/>
-                    <a:cs typeface="Open Sans Light"/>
-                  </a:defRPr>
-                </a:lvl4pPr>
-                <a:lvl5pPr marL="2057400" indent="-228600" algn="l" defTabSz="457200" rtl="0" eaLnBrk="1" latinLnBrk="0" hangingPunct="1">
-                  <a:spcBef>
-                    <a:spcPct val="20000"/>
-                  </a:spcBef>
-                  <a:buFont typeface="Arial"/>
-                  <a:buChar char="»"/>
-                  <a:defRPr sz="1600" kern="1200">
-                    <a:solidFill>
-                      <a:schemeClr val="bg1"/>
-                    </a:solidFill>
-                    <a:latin typeface="Open Sans Light"/>
-                    <a:ea typeface="+mn-ea"/>
-                    <a:cs typeface="Open Sans Light"/>
-                  </a:defRPr>
-                </a:lvl5pPr>
-                <a:lvl6pPr marL="2514600" indent="-228600" algn="l" defTabSz="457200" rtl="0" eaLnBrk="1" latinLnBrk="0" hangingPunct="1">
-                  <a:spcBef>
-                    <a:spcPct val="20000"/>
-                  </a:spcBef>
-                  <a:buFont typeface="Arial"/>
-                  <a:buChar char="•"/>
-                  <a:defRPr sz="2000" kern="1200">
-                    <a:solidFill>
-                      <a:schemeClr val="tx1"/>
-                    </a:solidFill>
-                    <a:latin typeface="+mn-lt"/>
-                    <a:ea typeface="+mn-ea"/>
-                    <a:cs typeface="+mn-cs"/>
-                  </a:defRPr>
-                </a:lvl6pPr>
-                <a:lvl7pPr marL="2971800" indent="-228600" algn="l" defTabSz="457200" rtl="0" eaLnBrk="1" latinLnBrk="0" hangingPunct="1">
-                  <a:spcBef>
-                    <a:spcPct val="20000"/>
-                  </a:spcBef>
-                  <a:buFont typeface="Arial"/>
-                  <a:buChar char="•"/>
-                  <a:defRPr sz="2000" kern="1200">
-                    <a:solidFill>
-                      <a:schemeClr val="tx1"/>
-                    </a:solidFill>
-                    <a:latin typeface="+mn-lt"/>
-                    <a:ea typeface="+mn-ea"/>
-                    <a:cs typeface="+mn-cs"/>
-                  </a:defRPr>
-                </a:lvl7pPr>
-                <a:lvl8pPr marL="3429000" indent="-228600" algn="l" defTabSz="457200" rtl="0" eaLnBrk="1" latinLnBrk="0" hangingPunct="1">
-                  <a:spcBef>
-                    <a:spcPct val="20000"/>
-                  </a:spcBef>
-                  <a:buFont typeface="Arial"/>
-                  <a:buChar char="•"/>
-                  <a:defRPr sz="2000" kern="1200">
-                    <a:solidFill>
-                      <a:schemeClr val="tx1"/>
-                    </a:solidFill>
-                    <a:latin typeface="+mn-lt"/>
-                    <a:ea typeface="+mn-ea"/>
-                    <a:cs typeface="+mn-cs"/>
-                  </a:defRPr>
-                </a:lvl8pPr>
-                <a:lvl9pPr marL="3886200" indent="-228600" algn="l" defTabSz="457200" rtl="0" eaLnBrk="1" latinLnBrk="0" hangingPunct="1">
-                  <a:spcBef>
-                    <a:spcPct val="20000"/>
-                  </a:spcBef>
-                  <a:buFont typeface="Arial"/>
-                  <a:buChar char="•"/>
-                  <a:defRPr sz="2000" kern="1200">
-                    <a:solidFill>
-                      <a:schemeClr val="tx1"/>
-                    </a:solidFill>
-                    <a:latin typeface="+mn-lt"/>
-                    <a:ea typeface="+mn-ea"/>
-                    <a:cs typeface="+mn-cs"/>
-                  </a:defRPr>
-                </a:lvl9pPr>
-              </a:lstStyle>
-              <a:p>
-                <a:pPr>
-                  <a:buFont typeface="Wingdings" panose="05000000000000000000" pitchFamily="2" charset="2"/>
-                  <a:buChar char="Ø"/>
-                </a:pPr>
-                <a:r>
-                  <a:rPr lang="en-US" dirty="0"/>
-                  <a:t>Set </a:t>
-                </a:r>
-                <a14:m>
-                  <m:oMath xmlns:m="http://schemas.openxmlformats.org/officeDocument/2006/math">
-                    <m:r>
-                      <a:rPr lang="en-US" b="0" i="1" smtClean="0">
-                        <a:latin typeface="Cambria Math" panose="02040503050406030204" pitchFamily="18" charset="0"/>
-                      </a:rPr>
-                      <m:t>𝑁</m:t>
-                    </m:r>
-                    <m:r>
-                      <a:rPr lang="en-US" b="0" i="1" smtClean="0">
-                        <a:latin typeface="Cambria Math" panose="02040503050406030204" pitchFamily="18" charset="0"/>
-                      </a:rPr>
-                      <m:t>=3</m:t>
-                    </m:r>
-                  </m:oMath>
-                </a14:m>
-                <a:r>
-                  <a:rPr lang="en-US" dirty="0"/>
-                  <a:t> and </a:t>
-                </a:r>
-                <a14:m>
-                  <m:oMath xmlns:m="http://schemas.openxmlformats.org/officeDocument/2006/math">
-                    <m:r>
-                      <a:rPr lang="en-US" i="1">
-                        <a:latin typeface="Cambria Math" panose="02040503050406030204" pitchFamily="18" charset="0"/>
-                      </a:rPr>
-                      <m:t>𝑁</m:t>
-                    </m:r>
-                    <m:r>
-                      <a:rPr lang="en-US" i="1">
-                        <a:latin typeface="Cambria Math" panose="02040503050406030204" pitchFamily="18" charset="0"/>
-                      </a:rPr>
-                      <m:t>=4 </m:t>
-                    </m:r>
-                  </m:oMath>
-                </a14:m>
-                <a:r>
-                  <a:rPr lang="en-US" dirty="0"/>
-                  <a:t>and visualization on/off</a:t>
-                </a:r>
-              </a:p>
-              <a:p>
-                <a:pPr lvl="1">
-                  <a:buFont typeface="Wingdings" panose="05000000000000000000" pitchFamily="2" charset="2"/>
-                  <a:buChar char="ü"/>
-                </a:pPr>
-                <a:r>
-                  <a:rPr lang="en-US" dirty="0"/>
-                  <a:t>Find the unique and all solutions</a:t>
-                </a:r>
-              </a:p>
-              <a:p>
-                <a:pPr>
-                  <a:buFont typeface="Wingdings" panose="05000000000000000000" pitchFamily="2" charset="2"/>
-                  <a:buChar char="Ø"/>
-                </a:pPr>
-                <a:r>
-                  <a:rPr lang="en-US" dirty="0"/>
-                  <a:t>Set </a:t>
-                </a:r>
-                <a14:m>
-                  <m:oMath xmlns:m="http://schemas.openxmlformats.org/officeDocument/2006/math">
-                    <m:r>
-                      <a:rPr lang="en-US" i="1">
-                        <a:latin typeface="Cambria Math" panose="02040503050406030204" pitchFamily="18" charset="0"/>
-                      </a:rPr>
-                      <m:t>𝑁</m:t>
-                    </m:r>
-                    <m:r>
-                      <a:rPr lang="en-US" i="1">
-                        <a:latin typeface="Cambria Math" panose="02040503050406030204" pitchFamily="18" charset="0"/>
-                      </a:rPr>
-                      <m:t>=8</m:t>
-                    </m:r>
-                  </m:oMath>
-                </a14:m>
-                <a:r>
-                  <a:rPr lang="en-US" dirty="0"/>
-                  <a:t> og visualization off</a:t>
-                </a:r>
-              </a:p>
-              <a:p>
-                <a:pPr lvl="1">
-                  <a:buFont typeface="Wingdings" panose="05000000000000000000" pitchFamily="2" charset="2"/>
-                  <a:buChar char="ü"/>
-                </a:pPr>
-                <a:r>
-                  <a:rPr lang="en-US" dirty="0"/>
-                  <a:t>Find the unique and all solutions</a:t>
-                </a:r>
-              </a:p>
-              <a:p>
-                <a:pPr>
-                  <a:buFont typeface="Wingdings" panose="05000000000000000000" pitchFamily="2" charset="2"/>
-                  <a:buChar char="Ø"/>
-                </a:pPr>
-                <a:r>
-                  <a:rPr lang="en-US" dirty="0"/>
-                  <a:t>Set </a:t>
-                </a:r>
-                <a14:m>
-                  <m:oMath xmlns:m="http://schemas.openxmlformats.org/officeDocument/2006/math">
-                    <m:r>
-                      <a:rPr lang="en-US" i="1">
-                        <a:latin typeface="Cambria Math" panose="02040503050406030204" pitchFamily="18" charset="0"/>
-                      </a:rPr>
-                      <m:t>𝑁</m:t>
-                    </m:r>
-                    <m:r>
-                      <a:rPr lang="en-US" i="1">
-                        <a:latin typeface="Cambria Math" panose="02040503050406030204" pitchFamily="18" charset="0"/>
-                      </a:rPr>
-                      <m:t>=13</m:t>
-                    </m:r>
-                  </m:oMath>
-                </a14:m>
-                <a:r>
-                  <a:rPr lang="en-US" dirty="0"/>
-                  <a:t> and visualization off</a:t>
-                </a:r>
-              </a:p>
-              <a:p>
-                <a:pPr lvl="1">
-                  <a:buFont typeface="Wingdings" panose="05000000000000000000" pitchFamily="2" charset="2"/>
-                  <a:buChar char="ü"/>
-                </a:pPr>
-                <a:r>
-                  <a:rPr lang="en-US" dirty="0"/>
-                  <a:t>Find the unique and all solutions</a:t>
-                </a:r>
-              </a:p>
-              <a:p>
-                <a:pPr>
-                  <a:buFont typeface="Wingdings" panose="05000000000000000000" pitchFamily="2" charset="2"/>
-                  <a:buChar char="Ø"/>
-                </a:pPr>
-                <a:r>
-                  <a:rPr lang="en-US" dirty="0"/>
-                  <a:t>Set </a:t>
-                </a:r>
-                <a14:m>
-                  <m:oMath xmlns:m="http://schemas.openxmlformats.org/officeDocument/2006/math">
-                    <m:r>
-                      <a:rPr lang="en-US" i="1">
-                        <a:latin typeface="Cambria Math" panose="02040503050406030204" pitchFamily="18" charset="0"/>
-                      </a:rPr>
-                      <m:t>𝑁</m:t>
-                    </m:r>
-                    <m:r>
-                      <a:rPr lang="en-US" i="1">
-                        <a:latin typeface="Cambria Math" panose="02040503050406030204" pitchFamily="18" charset="0"/>
-                      </a:rPr>
-                      <m:t>=25</m:t>
-                    </m:r>
-                  </m:oMath>
-                </a14:m>
-                <a:r>
-                  <a:rPr lang="en-US" dirty="0"/>
-                  <a:t> and visualization off</a:t>
-                </a:r>
-              </a:p>
-              <a:p>
-                <a:pPr lvl="1">
-                  <a:buFont typeface="Wingdings" panose="05000000000000000000" pitchFamily="2" charset="2"/>
-                  <a:buChar char="ü"/>
-                </a:pPr>
-                <a:r>
-                  <a:rPr lang="en-US" dirty="0"/>
-                  <a:t>Finn a single solution</a:t>
-                </a:r>
-              </a:p>
-            </p:txBody>
-          </p:sp>
-        </mc:Choice>
-        <mc:Fallback xmlns="">
-          <p:sp>
-            <p:nvSpPr>
-              <p:cNvPr id="4" name="Subtitle 2">
-                <a:extLst>
-                  <a:ext uri="{FF2B5EF4-FFF2-40B4-BE49-F238E27FC236}">
-                    <a16:creationId xmlns:a16="http://schemas.microsoft.com/office/drawing/2014/main" id="{2A2C15EA-6839-4379-9B86-431AD007E8C3}"/>
-                  </a:ext>
-                </a:extLst>
-              </p:cNvPr>
-              <p:cNvSpPr txBox="1">
-                <a:spLocks noRot="1" noChangeAspect="1" noMove="1" noResize="1" noEditPoints="1" noAdjustHandles="1" noChangeArrowheads="1" noChangeShapeType="1" noTextEdit="1"/>
-              </p:cNvSpPr>
-              <p:nvPr/>
-            </p:nvSpPr>
-            <p:spPr>
-              <a:xfrm>
-                <a:off x="1082523" y="1270093"/>
-                <a:ext cx="7900111" cy="3268587"/>
-              </a:xfrm>
-              <a:prstGeom prst="rect">
-                <a:avLst/>
-              </a:prstGeom>
-              <a:blipFill>
-                <a:blip r:embed="rId2"/>
-                <a:stretch>
-                  <a:fillRect l="-1080" t="-1304" b="-2421"/>
-                </a:stretch>
-              </a:blipFill>
-            </p:spPr>
-            <p:txBody>
-              <a:bodyPr/>
-              <a:lstStyle/>
-              <a:p>
-                <a:r>
-                  <a:rPr lang="nb-NO">
-                    <a:noFill/>
-                  </a:rPr>
-                  <a:t> </a:t>
-                </a:r>
-              </a:p>
-            </p:txBody>
-          </p:sp>
-        </mc:Fallback>
-      </mc:AlternateContent>
-    </p:spTree>
-    <p:extLst>
-      <p:ext uri="{BB962C8B-B14F-4D97-AF65-F5344CB8AC3E}">
-        <p14:creationId xmlns:p14="http://schemas.microsoft.com/office/powerpoint/2010/main" val="2679215265"/>
-      </p:ext>
-    </p:extLst>
-  </p:cSld>
-  <p:clrMapOvr>
-    <a:masterClrMapping/>
-  </p:clrMapOvr>
-  <p:transition spd="slow">
-    <p:wipe/>
-  </p:transition>
-</p:sld>
-</file>
-
-<file path=ppt/slides/slide16.xml><?xml version="1.0" encoding="utf-8"?>
-<p:sld xmlns:a="http://schemas.openxmlformats.org/drawingml/2006/main" xmlns:r="http://schemas.openxmlformats.org/officeDocument/2006/relationships" xmlns:p="http://schemas.openxmlformats.org/presentationml/2006/main">
-  <p:cSld>
-    <p:spTree>
-      <p:nvGrpSpPr>
-        <p:cNvPr id="1" name=""/>
-        <p:cNvGrpSpPr/>
-        <p:nvPr/>
-      </p:nvGrpSpPr>
-      <p:grpSpPr>
-        <a:xfrm>
-          <a:off x="0" y="0"/>
-          <a:ext cx="0" cy="0"/>
-          <a:chOff x="0" y="0"/>
-          <a:chExt cx="0" cy="0"/>
-        </a:xfrm>
-      </p:grpSpPr>
-      <mc:AlternateContent xmlns:mc="http://schemas.openxmlformats.org/markup-compatibility/2006" xmlns:a14="http://schemas.microsoft.com/office/drawing/2010/main">
-        <mc:Choice Requires="a14">
-          <p:sp>
-            <p:nvSpPr>
-              <p:cNvPr id="2" name="Title 1"/>
-              <p:cNvSpPr>
-                <a:spLocks noGrp="1"/>
-              </p:cNvSpPr>
-              <p:nvPr>
-                <p:ph type="ctrTitle"/>
-              </p:nvPr>
-            </p:nvSpPr>
-            <p:spPr>
-              <a:xfrm>
-                <a:off x="1082524" y="363186"/>
-                <a:ext cx="6943876" cy="421013"/>
-              </a:xfrm>
-            </p:spPr>
-            <p:txBody>
-              <a:bodyPr>
-                <a:spAutoFit/>
-              </a:bodyPr>
-              <a:lstStyle/>
-              <a:p>
-                <a:r>
-                  <a:rPr lang="en-US" noProof="0" dirty="0"/>
-                  <a:t>Unique Solutions and </a:t>
-                </a:r>
-                <a14:m>
-                  <m:oMath xmlns:m="http://schemas.openxmlformats.org/officeDocument/2006/math">
-                    <m:r>
-                      <a:rPr lang="en-US" i="1">
-                        <a:latin typeface="Cambria Math" panose="02040503050406030204" pitchFamily="18" charset="0"/>
-                      </a:rPr>
-                      <m:t>𝑁</m:t>
-                    </m:r>
-                    <m:r>
-                      <a:rPr lang="en-US" i="1">
-                        <a:latin typeface="Cambria Math" panose="02040503050406030204" pitchFamily="18" charset="0"/>
-                      </a:rPr>
-                      <m:t>=8</m:t>
-                    </m:r>
-                  </m:oMath>
-                </a14:m>
-                <a:endParaRPr lang="en-US" noProof="0" dirty="0"/>
-              </a:p>
-            </p:txBody>
-          </p:sp>
-        </mc:Choice>
-        <mc:Fallback xmlns="">
-          <p:sp>
-            <p:nvSpPr>
-              <p:cNvPr id="2" name="Title 1"/>
-              <p:cNvSpPr>
-                <a:spLocks noGrp="1" noRot="1" noChangeAspect="1" noMove="1" noResize="1" noEditPoints="1" noAdjustHandles="1" noChangeArrowheads="1" noChangeShapeType="1" noTextEdit="1"/>
-              </p:cNvSpPr>
-              <p:nvPr>
-                <p:ph type="ctrTitle"/>
-              </p:nvPr>
-            </p:nvSpPr>
-            <p:spPr>
-              <a:xfrm>
-                <a:off x="1082524" y="363186"/>
-                <a:ext cx="6943876" cy="421013"/>
-              </a:xfrm>
-              <a:blipFill>
-                <a:blip r:embed="rId3"/>
-                <a:stretch>
-                  <a:fillRect l="-3600" t="-46377" b="-57971"/>
-                </a:stretch>
-              </a:blipFill>
-            </p:spPr>
-            <p:txBody>
-              <a:bodyPr/>
-              <a:lstStyle/>
-              <a:p>
-                <a:r>
-                  <a:rPr lang="nb-NO">
-                    <a:noFill/>
-                  </a:rPr>
-                  <a:t> </a:t>
-                </a:r>
-              </a:p>
-            </p:txBody>
-          </p:sp>
-        </mc:Fallback>
-      </mc:AlternateContent>
-      <p:sp>
-        <p:nvSpPr>
-          <p:cNvPr id="4" name="Slide Number Placeholder 3"/>
-          <p:cNvSpPr>
-            <a:spLocks noGrp="1"/>
-          </p:cNvSpPr>
-          <p:nvPr>
-            <p:ph type="sldNum" sz="quarter" idx="12"/>
-          </p:nvPr>
-        </p:nvSpPr>
-        <p:spPr/>
-        <p:txBody>
-          <a:bodyPr/>
-          <a:lstStyle/>
-          <a:p>
-            <a:fld id="{5AA702B1-EDA3-FF46-994A-18FFB6DE5B39}" type="slidenum">
-              <a:rPr lang="en-US"/>
-              <a:pPr/>
-              <a:t>16</a:t>
-            </a:fld>
-            <a:endParaRPr lang="en-US"/>
-          </a:p>
-        </p:txBody>
-      </p:sp>
-      <p:graphicFrame>
-        <p:nvGraphicFramePr>
-          <p:cNvPr id="5" name="Object 4">
-            <a:hlinkClick r:id="rId4" action="ppaction://hlinkfile"/>
-            <a:extLst>
-              <a:ext uri="{FF2B5EF4-FFF2-40B4-BE49-F238E27FC236}">
-                <a16:creationId xmlns:a16="http://schemas.microsoft.com/office/drawing/2014/main" id="{934835BB-E3C1-45BC-AEFB-B5D24BCF4173}"/>
-              </a:ext>
-            </a:extLst>
-          </p:cNvPr>
-          <p:cNvGraphicFramePr>
-            <a:graphicFrameLocks noChangeAspect="1"/>
-          </p:cNvGraphicFramePr>
-          <p:nvPr>
-            <p:extLst>
-              <p:ext uri="{D42A27DB-BD31-4B8C-83A1-F6EECF244321}">
-                <p14:modId xmlns:p14="http://schemas.microsoft.com/office/powerpoint/2010/main" val="1510349576"/>
-              </p:ext>
-            </p:extLst>
-          </p:nvPr>
-        </p:nvGraphicFramePr>
-        <p:xfrm>
-          <a:off x="3152775" y="2268538"/>
-          <a:ext cx="2836863" cy="604837"/>
-        </p:xfrm>
-        <a:graphic>
-          <a:graphicData uri="http://schemas.openxmlformats.org/presentationml/2006/ole">
-            <mc:AlternateContent xmlns:mc="http://schemas.openxmlformats.org/markup-compatibility/2006">
-              <mc:Choice xmlns:v="urn:schemas-microsoft-com:vml" Requires="v">
-                <p:oleObj name="Packager Shell Object" showAsIcon="1" r:id="rId5" imgW="2836800" imgH="604800" progId="Package">
-                  <p:embed/>
-                </p:oleObj>
-              </mc:Choice>
-              <mc:Fallback>
-                <p:oleObj name="Packager Shell Object" showAsIcon="1" r:id="rId5" imgW="2836800" imgH="604800" progId="Package">
-                  <p:embed/>
-                  <p:pic>
-                    <p:nvPicPr>
-                      <p:cNvPr id="0" name=""/>
-                      <p:cNvPicPr/>
-                      <p:nvPr/>
-                    </p:nvPicPr>
-                    <p:blipFill>
-                      <a:blip r:embed="rId6"/>
-                      <a:stretch>
-                        <a:fillRect/>
-                      </a:stretch>
-                    </p:blipFill>
-                    <p:spPr>
-                      <a:xfrm>
-                        <a:off x="3152775" y="2268538"/>
-                        <a:ext cx="2836863" cy="604837"/>
-                      </a:xfrm>
-                      <a:prstGeom prst="rect">
-                        <a:avLst/>
-                      </a:prstGeom>
-                    </p:spPr>
-                  </p:pic>
-                </p:oleObj>
-              </mc:Fallback>
-            </mc:AlternateContent>
-          </a:graphicData>
-        </a:graphic>
-      </p:graphicFrame>
-    </p:spTree>
-    <p:extLst>
-      <p:ext uri="{BB962C8B-B14F-4D97-AF65-F5344CB8AC3E}">
-        <p14:creationId xmlns:p14="http://schemas.microsoft.com/office/powerpoint/2010/main" val="3965212686"/>
-      </p:ext>
-    </p:extLst>
-  </p:cSld>
-  <p:clrMapOvr>
-    <a:masterClrMapping/>
-  </p:clrMapOvr>
-  <p:transition spd="slow">
-    <p:wipe/>
-  </p:transition>
-</p:sld>
-</file>
-
-<file path=ppt/slides/slide17.xml><?xml version="1.0" encoding="utf-8"?>
-<p:sld xmlns:a="http://schemas.openxmlformats.org/drawingml/2006/main" xmlns:r="http://schemas.openxmlformats.org/officeDocument/2006/relationships" xmlns:p="http://schemas.openxmlformats.org/presentationml/2006/main">
-  <p:cSld>
-    <p:spTree>
-      <p:nvGrpSpPr>
-        <p:cNvPr id="1" name=""/>
-        <p:cNvGrpSpPr/>
-        <p:nvPr/>
-      </p:nvGrpSpPr>
-      <p:grpSpPr>
-        <a:xfrm>
-          <a:off x="0" y="0"/>
-          <a:ext cx="0" cy="0"/>
-          <a:chOff x="0" y="0"/>
-          <a:chExt cx="0" cy="0"/>
-        </a:xfrm>
-      </p:grpSpPr>
-      <mc:AlternateContent xmlns:mc="http://schemas.openxmlformats.org/markup-compatibility/2006" xmlns:a14="http://schemas.microsoft.com/office/drawing/2010/main">
-        <mc:Choice Requires="a14">
-          <p:sp>
-            <p:nvSpPr>
-              <p:cNvPr id="2" name="Title 1"/>
-              <p:cNvSpPr>
-                <a:spLocks noGrp="1"/>
-              </p:cNvSpPr>
-              <p:nvPr>
-                <p:ph type="ctrTitle"/>
-              </p:nvPr>
-            </p:nvSpPr>
-            <p:spPr>
-              <a:xfrm>
-                <a:off x="1082524" y="363186"/>
-                <a:ext cx="6943876" cy="421013"/>
-              </a:xfrm>
-            </p:spPr>
-            <p:txBody>
-              <a:bodyPr>
-                <a:spAutoFit/>
-              </a:bodyPr>
-              <a:lstStyle/>
-              <a:p>
-                <a:r>
-                  <a:rPr lang="en-US" noProof="0" dirty="0"/>
-                  <a:t>Unique Solutions and </a:t>
-                </a:r>
-                <a14:m>
-                  <m:oMath xmlns:m="http://schemas.openxmlformats.org/officeDocument/2006/math">
-                    <m:r>
-                      <a:rPr lang="en-US" i="1">
-                        <a:latin typeface="Cambria Math" panose="02040503050406030204" pitchFamily="18" charset="0"/>
-                      </a:rPr>
-                      <m:t>𝑁</m:t>
-                    </m:r>
-                    <m:r>
-                      <a:rPr lang="en-US" i="1">
-                        <a:latin typeface="Cambria Math" panose="02040503050406030204" pitchFamily="18" charset="0"/>
-                      </a:rPr>
-                      <m:t>=9</m:t>
-                    </m:r>
-                  </m:oMath>
-                </a14:m>
-                <a:endParaRPr lang="en-US" noProof="0" dirty="0"/>
-              </a:p>
-            </p:txBody>
-          </p:sp>
-        </mc:Choice>
-        <mc:Fallback xmlns="">
-          <p:sp>
-            <p:nvSpPr>
-              <p:cNvPr id="2" name="Title 1"/>
-              <p:cNvSpPr>
-                <a:spLocks noGrp="1" noRot="1" noChangeAspect="1" noMove="1" noResize="1" noEditPoints="1" noAdjustHandles="1" noChangeArrowheads="1" noChangeShapeType="1" noTextEdit="1"/>
-              </p:cNvSpPr>
-              <p:nvPr>
-                <p:ph type="ctrTitle"/>
-              </p:nvPr>
-            </p:nvSpPr>
-            <p:spPr>
-              <a:xfrm>
-                <a:off x="1082524" y="363186"/>
-                <a:ext cx="6943876" cy="421013"/>
-              </a:xfrm>
-              <a:blipFill>
-                <a:blip r:embed="rId3"/>
-                <a:stretch>
-                  <a:fillRect l="-3600" t="-46377" b="-57971"/>
-                </a:stretch>
-              </a:blipFill>
-            </p:spPr>
-            <p:txBody>
-              <a:bodyPr/>
-              <a:lstStyle/>
-              <a:p>
-                <a:r>
-                  <a:rPr lang="nb-NO">
-                    <a:noFill/>
-                  </a:rPr>
-                  <a:t> </a:t>
-                </a:r>
-              </a:p>
-            </p:txBody>
-          </p:sp>
-        </mc:Fallback>
-      </mc:AlternateContent>
-      <p:sp>
-        <p:nvSpPr>
-          <p:cNvPr id="4" name="Slide Number Placeholder 3"/>
-          <p:cNvSpPr>
-            <a:spLocks noGrp="1"/>
-          </p:cNvSpPr>
-          <p:nvPr>
-            <p:ph type="sldNum" sz="quarter" idx="12"/>
-          </p:nvPr>
-        </p:nvSpPr>
-        <p:spPr/>
-        <p:txBody>
-          <a:bodyPr/>
-          <a:lstStyle/>
-          <a:p>
-            <a:fld id="{5AA702B1-EDA3-FF46-994A-18FFB6DE5B39}" type="slidenum">
-              <a:rPr lang="en-US"/>
-              <a:pPr/>
-              <a:t>17</a:t>
-            </a:fld>
-            <a:endParaRPr lang="en-US" dirty="0"/>
-          </a:p>
-        </p:txBody>
-      </p:sp>
-      <p:graphicFrame>
-        <p:nvGraphicFramePr>
-          <p:cNvPr id="3" name="Object 2">
-            <a:hlinkClick r:id="rId4" action="ppaction://hlinkfile"/>
-            <a:extLst>
-              <a:ext uri="{FF2B5EF4-FFF2-40B4-BE49-F238E27FC236}">
-                <a16:creationId xmlns:a16="http://schemas.microsoft.com/office/drawing/2014/main" id="{25D2AB80-FEFA-43BA-AFC9-5F4DC05C688A}"/>
-              </a:ext>
-            </a:extLst>
-          </p:cNvPr>
-          <p:cNvGraphicFramePr>
-            <a:graphicFrameLocks noChangeAspect="1"/>
-          </p:cNvGraphicFramePr>
-          <p:nvPr>
-            <p:extLst>
-              <p:ext uri="{D42A27DB-BD31-4B8C-83A1-F6EECF244321}">
-                <p14:modId xmlns:p14="http://schemas.microsoft.com/office/powerpoint/2010/main" val="1283220463"/>
-              </p:ext>
-            </p:extLst>
-          </p:nvPr>
-        </p:nvGraphicFramePr>
-        <p:xfrm>
-          <a:off x="3152775" y="2268538"/>
-          <a:ext cx="2836863" cy="604837"/>
-        </p:xfrm>
-        <a:graphic>
-          <a:graphicData uri="http://schemas.openxmlformats.org/presentationml/2006/ole">
-            <mc:AlternateContent xmlns:mc="http://schemas.openxmlformats.org/markup-compatibility/2006">
-              <mc:Choice xmlns:v="urn:schemas-microsoft-com:vml" Requires="v">
-                <p:oleObj name="Packager Shell Object" showAsIcon="1" r:id="rId5" imgW="2836800" imgH="604800" progId="Package">
-                  <p:embed/>
-                </p:oleObj>
-              </mc:Choice>
-              <mc:Fallback>
-                <p:oleObj name="Packager Shell Object" showAsIcon="1" r:id="rId5" imgW="2836800" imgH="604800" progId="Package">
-                  <p:embed/>
-                  <p:pic>
-                    <p:nvPicPr>
-                      <p:cNvPr id="0" name=""/>
-                      <p:cNvPicPr/>
-                      <p:nvPr/>
-                    </p:nvPicPr>
-                    <p:blipFill>
-                      <a:blip r:embed="rId6"/>
-                      <a:stretch>
-                        <a:fillRect/>
-                      </a:stretch>
-                    </p:blipFill>
-                    <p:spPr>
-                      <a:xfrm>
-                        <a:off x="3152775" y="2268538"/>
-                        <a:ext cx="2836863" cy="604837"/>
-                      </a:xfrm>
-                      <a:prstGeom prst="rect">
-                        <a:avLst/>
-                      </a:prstGeom>
-                    </p:spPr>
-                  </p:pic>
-                </p:oleObj>
-              </mc:Fallback>
-            </mc:AlternateContent>
-          </a:graphicData>
-        </a:graphic>
-      </p:graphicFrame>
-    </p:spTree>
-    <p:extLst>
-      <p:ext uri="{BB962C8B-B14F-4D97-AF65-F5344CB8AC3E}">
-        <p14:creationId xmlns:p14="http://schemas.microsoft.com/office/powerpoint/2010/main" val="1567390655"/>
-      </p:ext>
-    </p:extLst>
-  </p:cSld>
-  <p:clrMapOvr>
-    <a:masterClrMapping/>
-  </p:clrMapOvr>
-  <p:transition spd="slow">
-    <p:wipe/>
-  </p:transition>
-</p:sld>
-</file>
-
-<file path=ppt/slides/slide18.xml><?xml version="1.0" encoding="utf-8"?>
-<p:sld xmlns:a="http://schemas.openxmlformats.org/drawingml/2006/main" xmlns:r="http://schemas.openxmlformats.org/officeDocument/2006/relationships" xmlns:p="http://schemas.openxmlformats.org/presentationml/2006/main">
-  <p:cSld>
-    <p:spTree>
-      <p:nvGrpSpPr>
-        <p:cNvPr id="1" name=""/>
-        <p:cNvGrpSpPr/>
-        <p:nvPr/>
-      </p:nvGrpSpPr>
-      <p:grpSpPr>
-        <a:xfrm>
-          <a:off x="0" y="0"/>
-          <a:ext cx="0" cy="0"/>
-          <a:chOff x="0" y="0"/>
-          <a:chExt cx="0" cy="0"/>
-        </a:xfrm>
-      </p:grpSpPr>
-      <mc:AlternateContent xmlns:mc="http://schemas.openxmlformats.org/markup-compatibility/2006" xmlns:a14="http://schemas.microsoft.com/office/drawing/2010/main">
-        <mc:Choice Requires="a14">
-          <p:sp>
-            <p:nvSpPr>
-              <p:cNvPr id="2" name="Title 1"/>
-              <p:cNvSpPr>
-                <a:spLocks noGrp="1"/>
-              </p:cNvSpPr>
-              <p:nvPr>
-                <p:ph type="ctrTitle"/>
-              </p:nvPr>
-            </p:nvSpPr>
-            <p:spPr>
-              <a:xfrm>
-                <a:off x="1082524" y="363186"/>
-                <a:ext cx="6943876" cy="421013"/>
-              </a:xfrm>
-            </p:spPr>
-            <p:txBody>
-              <a:bodyPr>
-                <a:spAutoFit/>
-              </a:bodyPr>
-              <a:lstStyle/>
-              <a:p>
-                <a:r>
-                  <a:rPr lang="en-US" dirty="0"/>
-                  <a:t>Unique Solutions and </a:t>
-                </a:r>
-                <a14:m>
-                  <m:oMath xmlns:m="http://schemas.openxmlformats.org/officeDocument/2006/math">
-                    <m:r>
-                      <a:rPr lang="en-US" i="1">
-                        <a:latin typeface="Cambria Math" panose="02040503050406030204" pitchFamily="18" charset="0"/>
-                      </a:rPr>
-                      <m:t>𝑁</m:t>
-                    </m:r>
-                    <m:r>
-                      <a:rPr lang="en-US" i="1">
-                        <a:latin typeface="Cambria Math" panose="02040503050406030204" pitchFamily="18" charset="0"/>
-                      </a:rPr>
-                      <m:t>=13</m:t>
-                    </m:r>
-                  </m:oMath>
-                </a14:m>
-                <a:endParaRPr lang="en-US" noProof="0" dirty="0"/>
-              </a:p>
-            </p:txBody>
-          </p:sp>
-        </mc:Choice>
-        <mc:Fallback xmlns="">
-          <p:sp>
-            <p:nvSpPr>
-              <p:cNvPr id="2" name="Title 1"/>
-              <p:cNvSpPr>
-                <a:spLocks noGrp="1" noRot="1" noChangeAspect="1" noMove="1" noResize="1" noEditPoints="1" noAdjustHandles="1" noChangeArrowheads="1" noChangeShapeType="1" noTextEdit="1"/>
-              </p:cNvSpPr>
-              <p:nvPr>
-                <p:ph type="ctrTitle"/>
-              </p:nvPr>
-            </p:nvSpPr>
-            <p:spPr>
-              <a:xfrm>
-                <a:off x="1082524" y="363186"/>
-                <a:ext cx="6943876" cy="421013"/>
-              </a:xfrm>
-              <a:blipFill>
-                <a:blip r:embed="rId3"/>
-                <a:stretch>
-                  <a:fillRect l="-3600" t="-46377" b="-57971"/>
-                </a:stretch>
-              </a:blipFill>
-            </p:spPr>
-            <p:txBody>
-              <a:bodyPr/>
-              <a:lstStyle/>
-              <a:p>
-                <a:r>
-                  <a:rPr lang="nb-NO">
-                    <a:noFill/>
-                  </a:rPr>
-                  <a:t> </a:t>
-                </a:r>
-              </a:p>
-            </p:txBody>
-          </p:sp>
-        </mc:Fallback>
-      </mc:AlternateContent>
-      <p:sp>
-        <p:nvSpPr>
-          <p:cNvPr id="4" name="Slide Number Placeholder 3"/>
-          <p:cNvSpPr>
-            <a:spLocks noGrp="1"/>
-          </p:cNvSpPr>
-          <p:nvPr>
-            <p:ph type="sldNum" sz="quarter" idx="12"/>
-          </p:nvPr>
-        </p:nvSpPr>
-        <p:spPr/>
-        <p:txBody>
-          <a:bodyPr/>
-          <a:lstStyle/>
-          <a:p>
-            <a:fld id="{5AA702B1-EDA3-FF46-994A-18FFB6DE5B39}" type="slidenum">
-              <a:rPr lang="en-US"/>
-              <a:pPr/>
-              <a:t>18</a:t>
-            </a:fld>
-            <a:endParaRPr lang="en-US" dirty="0"/>
-          </a:p>
-        </p:txBody>
-      </p:sp>
-      <p:graphicFrame>
-        <p:nvGraphicFramePr>
-          <p:cNvPr id="3" name="Object 2">
-            <a:hlinkClick r:id="rId4" action="ppaction://hlinkfile"/>
-            <a:extLst>
-              <a:ext uri="{FF2B5EF4-FFF2-40B4-BE49-F238E27FC236}">
-                <a16:creationId xmlns:a16="http://schemas.microsoft.com/office/drawing/2014/main" id="{0F10DE59-A2B5-4F66-8458-F7E919864484}"/>
-              </a:ext>
-            </a:extLst>
-          </p:cNvPr>
-          <p:cNvGraphicFramePr>
-            <a:graphicFrameLocks noChangeAspect="1"/>
-          </p:cNvGraphicFramePr>
-          <p:nvPr>
-            <p:extLst>
-              <p:ext uri="{D42A27DB-BD31-4B8C-83A1-F6EECF244321}">
-                <p14:modId xmlns:p14="http://schemas.microsoft.com/office/powerpoint/2010/main" val="1433880645"/>
-              </p:ext>
-            </p:extLst>
-          </p:nvPr>
-        </p:nvGraphicFramePr>
-        <p:xfrm>
-          <a:off x="3152775" y="2268538"/>
-          <a:ext cx="2836863" cy="604837"/>
-        </p:xfrm>
-        <a:graphic>
-          <a:graphicData uri="http://schemas.openxmlformats.org/presentationml/2006/ole">
-            <mc:AlternateContent xmlns:mc="http://schemas.openxmlformats.org/markup-compatibility/2006">
-              <mc:Choice xmlns:v="urn:schemas-microsoft-com:vml" Requires="v">
-                <p:oleObj name="Packager Shell Object" showAsIcon="1" r:id="rId5" imgW="2836800" imgH="604800" progId="Package">
-                  <p:embed/>
-                </p:oleObj>
-              </mc:Choice>
-              <mc:Fallback>
-                <p:oleObj name="Packager Shell Object" showAsIcon="1" r:id="rId5" imgW="2836800" imgH="604800" progId="Package">
-                  <p:embed/>
-                  <p:pic>
-                    <p:nvPicPr>
-                      <p:cNvPr id="0" name=""/>
-                      <p:cNvPicPr/>
-                      <p:nvPr/>
-                    </p:nvPicPr>
-                    <p:blipFill>
-                      <a:blip r:embed="rId6"/>
-                      <a:stretch>
-                        <a:fillRect/>
-                      </a:stretch>
-                    </p:blipFill>
-                    <p:spPr>
-                      <a:xfrm>
-                        <a:off x="3152775" y="2268538"/>
-                        <a:ext cx="2836863" cy="604837"/>
-                      </a:xfrm>
-                      <a:prstGeom prst="rect">
-                        <a:avLst/>
-                      </a:prstGeom>
-                    </p:spPr>
-                  </p:pic>
-                </p:oleObj>
-              </mc:Fallback>
-            </mc:AlternateContent>
-          </a:graphicData>
-        </a:graphic>
-      </p:graphicFrame>
-    </p:spTree>
-    <p:extLst>
-      <p:ext uri="{BB962C8B-B14F-4D97-AF65-F5344CB8AC3E}">
-        <p14:creationId xmlns:p14="http://schemas.microsoft.com/office/powerpoint/2010/main" val="2732133984"/>
-      </p:ext>
-    </p:extLst>
-  </p:cSld>
-  <p:clrMapOvr>
-    <a:masterClrMapping/>
-  </p:clrMapOvr>
-  <p:transition spd="slow">
-    <p:wipe/>
-  </p:transition>
-</p:sld>
-</file>
-
-<file path=ppt/slides/slide19.xml><?xml version="1.0" encoding="utf-8"?>
-<p:sld xmlns:a="http://schemas.openxmlformats.org/drawingml/2006/main" xmlns:r="http://schemas.openxmlformats.org/officeDocument/2006/relationships" xmlns:p="http://schemas.openxmlformats.org/presentationml/2006/main">
-  <p:cSld>
-    <p:spTree>
-      <p:nvGrpSpPr>
-        <p:cNvPr id="1" name=""/>
-        <p:cNvGrpSpPr/>
-        <p:nvPr/>
-      </p:nvGrpSpPr>
-      <p:grpSpPr>
-        <a:xfrm>
-          <a:off x="0" y="0"/>
-          <a:ext cx="0" cy="0"/>
-          <a:chOff x="0" y="0"/>
-          <a:chExt cx="0" cy="0"/>
-        </a:xfrm>
-      </p:grpSpPr>
-      <mc:AlternateContent xmlns:mc="http://schemas.openxmlformats.org/markup-compatibility/2006" xmlns:a14="http://schemas.microsoft.com/office/drawing/2010/main">
-        <mc:Choice Requires="a14">
-          <p:sp>
-            <p:nvSpPr>
-              <p:cNvPr id="2" name="Title 1"/>
-              <p:cNvSpPr>
-                <a:spLocks noGrp="1"/>
-              </p:cNvSpPr>
-              <p:nvPr>
-                <p:ph type="ctrTitle"/>
-              </p:nvPr>
-            </p:nvSpPr>
-            <p:spPr>
-              <a:xfrm>
-                <a:off x="1082524" y="363186"/>
-                <a:ext cx="6943876" cy="421013"/>
-              </a:xfrm>
-            </p:spPr>
-            <p:txBody>
-              <a:bodyPr>
-                <a:spAutoFit/>
-              </a:bodyPr>
-              <a:lstStyle/>
-              <a:p>
-                <a:r>
-                  <a:rPr lang="en-US" dirty="0"/>
-                  <a:t>A Single Solution and </a:t>
-                </a:r>
-                <a14:m>
-                  <m:oMath xmlns:m="http://schemas.openxmlformats.org/officeDocument/2006/math">
-                    <m:r>
-                      <a:rPr lang="en-US" i="1">
-                        <a:latin typeface="Cambria Math" panose="02040503050406030204" pitchFamily="18" charset="0"/>
-                      </a:rPr>
-                      <m:t>𝑁</m:t>
-                    </m:r>
-                    <m:r>
-                      <a:rPr lang="en-US" i="1">
-                        <a:latin typeface="Cambria Math" panose="02040503050406030204" pitchFamily="18" charset="0"/>
-                      </a:rPr>
-                      <m:t>=25</m:t>
-                    </m:r>
-                  </m:oMath>
-                </a14:m>
-                <a:endParaRPr lang="en-US" noProof="0" dirty="0"/>
-              </a:p>
-            </p:txBody>
-          </p:sp>
-        </mc:Choice>
-        <mc:Fallback xmlns="">
-          <p:sp>
-            <p:nvSpPr>
-              <p:cNvPr id="2" name="Title 1"/>
-              <p:cNvSpPr>
-                <a:spLocks noGrp="1" noRot="1" noChangeAspect="1" noMove="1" noResize="1" noEditPoints="1" noAdjustHandles="1" noChangeArrowheads="1" noChangeShapeType="1" noTextEdit="1"/>
-              </p:cNvSpPr>
-              <p:nvPr>
-                <p:ph type="ctrTitle"/>
-              </p:nvPr>
-            </p:nvSpPr>
-            <p:spPr>
-              <a:xfrm>
-                <a:off x="1082524" y="363186"/>
-                <a:ext cx="6943876" cy="421013"/>
-              </a:xfrm>
-              <a:blipFill>
-                <a:blip r:embed="rId3"/>
-                <a:stretch>
-                  <a:fillRect l="-3600" t="-46377" b="-57971"/>
-                </a:stretch>
-              </a:blipFill>
-            </p:spPr>
-            <p:txBody>
-              <a:bodyPr/>
-              <a:lstStyle/>
-              <a:p>
-                <a:r>
-                  <a:rPr lang="nb-NO">
-                    <a:noFill/>
-                  </a:rPr>
-                  <a:t> </a:t>
-                </a:r>
-              </a:p>
-            </p:txBody>
-          </p:sp>
-        </mc:Fallback>
-      </mc:AlternateContent>
-      <p:sp>
-        <p:nvSpPr>
-          <p:cNvPr id="4" name="Slide Number Placeholder 3"/>
-          <p:cNvSpPr>
-            <a:spLocks noGrp="1"/>
-          </p:cNvSpPr>
-          <p:nvPr>
-            <p:ph type="sldNum" sz="quarter" idx="12"/>
-          </p:nvPr>
-        </p:nvSpPr>
-        <p:spPr/>
-        <p:txBody>
-          <a:bodyPr/>
-          <a:lstStyle/>
-          <a:p>
-            <a:fld id="{5AA702B1-EDA3-FF46-994A-18FFB6DE5B39}" type="slidenum">
-              <a:rPr lang="en-US"/>
-              <a:pPr/>
-              <a:t>19</a:t>
-            </a:fld>
-            <a:endParaRPr lang="en-US" dirty="0"/>
-          </a:p>
-        </p:txBody>
-      </p:sp>
-      <p:graphicFrame>
-        <p:nvGraphicFramePr>
-          <p:cNvPr id="3" name="Object 2">
-            <a:hlinkClick r:id="rId4" action="ppaction://hlinkfile"/>
-            <a:extLst>
-              <a:ext uri="{FF2B5EF4-FFF2-40B4-BE49-F238E27FC236}">
-                <a16:creationId xmlns:a16="http://schemas.microsoft.com/office/drawing/2014/main" id="{DA127541-903C-419F-8115-AC20988BFCCC}"/>
-              </a:ext>
-            </a:extLst>
-          </p:cNvPr>
-          <p:cNvGraphicFramePr>
-            <a:graphicFrameLocks noChangeAspect="1"/>
-          </p:cNvGraphicFramePr>
-          <p:nvPr>
-            <p:extLst>
-              <p:ext uri="{D42A27DB-BD31-4B8C-83A1-F6EECF244321}">
-                <p14:modId xmlns:p14="http://schemas.microsoft.com/office/powerpoint/2010/main" val="922623145"/>
-              </p:ext>
-            </p:extLst>
-          </p:nvPr>
-        </p:nvGraphicFramePr>
-        <p:xfrm>
-          <a:off x="3192463" y="2268538"/>
-          <a:ext cx="2759075" cy="604837"/>
-        </p:xfrm>
-        <a:graphic>
-          <a:graphicData uri="http://schemas.openxmlformats.org/presentationml/2006/ole">
-            <mc:AlternateContent xmlns:mc="http://schemas.openxmlformats.org/markup-compatibility/2006">
-              <mc:Choice xmlns:v="urn:schemas-microsoft-com:vml" Requires="v">
-                <p:oleObj name="Packager Shell Object" showAsIcon="1" r:id="rId5" imgW="2758320" imgH="604800" progId="Package">
-                  <p:embed/>
-                </p:oleObj>
-              </mc:Choice>
-              <mc:Fallback>
-                <p:oleObj name="Packager Shell Object" showAsIcon="1" r:id="rId5" imgW="2758320" imgH="604800" progId="Package">
-                  <p:embed/>
-                  <p:pic>
-                    <p:nvPicPr>
-                      <p:cNvPr id="0" name=""/>
-                      <p:cNvPicPr/>
-                      <p:nvPr/>
-                    </p:nvPicPr>
-                    <p:blipFill>
-                      <a:blip r:embed="rId6"/>
-                      <a:stretch>
-                        <a:fillRect/>
-                      </a:stretch>
-                    </p:blipFill>
-                    <p:spPr>
-                      <a:xfrm>
-                        <a:off x="3192463" y="2268538"/>
-                        <a:ext cx="2759075" cy="604837"/>
-                      </a:xfrm>
-                      <a:prstGeom prst="rect">
-                        <a:avLst/>
-                      </a:prstGeom>
-                    </p:spPr>
-                  </p:pic>
-                </p:oleObj>
-              </mc:Fallback>
-            </mc:AlternateContent>
-          </a:graphicData>
-        </a:graphic>
-      </p:graphicFrame>
-    </p:spTree>
-    <p:extLst>
-      <p:ext uri="{BB962C8B-B14F-4D97-AF65-F5344CB8AC3E}">
-        <p14:creationId xmlns:p14="http://schemas.microsoft.com/office/powerpoint/2010/main" val="3978689487"/>
-      </p:ext>
-    </p:extLst>
-  </p:cSld>
-  <p:clrMapOvr>
-    <a:masterClrMapping/>
-  </p:clrMapOvr>
-  <p:transition spd="slow">
-    <p:wipe/>
-  </p:transition>
-</p:sld>
-</file>
-
-<file path=ppt/slides/slide2.xml><?xml version="1.0" encoding="utf-8"?>
-<p:sld xmlns:a="http://schemas.openxmlformats.org/drawingml/2006/main" xmlns:r="http://schemas.openxmlformats.org/officeDocument/2006/relationships" xmlns:p="http://schemas.openxmlformats.org/presentationml/2006/main">
-  <p:cSld>
-    <p:spTree>
-      <p:nvGrpSpPr>
-        <p:cNvPr id="1" name=""/>
-        <p:cNvGrpSpPr/>
-        <p:nvPr/>
-      </p:nvGrpSpPr>
-      <p:grpSpPr>
-        <a:xfrm>
-          <a:off x="0" y="0"/>
-          <a:ext cx="0" cy="0"/>
-          <a:chOff x="0" y="0"/>
-          <a:chExt cx="0" cy="0"/>
-        </a:xfrm>
-      </p:grpSpPr>
-      <p:sp>
-        <p:nvSpPr>
-          <p:cNvPr id="2" name="Title 1"/>
-          <p:cNvSpPr>
-            <a:spLocks noGrp="1"/>
-          </p:cNvSpPr>
-          <p:nvPr>
-            <p:ph type="ctrTitle"/>
-          </p:nvPr>
-        </p:nvSpPr>
-        <p:spPr>
-          <a:xfrm>
-            <a:off x="1082525" y="363186"/>
-            <a:ext cx="6640286" cy="496022"/>
-          </a:xfrm>
-        </p:spPr>
-        <p:txBody>
-          <a:bodyPr/>
-          <a:lstStyle/>
-          <a:p>
-            <a:r>
-              <a:rPr lang="en-US" noProof="0" dirty="0"/>
-              <a:t>Contents</a:t>
-            </a:r>
-          </a:p>
-        </p:txBody>
-      </p:sp>
-      <p:sp>
-        <p:nvSpPr>
-          <p:cNvPr id="3" name="Subtitle 2"/>
-          <p:cNvSpPr>
-            <a:spLocks noGrp="1"/>
-          </p:cNvSpPr>
-          <p:nvPr>
-            <p:ph type="subTitle" idx="1"/>
-          </p:nvPr>
-        </p:nvSpPr>
-        <p:spPr>
-          <a:xfrm>
-            <a:off x="1082524" y="1036341"/>
-            <a:ext cx="7445874" cy="3470565"/>
-          </a:xfrm>
-        </p:spPr>
-        <p:txBody>
-          <a:bodyPr>
-            <a:spAutoFit/>
-          </a:bodyPr>
-          <a:lstStyle/>
-          <a:p>
-            <a:pPr marL="342900" indent="-342900">
-              <a:buFont typeface="Wingdings" panose="05000000000000000000" pitchFamily="2" charset="2"/>
-              <a:buChar char="Ø"/>
-            </a:pPr>
-            <a:r>
-              <a:rPr lang="en-US" noProof="0" dirty="0">
-                <a:hlinkClick r:id="rId2" action="ppaction://hlinksldjump"/>
-              </a:rPr>
-              <a:t>Problem Description</a:t>
-            </a:r>
-            <a:endParaRPr lang="en-US" noProof="0" dirty="0"/>
-          </a:p>
-          <a:p>
-            <a:pPr marL="342900" indent="-342900">
-              <a:buFont typeface="Wingdings" panose="05000000000000000000" pitchFamily="2" charset="2"/>
-              <a:buChar char="Ø"/>
-            </a:pPr>
-            <a:r>
-              <a:rPr lang="en-US" noProof="0" dirty="0">
-                <a:hlinkClick r:id="rId3" action="ppaction://hlinksldjump"/>
-              </a:rPr>
-              <a:t>User Requirements</a:t>
-            </a:r>
-            <a:endParaRPr lang="en-US" noProof="0" dirty="0"/>
-          </a:p>
-          <a:p>
-            <a:pPr marL="342900" indent="-342900">
-              <a:buFont typeface="Wingdings" panose="05000000000000000000" pitchFamily="2" charset="2"/>
-              <a:buChar char="Ø"/>
-            </a:pPr>
-            <a:r>
-              <a:rPr lang="en-US" noProof="0" dirty="0">
-                <a:hlinkClick r:id="rId4" action="ppaction://hlinksldjump"/>
-              </a:rPr>
-              <a:t>Technology and Tools</a:t>
-            </a:r>
-            <a:endParaRPr lang="en-US" noProof="0" dirty="0"/>
-          </a:p>
-          <a:p>
-            <a:pPr marL="342900" indent="-342900">
-              <a:buFont typeface="Wingdings" panose="05000000000000000000" pitchFamily="2" charset="2"/>
-              <a:buChar char="Ø"/>
-            </a:pPr>
-            <a:r>
-              <a:rPr lang="en-US" noProof="0" dirty="0">
-                <a:hlinkClick r:id="rId5" action="ppaction://hlinksldjump"/>
-              </a:rPr>
-              <a:t>Overview of the Algorithm</a:t>
-            </a:r>
-            <a:endParaRPr lang="en-US" noProof="0" dirty="0"/>
-          </a:p>
-          <a:p>
-            <a:pPr marL="342900" indent="-342900">
-              <a:buFont typeface="Wingdings" panose="05000000000000000000" pitchFamily="2" charset="2"/>
-              <a:buChar char="Ø"/>
-            </a:pPr>
-            <a:r>
-              <a:rPr lang="en-US" dirty="0">
-                <a:hlinkClick r:id="rId6" action="ppaction://hlinksldjump"/>
-              </a:rPr>
-              <a:t>Solution Modus</a:t>
-            </a:r>
-            <a:endParaRPr lang="en-US" noProof="0" dirty="0"/>
-          </a:p>
-          <a:p>
-            <a:pPr marL="342900" indent="-342900">
-              <a:buFont typeface="Wingdings" panose="05000000000000000000" pitchFamily="2" charset="2"/>
-              <a:buChar char="Ø"/>
-            </a:pPr>
-            <a:r>
-              <a:rPr lang="en-US" noProof="0" dirty="0">
-                <a:hlinkClick r:id="rId7" action="ppaction://hlinksldjump"/>
-              </a:rPr>
-              <a:t>Results</a:t>
-            </a:r>
-            <a:endParaRPr lang="en-US" noProof="0" dirty="0"/>
-          </a:p>
-          <a:p>
-            <a:pPr marL="342900" indent="-342900">
-              <a:buFont typeface="Wingdings" panose="05000000000000000000" pitchFamily="2" charset="2"/>
-              <a:buChar char="Ø"/>
-            </a:pPr>
-            <a:r>
-              <a:rPr lang="en-US" noProof="0" dirty="0">
-                <a:hlinkClick r:id="rId8" action="ppaction://hlinksldjump"/>
-              </a:rPr>
-              <a:t>What Next</a:t>
-            </a:r>
-            <a:endParaRPr lang="en-US" noProof="0" dirty="0"/>
-          </a:p>
-          <a:p>
-            <a:pPr marL="342900" indent="-342900">
-              <a:buFont typeface="Wingdings" panose="05000000000000000000" pitchFamily="2" charset="2"/>
-              <a:buChar char="Ø"/>
-            </a:pPr>
-            <a:r>
-              <a:rPr lang="en-US" noProof="0" dirty="0">
-                <a:hlinkClick r:id="rId9" action="ppaction://hlinksldjump"/>
-              </a:rPr>
-              <a:t>Questions and Comments</a:t>
-            </a:r>
-            <a:endParaRPr lang="en-US" noProof="0" dirty="0"/>
-          </a:p>
-        </p:txBody>
-      </p:sp>
-      <p:sp>
-        <p:nvSpPr>
-          <p:cNvPr id="4" name="Slide Number Placeholder 3"/>
-          <p:cNvSpPr>
-            <a:spLocks noGrp="1"/>
-          </p:cNvSpPr>
-          <p:nvPr>
-            <p:ph type="sldNum" sz="quarter" idx="12"/>
-          </p:nvPr>
-        </p:nvSpPr>
-        <p:spPr/>
-        <p:txBody>
-          <a:bodyPr/>
-          <a:lstStyle/>
-          <a:p>
-            <a:fld id="{5AA702B1-EDA3-FF46-994A-18FFB6DE5B39}" type="slidenum">
-              <a:rPr lang="en-US"/>
-              <a:pPr/>
-              <a:t>2</a:t>
-            </a:fld>
-            <a:endParaRPr lang="en-US" dirty="0"/>
-          </a:p>
-        </p:txBody>
-      </p:sp>
-    </p:spTree>
-    <p:extLst>
-      <p:ext uri="{BB962C8B-B14F-4D97-AF65-F5344CB8AC3E}">
-        <p14:creationId xmlns:p14="http://schemas.microsoft.com/office/powerpoint/2010/main" val="2250168689"/>
-      </p:ext>
-    </p:extLst>
-  </p:cSld>
-  <p:clrMapOvr>
-    <a:masterClrMapping/>
-  </p:clrMapOvr>
-  <p:transition spd="slow">
-    <p:wipe/>
-  </p:transition>
-</p:sld>
-</file>
-
-<file path=ppt/slides/slide20.xml><?xml version="1.0" encoding="utf-8"?>
-<p:sld xmlns:a="http://schemas.openxmlformats.org/drawingml/2006/main" xmlns:r="http://schemas.openxmlformats.org/officeDocument/2006/relationships" xmlns:p="http://schemas.openxmlformats.org/presentationml/2006/main">
-  <p:cSld>
-    <p:spTree>
-      <p:nvGrpSpPr>
-        <p:cNvPr id="1" name=""/>
-        <p:cNvGrpSpPr/>
-        <p:nvPr/>
-      </p:nvGrpSpPr>
-      <p:grpSpPr>
-        <a:xfrm>
-          <a:off x="0" y="0"/>
-          <a:ext cx="0" cy="0"/>
-          <a:chOff x="0" y="0"/>
-          <a:chExt cx="0" cy="0"/>
-        </a:xfrm>
-      </p:grpSpPr>
-      <p:sp>
-        <p:nvSpPr>
-          <p:cNvPr id="31" name="Slide Number Placeholder 30"/>
-          <p:cNvSpPr>
-            <a:spLocks noGrp="1"/>
-          </p:cNvSpPr>
-          <p:nvPr>
-            <p:ph type="sldNum" sz="quarter" idx="12"/>
-          </p:nvPr>
-        </p:nvSpPr>
-        <p:spPr/>
-        <p:txBody>
-          <a:bodyPr/>
-          <a:lstStyle/>
-          <a:p>
-            <a:fld id="{5AA702B1-EDA3-FF46-994A-18FFB6DE5B39}" type="slidenum">
-              <a:rPr lang="en-US"/>
-              <a:pPr/>
-              <a:t>20</a:t>
-            </a:fld>
-            <a:endParaRPr lang="en-US"/>
-          </a:p>
-        </p:txBody>
-      </p:sp>
-      <p:sp>
-        <p:nvSpPr>
-          <p:cNvPr id="16" name="Title 1">
-            <a:extLst>
-              <a:ext uri="{FF2B5EF4-FFF2-40B4-BE49-F238E27FC236}">
-                <a16:creationId xmlns:a16="http://schemas.microsoft.com/office/drawing/2014/main" id="{E05BFCB2-F9FD-4687-864D-12F55B2C3F05}"/>
-              </a:ext>
-            </a:extLst>
-          </p:cNvPr>
-          <p:cNvSpPr txBox="1">
-            <a:spLocks/>
-          </p:cNvSpPr>
-          <p:nvPr/>
-        </p:nvSpPr>
-        <p:spPr>
-          <a:xfrm>
-            <a:off x="880024" y="610692"/>
-            <a:ext cx="6640286" cy="418576"/>
-          </a:xfrm>
-          <a:prstGeom prst="rect">
-            <a:avLst/>
-          </a:prstGeom>
-        </p:spPr>
-        <p:txBody>
-          <a:bodyPr vert="horz" wrap="square" lIns="0" tIns="0" rIns="0" bIns="0" rtlCol="0" anchor="t" anchorCtr="0">
-            <a:spAutoFit/>
-          </a:bodyPr>
-          <a:lstStyle>
-            <a:lvl1pPr>
-              <a:lnSpc>
-                <a:spcPct val="85000"/>
-              </a:lnSpc>
-              <a:spcBef>
-                <a:spcPct val="0"/>
-              </a:spcBef>
-              <a:buNone/>
-              <a:defRPr sz="3200" b="0" i="0" baseline="0">
-                <a:solidFill>
-                  <a:schemeClr val="bg1"/>
-                </a:solidFill>
-                <a:latin typeface="Museo 700"/>
-                <a:ea typeface="+mj-ea"/>
-                <a:cs typeface="Museo 700"/>
-              </a:defRPr>
-            </a:lvl1pPr>
-          </a:lstStyle>
-          <a:p>
-            <a:r>
-              <a:rPr lang="en-US" dirty="0"/>
-              <a:t>What’s Next</a:t>
-            </a:r>
-          </a:p>
-        </p:txBody>
-      </p:sp>
-      <p:sp>
-        <p:nvSpPr>
-          <p:cNvPr id="17" name="Subtitle 2">
-            <a:extLst>
-              <a:ext uri="{FF2B5EF4-FFF2-40B4-BE49-F238E27FC236}">
-                <a16:creationId xmlns:a16="http://schemas.microsoft.com/office/drawing/2014/main" id="{D5D94FB6-56A9-4839-802C-0F9A7EE43656}"/>
-              </a:ext>
-            </a:extLst>
-          </p:cNvPr>
-          <p:cNvSpPr txBox="1">
-            <a:spLocks/>
-          </p:cNvSpPr>
-          <p:nvPr/>
-        </p:nvSpPr>
-        <p:spPr>
-          <a:xfrm>
-            <a:off x="880024" y="1552485"/>
-            <a:ext cx="7975218" cy="2973122"/>
-          </a:xfrm>
-          <a:prstGeom prst="rect">
-            <a:avLst/>
-          </a:prstGeom>
-        </p:spPr>
-        <p:txBody>
-          <a:bodyPr wrap="square">
-            <a:spAutoFit/>
-          </a:bodyPr>
-          <a:lstStyle>
-            <a:lvl1pPr marL="342900" indent="-342900" algn="l" defTabSz="457200" rtl="0" eaLnBrk="1" latinLnBrk="0" hangingPunct="1">
-              <a:spcBef>
-                <a:spcPct val="20000"/>
-              </a:spcBef>
-              <a:buFont typeface="Arial"/>
-              <a:buChar char="•"/>
-              <a:defRPr sz="2400" kern="1200">
-                <a:solidFill>
-                  <a:schemeClr val="bg1"/>
-                </a:solidFill>
-                <a:latin typeface="Open Sans Light"/>
-                <a:ea typeface="+mn-ea"/>
-                <a:cs typeface="Open Sans Light"/>
-              </a:defRPr>
-            </a:lvl1pPr>
-            <a:lvl2pPr marL="742950" indent="-285750" algn="l" defTabSz="457200" rtl="0" eaLnBrk="1" latinLnBrk="0" hangingPunct="1">
-              <a:spcBef>
-                <a:spcPct val="20000"/>
-              </a:spcBef>
-              <a:buFont typeface="Arial"/>
-              <a:buChar char="–"/>
-              <a:defRPr sz="2000" kern="1200">
-                <a:solidFill>
-                  <a:schemeClr val="bg1"/>
-                </a:solidFill>
-                <a:latin typeface="Open Sans Light"/>
-                <a:ea typeface="+mn-ea"/>
-                <a:cs typeface="Open Sans Light"/>
-              </a:defRPr>
-            </a:lvl2pPr>
-            <a:lvl3pPr marL="1143000" indent="-228600" algn="l" defTabSz="457200" rtl="0" eaLnBrk="1" latinLnBrk="0" hangingPunct="1">
-              <a:spcBef>
-                <a:spcPct val="20000"/>
-              </a:spcBef>
-              <a:buFont typeface="Arial"/>
-              <a:buChar char="•"/>
-              <a:defRPr sz="1800" kern="1200">
-                <a:solidFill>
-                  <a:schemeClr val="bg1"/>
-                </a:solidFill>
-                <a:latin typeface="Open Sans Light"/>
-                <a:ea typeface="+mn-ea"/>
-                <a:cs typeface="Open Sans Light"/>
-              </a:defRPr>
-            </a:lvl3pPr>
-            <a:lvl4pPr marL="1600200" indent="-228600" algn="l" defTabSz="457200" rtl="0" eaLnBrk="1" latinLnBrk="0" hangingPunct="1">
-              <a:spcBef>
-                <a:spcPct val="20000"/>
-              </a:spcBef>
-              <a:buFont typeface="Arial"/>
-              <a:buChar char="–"/>
-              <a:defRPr sz="1600" kern="1200">
-                <a:solidFill>
-                  <a:schemeClr val="bg1"/>
-                </a:solidFill>
-                <a:latin typeface="Open Sans Light"/>
-                <a:ea typeface="+mn-ea"/>
-                <a:cs typeface="Open Sans Light"/>
-              </a:defRPr>
-            </a:lvl4pPr>
-            <a:lvl5pPr marL="2057400" indent="-228600" algn="l" defTabSz="457200" rtl="0" eaLnBrk="1" latinLnBrk="0" hangingPunct="1">
-              <a:spcBef>
-                <a:spcPct val="20000"/>
-              </a:spcBef>
-              <a:buFont typeface="Arial"/>
-              <a:buChar char="»"/>
-              <a:defRPr sz="1600" kern="1200">
-                <a:solidFill>
-                  <a:schemeClr val="bg1"/>
-                </a:solidFill>
-                <a:latin typeface="Open Sans Light"/>
-                <a:ea typeface="+mn-ea"/>
-                <a:cs typeface="Open Sans Light"/>
-              </a:defRPr>
-            </a:lvl5pPr>
-            <a:lvl6pPr marL="2514600" indent="-228600" algn="l" defTabSz="457200" rtl="0" eaLnBrk="1" latinLnBrk="0" hangingPunct="1">
-              <a:spcBef>
-                <a:spcPct val="20000"/>
-              </a:spcBef>
-              <a:buFont typeface="Arial"/>
-              <a:buChar char="•"/>
-              <a:defRPr sz="2000" kern="1200">
-                <a:solidFill>
-                  <a:schemeClr val="tx1"/>
-                </a:solidFill>
-                <a:latin typeface="+mn-lt"/>
-                <a:ea typeface="+mn-ea"/>
-                <a:cs typeface="+mn-cs"/>
-              </a:defRPr>
-            </a:lvl6pPr>
-            <a:lvl7pPr marL="2971800" indent="-228600" algn="l" defTabSz="457200" rtl="0" eaLnBrk="1" latinLnBrk="0" hangingPunct="1">
-              <a:spcBef>
-                <a:spcPct val="20000"/>
-              </a:spcBef>
-              <a:buFont typeface="Arial"/>
-              <a:buChar char="•"/>
-              <a:defRPr sz="2000" kern="1200">
-                <a:solidFill>
-                  <a:schemeClr val="tx1"/>
-                </a:solidFill>
-                <a:latin typeface="+mn-lt"/>
-                <a:ea typeface="+mn-ea"/>
-                <a:cs typeface="+mn-cs"/>
-              </a:defRPr>
-            </a:lvl7pPr>
-            <a:lvl8pPr marL="3429000" indent="-228600" algn="l" defTabSz="457200" rtl="0" eaLnBrk="1" latinLnBrk="0" hangingPunct="1">
-              <a:spcBef>
-                <a:spcPct val="20000"/>
-              </a:spcBef>
-              <a:buFont typeface="Arial"/>
-              <a:buChar char="•"/>
-              <a:defRPr sz="2000" kern="1200">
-                <a:solidFill>
-                  <a:schemeClr val="tx1"/>
-                </a:solidFill>
-                <a:latin typeface="+mn-lt"/>
-                <a:ea typeface="+mn-ea"/>
-                <a:cs typeface="+mn-cs"/>
-              </a:defRPr>
-            </a:lvl8pPr>
-            <a:lvl9pPr marL="3886200" indent="-228600" algn="l" defTabSz="457200" rtl="0" eaLnBrk="1" latinLnBrk="0" hangingPunct="1">
-              <a:spcBef>
-                <a:spcPct val="20000"/>
-              </a:spcBef>
-              <a:buFont typeface="Arial"/>
-              <a:buChar char="•"/>
-              <a:defRPr sz="2000" kern="1200">
-                <a:solidFill>
-                  <a:schemeClr val="tx1"/>
-                </a:solidFill>
-                <a:latin typeface="+mn-lt"/>
-                <a:ea typeface="+mn-ea"/>
-                <a:cs typeface="+mn-cs"/>
-              </a:defRPr>
-            </a:lvl9pPr>
-          </a:lstStyle>
-          <a:p>
-            <a:pPr>
-              <a:buFont typeface="Wingdings" panose="05000000000000000000" pitchFamily="2" charset="2"/>
-              <a:buChar char="Ø"/>
-            </a:pPr>
-            <a:r>
-              <a:rPr lang="en-US" dirty="0"/>
-              <a:t>A «Pause/Continue» toggle button</a:t>
-            </a:r>
-          </a:p>
-          <a:p>
-            <a:pPr lvl="1">
-              <a:buFont typeface="Wingdings" panose="05000000000000000000" pitchFamily="2" charset="2"/>
-              <a:buChar char="ü"/>
-            </a:pPr>
-            <a:r>
-              <a:rPr lang="en-US" dirty="0"/>
-              <a:t>Stop simulations, but save the status</a:t>
-            </a:r>
-          </a:p>
-          <a:p>
-            <a:pPr lvl="1">
-              <a:buFont typeface="Wingdings" panose="05000000000000000000" pitchFamily="2" charset="2"/>
-              <a:buChar char="ü"/>
-            </a:pPr>
-            <a:r>
-              <a:rPr lang="en-US" dirty="0"/>
-              <a:t>Continue from the saved status when required</a:t>
-            </a:r>
-          </a:p>
-          <a:p>
-            <a:pPr>
-              <a:buFont typeface="Wingdings" panose="05000000000000000000" pitchFamily="2" charset="2"/>
-              <a:buChar char="Ø"/>
-            </a:pPr>
-            <a:endParaRPr lang="en-US" dirty="0"/>
-          </a:p>
-          <a:p>
-            <a:pPr>
-              <a:buFont typeface="Wingdings" panose="05000000000000000000" pitchFamily="2" charset="2"/>
-              <a:buChar char="Ø"/>
-            </a:pPr>
-            <a:r>
-              <a:rPr lang="en-US" dirty="0"/>
-              <a:t>Save the results in other formats: XML, database</a:t>
-            </a:r>
-          </a:p>
-          <a:p>
-            <a:pPr>
-              <a:buFont typeface="Wingdings" panose="05000000000000000000" pitchFamily="2" charset="2"/>
-              <a:buChar char="Ø"/>
-            </a:pPr>
-            <a:endParaRPr lang="en-US" dirty="0"/>
-          </a:p>
-          <a:p>
-            <a:pPr>
-              <a:buFont typeface="Wingdings" panose="05000000000000000000" pitchFamily="2" charset="2"/>
-              <a:buChar char="Ø"/>
-            </a:pPr>
-            <a:r>
-              <a:rPr lang="en-US" dirty="0"/>
-              <a:t>Testing of GUI</a:t>
-            </a:r>
-          </a:p>
-        </p:txBody>
-      </p:sp>
-    </p:spTree>
-    <p:extLst>
-      <p:ext uri="{BB962C8B-B14F-4D97-AF65-F5344CB8AC3E}">
-        <p14:creationId xmlns:p14="http://schemas.microsoft.com/office/powerpoint/2010/main" val="3255904003"/>
-      </p:ext>
-    </p:extLst>
-  </p:cSld>
-  <p:clrMapOvr>
-    <a:overrideClrMapping bg1="lt1" tx1="dk1" bg2="lt2" tx2="dk2" accent1="accent1" accent2="accent2" accent3="accent3" accent4="accent4" accent5="accent5" accent6="accent6" hlink="hlink" folHlink="folHlink"/>
-  </p:clrMapOvr>
-  <p:transition spd="slow">
-    <p:wipe/>
-  </p:transition>
-</p:sld>
-</file>
-
-<file path=ppt/slides/slide21.xml><?xml version="1.0" encoding="utf-8"?>
-<p:sld xmlns:a="http://schemas.openxmlformats.org/drawingml/2006/main" xmlns:r="http://schemas.openxmlformats.org/officeDocument/2006/relationships" xmlns:p="http://schemas.openxmlformats.org/presentationml/2006/main">
-  <p:cSld>
-    <p:spTree>
-      <p:nvGrpSpPr>
-        <p:cNvPr id="1" name=""/>
-        <p:cNvGrpSpPr/>
-        <p:nvPr/>
-      </p:nvGrpSpPr>
-      <p:grpSpPr>
-        <a:xfrm>
-          <a:off x="0" y="0"/>
-          <a:ext cx="0" cy="0"/>
-          <a:chOff x="0" y="0"/>
-          <a:chExt cx="0" cy="0"/>
-        </a:xfrm>
-      </p:grpSpPr>
-      <p:sp>
-        <p:nvSpPr>
-          <p:cNvPr id="31" name="Slide Number Placeholder 30"/>
-          <p:cNvSpPr>
-            <a:spLocks noGrp="1"/>
-          </p:cNvSpPr>
-          <p:nvPr>
-            <p:ph type="sldNum" sz="quarter" idx="12"/>
-          </p:nvPr>
-        </p:nvSpPr>
-        <p:spPr/>
-        <p:txBody>
-          <a:bodyPr/>
-          <a:lstStyle/>
-          <a:p>
-            <a:fld id="{5AA702B1-EDA3-FF46-994A-18FFB6DE5B39}" type="slidenum">
-              <a:rPr lang="en-US"/>
-              <a:pPr/>
-              <a:t>21</a:t>
+              <a:t>12</a:t>
             </a:fld>
             <a:endParaRPr lang="en-US"/>
           </a:p>
@@ -10474,7 +7639,7 @@
 </p:sld>
 </file>
 
-<file path=ppt/slides/slide22.xml><?xml version="1.0" encoding="utf-8"?>
+<file path=ppt/slides/slide13.xml><?xml version="1.0" encoding="utf-8"?>
 <p:sld xmlns:a="http://schemas.openxmlformats.org/drawingml/2006/main" xmlns:r="http://schemas.openxmlformats.org/officeDocument/2006/relationships" xmlns:p="http://schemas.openxmlformats.org/presentationml/2006/main">
   <p:cSld>
     <p:spTree>
@@ -10509,7 +7674,7 @@
             <a:fld id="{5AA702B1-EDA3-FF46-994A-18FFB6DE5B39}" type="slidenum">
               <a:rPr lang="en-US"/>
               <a:pPr/>
-              <a:t>22</a:t>
+              <a:t>13</a:t>
             </a:fld>
             <a:endParaRPr lang="en-US" dirty="0"/>
           </a:p>
@@ -10612,6 +7777,204 @@
   </p:cSld>
   <p:clrMapOvr>
     <a:overrideClrMapping bg1="lt1" tx1="dk1" bg2="lt2" tx2="dk2" accent1="accent1" accent2="accent2" accent3="accent3" accent4="accent4" accent5="accent5" accent6="accent6" hlink="hlink" folHlink="folHlink"/>
+  </p:clrMapOvr>
+  <p:transition spd="slow">
+    <p:wipe/>
+  </p:transition>
+</p:sld>
+</file>
+
+<file path=ppt/slides/slide2.xml><?xml version="1.0" encoding="utf-8"?>
+<p:sld xmlns:a="http://schemas.openxmlformats.org/drawingml/2006/main" xmlns:r="http://schemas.openxmlformats.org/officeDocument/2006/relationships" xmlns:p="http://schemas.openxmlformats.org/presentationml/2006/main">
+  <p:cSld>
+    <p:spTree>
+      <p:nvGrpSpPr>
+        <p:cNvPr id="1" name=""/>
+        <p:cNvGrpSpPr/>
+        <p:nvPr/>
+      </p:nvGrpSpPr>
+      <p:grpSpPr>
+        <a:xfrm>
+          <a:off x="0" y="0"/>
+          <a:ext cx="0" cy="0"/>
+          <a:chOff x="0" y="0"/>
+          <a:chExt cx="0" cy="0"/>
+        </a:xfrm>
+      </p:grpSpPr>
+      <p:sp>
+        <p:nvSpPr>
+          <p:cNvPr id="2" name="Title 1"/>
+          <p:cNvSpPr>
+            <a:spLocks noGrp="1"/>
+          </p:cNvSpPr>
+          <p:nvPr>
+            <p:ph type="ctrTitle"/>
+          </p:nvPr>
+        </p:nvSpPr>
+        <p:spPr>
+          <a:xfrm>
+            <a:off x="1082525" y="363186"/>
+            <a:ext cx="6640286" cy="496022"/>
+          </a:xfrm>
+        </p:spPr>
+        <p:txBody>
+          <a:bodyPr/>
+          <a:lstStyle/>
+          <a:p>
+            <a:r>
+              <a:rPr lang="en-US" noProof="0" dirty="0"/>
+              <a:t>Contents</a:t>
+            </a:r>
+          </a:p>
+        </p:txBody>
+      </p:sp>
+      <p:sp>
+        <p:nvSpPr>
+          <p:cNvPr id="3" name="Subtitle 2"/>
+          <p:cNvSpPr>
+            <a:spLocks noGrp="1"/>
+          </p:cNvSpPr>
+          <p:nvPr>
+            <p:ph type="subTitle" idx="1"/>
+          </p:nvPr>
+        </p:nvSpPr>
+        <p:spPr>
+          <a:xfrm>
+            <a:off x="1082524" y="1036341"/>
+            <a:ext cx="7445874" cy="3024289"/>
+          </a:xfrm>
+        </p:spPr>
+        <p:txBody>
+          <a:bodyPr>
+            <a:spAutoFit/>
+          </a:bodyPr>
+          <a:lstStyle/>
+          <a:p>
+            <a:pPr marL="342900" indent="-342900">
+              <a:buFont typeface="Wingdings" panose="05000000000000000000" pitchFamily="2" charset="2"/>
+              <a:buChar char="Ø"/>
+            </a:pPr>
+            <a:r>
+              <a:rPr lang="en-US" noProof="0" dirty="0">
+                <a:hlinkClick r:id="rId2" action="ppaction://hlinksldjump"/>
+              </a:rPr>
+              <a:t>Problem Description</a:t>
+            </a:r>
+            <a:endParaRPr lang="en-US" noProof="0" dirty="0"/>
+          </a:p>
+          <a:p>
+            <a:pPr marL="342900" indent="-342900">
+              <a:buFont typeface="Wingdings" panose="05000000000000000000" pitchFamily="2" charset="2"/>
+              <a:buChar char="Ø"/>
+            </a:pPr>
+            <a:r>
+              <a:rPr lang="en-US" noProof="0" dirty="0">
+                <a:hlinkClick r:id="rId3" action="ppaction://hlinksldjump"/>
+              </a:rPr>
+              <a:t>User Requirements</a:t>
+            </a:r>
+            <a:endParaRPr lang="en-US" noProof="0" dirty="0"/>
+          </a:p>
+          <a:p>
+            <a:pPr marL="342900" indent="-342900">
+              <a:buFont typeface="Wingdings" panose="05000000000000000000" pitchFamily="2" charset="2"/>
+              <a:buChar char="Ø"/>
+            </a:pPr>
+            <a:r>
+              <a:rPr lang="en-US" noProof="0" dirty="0">
+                <a:hlinkClick r:id="rId4" action="ppaction://hlinksldjump"/>
+              </a:rPr>
+              <a:t>Technology and Tools</a:t>
+            </a:r>
+            <a:endParaRPr lang="en-US" noProof="0" dirty="0"/>
+          </a:p>
+          <a:p>
+            <a:pPr marL="342900" indent="-342900">
+              <a:buFont typeface="Wingdings" panose="05000000000000000000" pitchFamily="2" charset="2"/>
+              <a:buChar char="Ø"/>
+            </a:pPr>
+            <a:r>
+              <a:rPr lang="en-US" noProof="0" dirty="0">
+                <a:hlinkClick r:id="rId5" action="ppaction://hlinksldjump"/>
+              </a:rPr>
+              <a:t>Overview of the Algorithm</a:t>
+            </a:r>
+            <a:endParaRPr lang="en-US" noProof="0" dirty="0"/>
+          </a:p>
+          <a:p>
+            <a:pPr marL="342900" indent="-342900">
+              <a:buFont typeface="Wingdings" panose="05000000000000000000" pitchFamily="2" charset="2"/>
+              <a:buChar char="Ø"/>
+            </a:pPr>
+            <a:r>
+              <a:rPr lang="en-US" dirty="0">
+                <a:hlinkClick r:id="rId6" action="ppaction://hlinksldjump"/>
+              </a:rPr>
+              <a:t>Solution Modus</a:t>
+            </a:r>
+            <a:endParaRPr lang="en-US" noProof="0" dirty="0"/>
+          </a:p>
+          <a:p>
+            <a:pPr marL="342900" indent="-342900">
+              <a:buFont typeface="Wingdings" panose="05000000000000000000" pitchFamily="2" charset="2"/>
+              <a:buChar char="Ø"/>
+            </a:pPr>
+            <a:r>
+              <a:rPr lang="en-US" noProof="0" dirty="0">
+                <a:hlinkClick r:id="rId7" action="ppaction://hlinksldjump"/>
+              </a:rPr>
+              <a:t>What Next</a:t>
+            </a:r>
+            <a:endParaRPr lang="en-US" noProof="0" dirty="0"/>
+          </a:p>
+          <a:p>
+            <a:pPr marL="342900" indent="-342900">
+              <a:buFont typeface="Wingdings" panose="05000000000000000000" pitchFamily="2" charset="2"/>
+              <a:buChar char="Ø"/>
+            </a:pPr>
+            <a:r>
+              <a:rPr lang="en-US" noProof="0" dirty="0">
+                <a:hlinkClick r:id="rId8" action="ppaction://hlinksldjump"/>
+              </a:rPr>
+              <a:t>Questions and Comments</a:t>
+            </a:r>
+            <a:endParaRPr lang="en-US" noProof="0" dirty="0"/>
+          </a:p>
+        </p:txBody>
+      </p:sp>
+      <p:sp>
+        <p:nvSpPr>
+          <p:cNvPr id="4" name="Slide Number Placeholder 3"/>
+          <p:cNvSpPr>
+            <a:spLocks noGrp="1"/>
+          </p:cNvSpPr>
+          <p:nvPr>
+            <p:ph type="sldNum" sz="quarter" idx="12"/>
+          </p:nvPr>
+        </p:nvSpPr>
+        <p:spPr/>
+        <p:txBody>
+          <a:bodyPr/>
+          <a:lstStyle/>
+          <a:p>
+            <a:fld id="{5AA702B1-EDA3-FF46-994A-18FFB6DE5B39}" type="slidenum">
+              <a:rPr lang="en-US"/>
+              <a:pPr/>
+              <a:t>2</a:t>
+            </a:fld>
+            <a:endParaRPr lang="en-US" dirty="0"/>
+          </a:p>
+        </p:txBody>
+      </p:sp>
+    </p:spTree>
+    <p:extLst>
+      <p:ext uri="{BB962C8B-B14F-4D97-AF65-F5344CB8AC3E}">
+        <p14:creationId xmlns:p14="http://schemas.microsoft.com/office/powerpoint/2010/main" val="2250168689"/>
+      </p:ext>
+    </p:extLst>
+  </p:cSld>
+  <p:clrMapOvr>
+    <a:masterClrMapping/>
   </p:clrMapOvr>
   <p:transition spd="slow">
     <p:wipe/>
@@ -11142,8 +8505,8 @@
           <a:chExt cx="0" cy="0"/>
         </a:xfrm>
       </p:grpSpPr>
-      <mc:AlternateContent xmlns:mc="http://schemas.openxmlformats.org/markup-compatibility/2006">
-        <mc:Choice xmlns:a14="http://schemas.microsoft.com/office/drawing/2010/main" Requires="a14">
+      <mc:AlternateContent xmlns:mc="http://schemas.openxmlformats.org/markup-compatibility/2006" xmlns:a14="http://schemas.microsoft.com/office/drawing/2010/main">
+        <mc:Choice Requires="a14">
           <p:sp>
             <p:nvSpPr>
               <p:cNvPr id="7" name="Subtitle 2">
@@ -11423,7 +8786,7 @@
             </p:txBody>
           </p:sp>
         </mc:Choice>
-        <mc:Fallback>
+        <mc:Fallback xmlns="">
           <p:sp>
             <p:nvSpPr>
               <p:cNvPr id="7" name="Subtitle 2">
@@ -11559,90 +8922,6 @@
           <a:chExt cx="0" cy="0"/>
         </a:xfrm>
       </p:grpSpPr>
-      <mc:AlternateContent xmlns:mc="http://schemas.openxmlformats.org/markup-compatibility/2006" xmlns:a14="http://schemas.microsoft.com/office/drawing/2010/main">
-        <mc:Choice Requires="a14">
-          <p:sp>
-            <p:nvSpPr>
-              <p:cNvPr id="2" name="Title 1"/>
-              <p:cNvSpPr>
-                <a:spLocks noGrp="1"/>
-              </p:cNvSpPr>
-              <p:nvPr>
-                <p:ph type="ctrTitle"/>
-              </p:nvPr>
-            </p:nvSpPr>
-            <p:spPr>
-              <a:xfrm>
-                <a:off x="1082524" y="363186"/>
-                <a:ext cx="6793329" cy="421013"/>
-              </a:xfrm>
-            </p:spPr>
-            <p:txBody>
-              <a:bodyPr>
-                <a:spAutoFit/>
-              </a:bodyPr>
-              <a:lstStyle/>
-              <a:p>
-                <a:r>
-                  <a:rPr lang="en-US" noProof="0" dirty="0"/>
-                  <a:t>Before simulation – Unique and </a:t>
-                </a:r>
-                <a14:m>
-                  <m:oMath xmlns:m="http://schemas.openxmlformats.org/officeDocument/2006/math">
-                    <m:r>
-                      <a:rPr lang="en-US" i="1">
-                        <a:latin typeface="Cambria Math" panose="02040503050406030204" pitchFamily="18" charset="0"/>
-                      </a:rPr>
-                      <m:t>𝑁</m:t>
-                    </m:r>
-                  </m:oMath>
-                </a14:m>
-                <a:r>
-                  <a:rPr lang="en-US" noProof="0" dirty="0"/>
-                  <a:t> = 16</a:t>
-                </a:r>
-              </a:p>
-            </p:txBody>
-          </p:sp>
-        </mc:Choice>
-        <mc:Fallback xmlns="">
-          <p:sp>
-            <p:nvSpPr>
-              <p:cNvPr id="2" name="Title 1"/>
-              <p:cNvSpPr>
-                <a:spLocks noGrp="1" noRot="1" noChangeAspect="1" noMove="1" noResize="1" noEditPoints="1" noAdjustHandles="1" noChangeArrowheads="1" noChangeShapeType="1" noTextEdit="1"/>
-              </p:cNvSpPr>
-              <p:nvPr>
-                <p:ph type="ctrTitle"/>
-              </p:nvPr>
-            </p:nvSpPr>
-            <p:spPr>
-              <a:xfrm>
-                <a:off x="1082524" y="363186"/>
-                <a:ext cx="6793329" cy="421013"/>
-              </a:xfrm>
-              <a:blipFill>
-                <a:blip r:embed="rId3"/>
-                <a:stretch>
-                  <a:fillRect l="-3680" t="-46377" b="-57971"/>
-                </a:stretch>
-              </a:blipFill>
-            </p:spPr>
-            <p:txBody>
-              <a:bodyPr/>
-              <a:lstStyle/>
-              <a:p>
-                <a:r>
-                  <a:rPr lang="nb-NO">
-                    <a:noFill/>
-                  </a:rPr>
-                  <a:t> </a:t>
-                </a:r>
-              </a:p>
-            </p:txBody>
-          </p:sp>
-        </mc:Fallback>
-      </mc:AlternateContent>
       <p:sp>
         <p:nvSpPr>
           <p:cNvPr id="4" name="Slide Number Placeholder 3"/>
@@ -11667,79 +8946,369 @@
           </a:p>
         </p:txBody>
       </p:sp>
-      <p:graphicFrame>
-        <p:nvGraphicFramePr>
-          <p:cNvPr id="8" name="Object 7">
-            <a:hlinkClick r:id="rId4" action="ppaction://hlinkfile"/>
+      <p:sp>
+        <p:nvSpPr>
+          <p:cNvPr id="9" name="Title 1">
             <a:extLst>
               <a:ext uri="{FF2B5EF4-FFF2-40B4-BE49-F238E27FC236}">
-                <a16:creationId xmlns:a16="http://schemas.microsoft.com/office/drawing/2014/main" id="{D3F8AC2C-856C-46A0-912F-67DF6F1BF8E8}"/>
+                <a16:creationId xmlns:a16="http://schemas.microsoft.com/office/drawing/2014/main" id="{C2713ADD-689C-4011-A28C-7D45F9A26854}"/>
               </a:ext>
             </a:extLst>
           </p:cNvPr>
-          <p:cNvGraphicFramePr>
-            <a:graphicFrameLocks noChangeAspect="1"/>
-          </p:cNvGraphicFramePr>
-          <p:nvPr>
-            <p:extLst>
-              <p:ext uri="{D42A27DB-BD31-4B8C-83A1-F6EECF244321}">
-                <p14:modId xmlns:p14="http://schemas.microsoft.com/office/powerpoint/2010/main" val="2116671151"/>
-              </p:ext>
-            </p:extLst>
-          </p:nvPr>
-        </p:nvGraphicFramePr>
-        <p:xfrm>
-          <a:off x="2884488" y="2268538"/>
-          <a:ext cx="3375025" cy="604837"/>
-        </p:xfrm>
-        <a:graphic>
-          <a:graphicData uri="http://schemas.openxmlformats.org/presentationml/2006/ole">
-            <mc:AlternateContent xmlns:mc="http://schemas.openxmlformats.org/markup-compatibility/2006">
-              <mc:Choice xmlns:v="urn:schemas-microsoft-com:vml" Requires="v">
-                <p:oleObj name="Packager Shell Object" showAsIcon="1" r:id="rId5" imgW="3375000" imgH="604800" progId="Package">
-                  <p:embed/>
-                </p:oleObj>
-              </mc:Choice>
-              <mc:Fallback>
-                <p:oleObj name="Packager Shell Object" showAsIcon="1" r:id="rId5" imgW="3375000" imgH="604800" progId="Package">
-                  <p:embed/>
-                  <p:pic>
-                    <p:nvPicPr>
-                      <p:cNvPr id="0" name=""/>
-                      <p:cNvPicPr/>
-                      <p:nvPr/>
-                    </p:nvPicPr>
-                    <p:blipFill>
-                      <a:blip r:embed="rId6"/>
-                      <a:stretch>
-                        <a:fillRect/>
-                      </a:stretch>
-                    </p:blipFill>
-                    <p:spPr>
-                      <a:xfrm>
-                        <a:off x="2884488" y="2268538"/>
-                        <a:ext cx="3375025" cy="604837"/>
-                      </a:xfrm>
-                      <a:prstGeom prst="rect">
-                        <a:avLst/>
-                      </a:prstGeom>
-                    </p:spPr>
-                  </p:pic>
-                </p:oleObj>
-              </mc:Fallback>
-            </mc:AlternateContent>
-          </a:graphicData>
-        </a:graphic>
-      </p:graphicFrame>
+          <p:cNvSpPr txBox="1">
+            <a:spLocks/>
+          </p:cNvSpPr>
+          <p:nvPr/>
+        </p:nvSpPr>
+        <p:spPr>
+          <a:xfrm>
+            <a:off x="1082525" y="395542"/>
+            <a:ext cx="6541958" cy="422295"/>
+          </a:xfrm>
+          <a:prstGeom prst="rect">
+            <a:avLst/>
+          </a:prstGeom>
+        </p:spPr>
+        <p:txBody>
+          <a:bodyPr vert="horz" wrap="square" lIns="0" tIns="0" rIns="0" bIns="0" rtlCol="0" anchor="t" anchorCtr="0">
+            <a:spAutoFit/>
+          </a:bodyPr>
+          <a:lstStyle>
+            <a:lvl1pPr>
+              <a:lnSpc>
+                <a:spcPct val="85000"/>
+              </a:lnSpc>
+              <a:spcBef>
+                <a:spcPct val="0"/>
+              </a:spcBef>
+              <a:buNone/>
+              <a:defRPr sz="3200" b="0" i="0" baseline="0">
+                <a:solidFill>
+                  <a:schemeClr val="bg1"/>
+                </a:solidFill>
+                <a:latin typeface="Museo 700"/>
+                <a:ea typeface="+mj-ea"/>
+                <a:cs typeface="Museo 700"/>
+              </a:defRPr>
+            </a:lvl1pPr>
+          </a:lstStyle>
+          <a:p>
+            <a:r>
+              <a:rPr lang="en-US" dirty="0"/>
+              <a:t>Technology and Tools</a:t>
+            </a:r>
+          </a:p>
+        </p:txBody>
+      </p:sp>
+      <p:sp>
+        <p:nvSpPr>
+          <p:cNvPr id="10" name="Subtitle 2">
+            <a:extLst>
+              <a:ext uri="{FF2B5EF4-FFF2-40B4-BE49-F238E27FC236}">
+                <a16:creationId xmlns:a16="http://schemas.microsoft.com/office/drawing/2014/main" id="{27403F2F-3705-432A-8697-455633FDCBA0}"/>
+              </a:ext>
+            </a:extLst>
+          </p:cNvPr>
+          <p:cNvSpPr txBox="1">
+            <a:spLocks/>
+          </p:cNvSpPr>
+          <p:nvPr/>
+        </p:nvSpPr>
+        <p:spPr>
+          <a:xfrm>
+            <a:off x="739589" y="1159475"/>
+            <a:ext cx="8191280" cy="3637919"/>
+          </a:xfrm>
+          <a:prstGeom prst="rect">
+            <a:avLst/>
+          </a:prstGeom>
+        </p:spPr>
+        <p:txBody>
+          <a:bodyPr wrap="square">
+            <a:spAutoFit/>
+          </a:bodyPr>
+          <a:lstStyle>
+            <a:lvl1pPr marL="342900" indent="-342900" algn="l" defTabSz="457200" rtl="0" eaLnBrk="1" latinLnBrk="0" hangingPunct="1">
+              <a:spcBef>
+                <a:spcPct val="20000"/>
+              </a:spcBef>
+              <a:buFont typeface="Arial"/>
+              <a:buChar char="•"/>
+              <a:defRPr sz="2400" kern="1200">
+                <a:solidFill>
+                  <a:schemeClr val="bg1"/>
+                </a:solidFill>
+                <a:latin typeface="Open Sans Light"/>
+                <a:ea typeface="+mn-ea"/>
+                <a:cs typeface="Open Sans Light"/>
+              </a:defRPr>
+            </a:lvl1pPr>
+            <a:lvl2pPr marL="742950" indent="-285750" algn="l" defTabSz="457200" rtl="0" eaLnBrk="1" latinLnBrk="0" hangingPunct="1">
+              <a:spcBef>
+                <a:spcPct val="20000"/>
+              </a:spcBef>
+              <a:buFont typeface="Arial"/>
+              <a:buChar char="–"/>
+              <a:defRPr sz="2000" kern="1200">
+                <a:solidFill>
+                  <a:schemeClr val="bg1"/>
+                </a:solidFill>
+                <a:latin typeface="Open Sans Light"/>
+                <a:ea typeface="+mn-ea"/>
+                <a:cs typeface="Open Sans Light"/>
+              </a:defRPr>
+            </a:lvl2pPr>
+            <a:lvl3pPr marL="1143000" indent="-228600" algn="l" defTabSz="457200" rtl="0" eaLnBrk="1" latinLnBrk="0" hangingPunct="1">
+              <a:spcBef>
+                <a:spcPct val="20000"/>
+              </a:spcBef>
+              <a:buFont typeface="Arial"/>
+              <a:buChar char="•"/>
+              <a:defRPr sz="1800" kern="1200">
+                <a:solidFill>
+                  <a:schemeClr val="bg1"/>
+                </a:solidFill>
+                <a:latin typeface="Open Sans Light"/>
+                <a:ea typeface="+mn-ea"/>
+                <a:cs typeface="Open Sans Light"/>
+              </a:defRPr>
+            </a:lvl3pPr>
+            <a:lvl4pPr marL="1600200" indent="-228600" algn="l" defTabSz="457200" rtl="0" eaLnBrk="1" latinLnBrk="0" hangingPunct="1">
+              <a:spcBef>
+                <a:spcPct val="20000"/>
+              </a:spcBef>
+              <a:buFont typeface="Arial"/>
+              <a:buChar char="–"/>
+              <a:defRPr sz="1600" kern="1200">
+                <a:solidFill>
+                  <a:schemeClr val="bg1"/>
+                </a:solidFill>
+                <a:latin typeface="Open Sans Light"/>
+                <a:ea typeface="+mn-ea"/>
+                <a:cs typeface="Open Sans Light"/>
+              </a:defRPr>
+            </a:lvl4pPr>
+            <a:lvl5pPr marL="2057400" indent="-228600" algn="l" defTabSz="457200" rtl="0" eaLnBrk="1" latinLnBrk="0" hangingPunct="1">
+              <a:spcBef>
+                <a:spcPct val="20000"/>
+              </a:spcBef>
+              <a:buFont typeface="Arial"/>
+              <a:buChar char="»"/>
+              <a:defRPr sz="1600" kern="1200">
+                <a:solidFill>
+                  <a:schemeClr val="bg1"/>
+                </a:solidFill>
+                <a:latin typeface="Open Sans Light"/>
+                <a:ea typeface="+mn-ea"/>
+                <a:cs typeface="Open Sans Light"/>
+              </a:defRPr>
+            </a:lvl5pPr>
+            <a:lvl6pPr marL="2514600" indent="-228600" algn="l" defTabSz="457200" rtl="0" eaLnBrk="1" latinLnBrk="0" hangingPunct="1">
+              <a:spcBef>
+                <a:spcPct val="20000"/>
+              </a:spcBef>
+              <a:buFont typeface="Arial"/>
+              <a:buChar char="•"/>
+              <a:defRPr sz="2000" kern="1200">
+                <a:solidFill>
+                  <a:schemeClr val="tx1"/>
+                </a:solidFill>
+                <a:latin typeface="+mn-lt"/>
+                <a:ea typeface="+mn-ea"/>
+                <a:cs typeface="+mn-cs"/>
+              </a:defRPr>
+            </a:lvl6pPr>
+            <a:lvl7pPr marL="2971800" indent="-228600" algn="l" defTabSz="457200" rtl="0" eaLnBrk="1" latinLnBrk="0" hangingPunct="1">
+              <a:spcBef>
+                <a:spcPct val="20000"/>
+              </a:spcBef>
+              <a:buFont typeface="Arial"/>
+              <a:buChar char="•"/>
+              <a:defRPr sz="2000" kern="1200">
+                <a:solidFill>
+                  <a:schemeClr val="tx1"/>
+                </a:solidFill>
+                <a:latin typeface="+mn-lt"/>
+                <a:ea typeface="+mn-ea"/>
+                <a:cs typeface="+mn-cs"/>
+              </a:defRPr>
+            </a:lvl7pPr>
+            <a:lvl8pPr marL="3429000" indent="-228600" algn="l" defTabSz="457200" rtl="0" eaLnBrk="1" latinLnBrk="0" hangingPunct="1">
+              <a:spcBef>
+                <a:spcPct val="20000"/>
+              </a:spcBef>
+              <a:buFont typeface="Arial"/>
+              <a:buChar char="•"/>
+              <a:defRPr sz="2000" kern="1200">
+                <a:solidFill>
+                  <a:schemeClr val="tx1"/>
+                </a:solidFill>
+                <a:latin typeface="+mn-lt"/>
+                <a:ea typeface="+mn-ea"/>
+                <a:cs typeface="+mn-cs"/>
+              </a:defRPr>
+            </a:lvl8pPr>
+            <a:lvl9pPr marL="3886200" indent="-228600" algn="l" defTabSz="457200" rtl="0" eaLnBrk="1" latinLnBrk="0" hangingPunct="1">
+              <a:spcBef>
+                <a:spcPct val="20000"/>
+              </a:spcBef>
+              <a:buFont typeface="Arial"/>
+              <a:buChar char="•"/>
+              <a:defRPr sz="2000" kern="1200">
+                <a:solidFill>
+                  <a:schemeClr val="tx1"/>
+                </a:solidFill>
+                <a:latin typeface="+mn-lt"/>
+                <a:ea typeface="+mn-ea"/>
+                <a:cs typeface="+mn-cs"/>
+              </a:defRPr>
+            </a:lvl9pPr>
+          </a:lstStyle>
+          <a:p>
+            <a:pPr>
+              <a:buFont typeface="Wingdings" panose="05000000000000000000" pitchFamily="2" charset="2"/>
+              <a:buChar char="Ø"/>
+            </a:pPr>
+            <a:r>
+              <a:rPr lang="en-US" i="1" dirty="0"/>
+              <a:t>Framework and language</a:t>
+            </a:r>
+            <a:r>
+              <a:rPr lang="en-US" dirty="0"/>
+              <a:t>:</a:t>
+            </a:r>
+            <a:r>
+              <a:rPr lang="en-US" sz="2000" dirty="0"/>
+              <a:t> .NET 5.0, C# 8.0, WPF and MVVM</a:t>
+            </a:r>
+          </a:p>
+          <a:p>
+            <a:pPr>
+              <a:buFont typeface="Wingdings" panose="05000000000000000000" pitchFamily="2" charset="2"/>
+              <a:buChar char="Ø"/>
+            </a:pPr>
+            <a:r>
+              <a:rPr lang="en-US" i="1" dirty="0"/>
+              <a:t>IDE</a:t>
+            </a:r>
+            <a:r>
+              <a:rPr lang="en-US" dirty="0"/>
+              <a:t>:</a:t>
+            </a:r>
+            <a:r>
+              <a:rPr lang="en-US" sz="2000" dirty="0"/>
+              <a:t> MS Visual Studio 2019, Community Version</a:t>
+            </a:r>
+          </a:p>
+          <a:p>
+            <a:pPr>
+              <a:buFont typeface="Wingdings" panose="05000000000000000000" pitchFamily="2" charset="2"/>
+              <a:buChar char="Ø"/>
+            </a:pPr>
+            <a:r>
+              <a:rPr lang="en-US" i="1" dirty="0"/>
+              <a:t>Version Control</a:t>
+            </a:r>
+            <a:r>
+              <a:rPr lang="en-US" dirty="0"/>
+              <a:t>:</a:t>
+            </a:r>
+            <a:r>
+              <a:rPr lang="en-US" sz="2000" dirty="0"/>
+              <a:t> Git and GitHub</a:t>
+            </a:r>
+          </a:p>
+          <a:p>
+            <a:pPr>
+              <a:buFont typeface="Wingdings" panose="05000000000000000000" pitchFamily="2" charset="2"/>
+              <a:buChar char="Ø"/>
+            </a:pPr>
+            <a:r>
+              <a:rPr lang="en-US" dirty="0"/>
+              <a:t>Library</a:t>
+            </a:r>
+          </a:p>
+          <a:p>
+            <a:pPr lvl="1" indent="-342900">
+              <a:buFont typeface="Wingdings" panose="05000000000000000000" pitchFamily="2" charset="2"/>
+              <a:buChar char="ü"/>
+            </a:pPr>
+            <a:r>
+              <a:rPr lang="en-US" i="1" dirty="0"/>
+              <a:t>Task Parallel Library </a:t>
+            </a:r>
+            <a:r>
+              <a:rPr lang="en-US" dirty="0"/>
+              <a:t>(TPL): for Asynchronous Development</a:t>
+            </a:r>
+          </a:p>
+          <a:p>
+            <a:pPr lvl="1" indent="-342900">
+              <a:buFont typeface="Wingdings" panose="05000000000000000000" pitchFamily="2" charset="2"/>
+              <a:buChar char="ü"/>
+            </a:pPr>
+            <a:r>
+              <a:rPr lang="en-US" i="1" dirty="0"/>
+              <a:t>MvvmLight</a:t>
+            </a:r>
+            <a:r>
+              <a:rPr lang="en-US" dirty="0"/>
+              <a:t>: for GUI-development with WPF og MVVM</a:t>
+            </a:r>
+          </a:p>
+          <a:p>
+            <a:pPr lvl="1" indent="-342900">
+              <a:buFont typeface="Wingdings" panose="05000000000000000000" pitchFamily="2" charset="2"/>
+              <a:buChar char="ü"/>
+            </a:pPr>
+            <a:r>
+              <a:rPr lang="en-US" i="1" dirty="0"/>
+              <a:t>FluentValidation: </a:t>
+            </a:r>
+            <a:r>
+              <a:rPr lang="en-US" dirty="0"/>
+              <a:t>for validation of the input data</a:t>
+            </a:r>
+          </a:p>
+          <a:p>
+            <a:pPr lvl="1" indent="-342900">
+              <a:buFont typeface="Wingdings" panose="05000000000000000000" pitchFamily="2" charset="2"/>
+              <a:buChar char="ü"/>
+            </a:pPr>
+            <a:r>
+              <a:rPr lang="en-US" i="1" dirty="0"/>
+              <a:t>FluentAssertions: </a:t>
+            </a:r>
+            <a:r>
+              <a:rPr lang="en-US" dirty="0"/>
+              <a:t>for validation of collections</a:t>
+            </a:r>
+          </a:p>
+          <a:p>
+            <a:pPr lvl="1" indent="-342900">
+              <a:buFont typeface="Wingdings" panose="05000000000000000000" pitchFamily="2" charset="2"/>
+              <a:buChar char="ü"/>
+            </a:pPr>
+            <a:r>
+              <a:rPr lang="en-US" i="1" dirty="0"/>
+              <a:t>NUnit and NUnitTestAdapter: </a:t>
+            </a:r>
+            <a:r>
+              <a:rPr lang="en-US" dirty="0"/>
+              <a:t>for unit testing</a:t>
+            </a:r>
+          </a:p>
+        </p:txBody>
+      </p:sp>
     </p:spTree>
     <p:extLst>
       <p:ext uri="{BB962C8B-B14F-4D97-AF65-F5344CB8AC3E}">
-        <p14:creationId xmlns:p14="http://schemas.microsoft.com/office/powerpoint/2010/main" val="1156033985"/>
+        <p14:creationId xmlns:p14="http://schemas.microsoft.com/office/powerpoint/2010/main" val="1377503921"/>
       </p:ext>
     </p:extLst>
   </p:cSld>
   <p:clrMapOvr>
-    <a:masterClrMapping/>
+    <a:overrideClrMapping bg1="lt1" tx1="dk1" bg2="lt2" tx2="dk2" accent1="accent1" accent2="accent2" accent3="accent3" accent4="accent4" accent5="accent5" accent6="accent6" hlink="hlink" folHlink="folHlink"/>
   </p:clrMapOvr>
   <p:transition spd="slow">
     <p:wipe/>
@@ -11764,93 +9333,271 @@
           <a:chExt cx="0" cy="0"/>
         </a:xfrm>
       </p:grpSpPr>
-      <mc:AlternateContent xmlns:mc="http://schemas.openxmlformats.org/markup-compatibility/2006" xmlns:a14="http://schemas.microsoft.com/office/drawing/2010/main">
-        <mc:Choice Requires="a14">
-          <p:sp>
-            <p:nvSpPr>
-              <p:cNvPr id="2" name="Title 1"/>
-              <p:cNvSpPr>
-                <a:spLocks noGrp="1"/>
-              </p:cNvSpPr>
-              <p:nvPr>
-                <p:ph type="ctrTitle"/>
-              </p:nvPr>
-            </p:nvSpPr>
-            <p:spPr>
-              <a:xfrm>
-                <a:off x="1082524" y="363186"/>
-                <a:ext cx="6793329" cy="421013"/>
-              </a:xfrm>
-            </p:spPr>
-            <p:txBody>
-              <a:bodyPr>
-                <a:spAutoFit/>
-              </a:bodyPr>
-              <a:lstStyle/>
-              <a:p>
-                <a:r>
-                  <a:rPr lang="en-US" noProof="0" dirty="0"/>
-                  <a:t>Under simulation – Unique and </a:t>
-                </a:r>
-                <a14:m>
-                  <m:oMath xmlns:m="http://schemas.openxmlformats.org/officeDocument/2006/math">
-                    <m:r>
-                      <a:rPr lang="en-US" i="1">
-                        <a:latin typeface="Cambria Math" panose="02040503050406030204" pitchFamily="18" charset="0"/>
-                      </a:rPr>
-                      <m:t>𝑁</m:t>
-                    </m:r>
-                  </m:oMath>
-                </a14:m>
-                <a:r>
-                  <a:rPr lang="en-US" noProof="0" dirty="0"/>
-                  <a:t> = 16</a:t>
-                </a:r>
-              </a:p>
-            </p:txBody>
-          </p:sp>
-        </mc:Choice>
-        <mc:Fallback xmlns="">
-          <p:sp>
-            <p:nvSpPr>
-              <p:cNvPr id="2" name="Title 1"/>
-              <p:cNvSpPr>
-                <a:spLocks noGrp="1" noRot="1" noChangeAspect="1" noMove="1" noResize="1" noEditPoints="1" noAdjustHandles="1" noChangeArrowheads="1" noChangeShapeType="1" noTextEdit="1"/>
-              </p:cNvSpPr>
-              <p:nvPr>
-                <p:ph type="ctrTitle"/>
-              </p:nvPr>
-            </p:nvSpPr>
-            <p:spPr>
-              <a:xfrm>
-                <a:off x="1082524" y="363186"/>
-                <a:ext cx="6793329" cy="421013"/>
-              </a:xfrm>
-              <a:blipFill>
-                <a:blip r:embed="rId3"/>
-                <a:stretch>
-                  <a:fillRect l="-3680" t="-46377" b="-57971"/>
-                </a:stretch>
-              </a:blipFill>
-            </p:spPr>
-            <p:txBody>
-              <a:bodyPr/>
-              <a:lstStyle/>
-              <a:p>
-                <a:r>
-                  <a:rPr lang="nb-NO">
-                    <a:noFill/>
-                  </a:rPr>
-                  <a:t> </a:t>
-                </a:r>
-              </a:p>
-            </p:txBody>
-          </p:sp>
-        </mc:Fallback>
-      </mc:AlternateContent>
-      <p:sp>
-        <p:nvSpPr>
-          <p:cNvPr id="4" name="Slide Number Placeholder 3"/>
+      <p:sp>
+        <p:nvSpPr>
+          <p:cNvPr id="34" name="Subtitle 2">
+            <a:extLst>
+              <a:ext uri="{FF2B5EF4-FFF2-40B4-BE49-F238E27FC236}">
+                <a16:creationId xmlns:a16="http://schemas.microsoft.com/office/drawing/2014/main" id="{2C7C9F9A-0F75-42F6-B8E1-4CB1F83ADA2C}"/>
+              </a:ext>
+            </a:extLst>
+          </p:cNvPr>
+          <p:cNvSpPr txBox="1">
+            <a:spLocks/>
+          </p:cNvSpPr>
+          <p:nvPr/>
+        </p:nvSpPr>
+        <p:spPr>
+          <a:xfrm>
+            <a:off x="1082524" y="1765656"/>
+            <a:ext cx="7445874" cy="2677656"/>
+          </a:xfrm>
+          <a:prstGeom prst="rect">
+            <a:avLst/>
+          </a:prstGeom>
+        </p:spPr>
+        <p:txBody>
+          <a:bodyPr>
+            <a:spAutoFit/>
+          </a:bodyPr>
+          <a:lstStyle>
+            <a:lvl1pPr marL="342900" indent="-342900" algn="l" defTabSz="457200" rtl="0" eaLnBrk="1" latinLnBrk="0" hangingPunct="1">
+              <a:spcBef>
+                <a:spcPct val="20000"/>
+              </a:spcBef>
+              <a:buFont typeface="Arial"/>
+              <a:buChar char="•"/>
+              <a:defRPr sz="2400" kern="1200">
+                <a:solidFill>
+                  <a:schemeClr val="bg1"/>
+                </a:solidFill>
+                <a:latin typeface="Open Sans Light"/>
+                <a:ea typeface="+mn-ea"/>
+                <a:cs typeface="Open Sans Light"/>
+              </a:defRPr>
+            </a:lvl1pPr>
+            <a:lvl2pPr marL="742950" indent="-285750" algn="l" defTabSz="457200" rtl="0" eaLnBrk="1" latinLnBrk="0" hangingPunct="1">
+              <a:spcBef>
+                <a:spcPct val="20000"/>
+              </a:spcBef>
+              <a:buFont typeface="Arial"/>
+              <a:buChar char="–"/>
+              <a:defRPr sz="2000" kern="1200">
+                <a:solidFill>
+                  <a:schemeClr val="bg1"/>
+                </a:solidFill>
+                <a:latin typeface="Open Sans Light"/>
+                <a:ea typeface="+mn-ea"/>
+                <a:cs typeface="Open Sans Light"/>
+              </a:defRPr>
+            </a:lvl2pPr>
+            <a:lvl3pPr marL="1143000" indent="-228600" algn="l" defTabSz="457200" rtl="0" eaLnBrk="1" latinLnBrk="0" hangingPunct="1">
+              <a:spcBef>
+                <a:spcPct val="20000"/>
+              </a:spcBef>
+              <a:buFont typeface="Arial"/>
+              <a:buChar char="•"/>
+              <a:defRPr sz="1800" kern="1200">
+                <a:solidFill>
+                  <a:schemeClr val="bg1"/>
+                </a:solidFill>
+                <a:latin typeface="Open Sans Light"/>
+                <a:ea typeface="+mn-ea"/>
+                <a:cs typeface="Open Sans Light"/>
+              </a:defRPr>
+            </a:lvl3pPr>
+            <a:lvl4pPr marL="1600200" indent="-228600" algn="l" defTabSz="457200" rtl="0" eaLnBrk="1" latinLnBrk="0" hangingPunct="1">
+              <a:spcBef>
+                <a:spcPct val="20000"/>
+              </a:spcBef>
+              <a:buFont typeface="Arial"/>
+              <a:buChar char="–"/>
+              <a:defRPr sz="1600" kern="1200">
+                <a:solidFill>
+                  <a:schemeClr val="bg1"/>
+                </a:solidFill>
+                <a:latin typeface="Open Sans Light"/>
+                <a:ea typeface="+mn-ea"/>
+                <a:cs typeface="Open Sans Light"/>
+              </a:defRPr>
+            </a:lvl4pPr>
+            <a:lvl5pPr marL="2057400" indent="-228600" algn="l" defTabSz="457200" rtl="0" eaLnBrk="1" latinLnBrk="0" hangingPunct="1">
+              <a:spcBef>
+                <a:spcPct val="20000"/>
+              </a:spcBef>
+              <a:buFont typeface="Arial"/>
+              <a:buChar char="»"/>
+              <a:defRPr sz="1600" kern="1200">
+                <a:solidFill>
+                  <a:schemeClr val="bg1"/>
+                </a:solidFill>
+                <a:latin typeface="Open Sans Light"/>
+                <a:ea typeface="+mn-ea"/>
+                <a:cs typeface="Open Sans Light"/>
+              </a:defRPr>
+            </a:lvl5pPr>
+            <a:lvl6pPr marL="2514600" indent="-228600" algn="l" defTabSz="457200" rtl="0" eaLnBrk="1" latinLnBrk="0" hangingPunct="1">
+              <a:spcBef>
+                <a:spcPct val="20000"/>
+              </a:spcBef>
+              <a:buFont typeface="Arial"/>
+              <a:buChar char="•"/>
+              <a:defRPr sz="2000" kern="1200">
+                <a:solidFill>
+                  <a:schemeClr val="tx1"/>
+                </a:solidFill>
+                <a:latin typeface="+mn-lt"/>
+                <a:ea typeface="+mn-ea"/>
+                <a:cs typeface="+mn-cs"/>
+              </a:defRPr>
+            </a:lvl6pPr>
+            <a:lvl7pPr marL="2971800" indent="-228600" algn="l" defTabSz="457200" rtl="0" eaLnBrk="1" latinLnBrk="0" hangingPunct="1">
+              <a:spcBef>
+                <a:spcPct val="20000"/>
+              </a:spcBef>
+              <a:buFont typeface="Arial"/>
+              <a:buChar char="•"/>
+              <a:defRPr sz="2000" kern="1200">
+                <a:solidFill>
+                  <a:schemeClr val="tx1"/>
+                </a:solidFill>
+                <a:latin typeface="+mn-lt"/>
+                <a:ea typeface="+mn-ea"/>
+                <a:cs typeface="+mn-cs"/>
+              </a:defRPr>
+            </a:lvl7pPr>
+            <a:lvl8pPr marL="3429000" indent="-228600" algn="l" defTabSz="457200" rtl="0" eaLnBrk="1" latinLnBrk="0" hangingPunct="1">
+              <a:spcBef>
+                <a:spcPct val="20000"/>
+              </a:spcBef>
+              <a:buFont typeface="Arial"/>
+              <a:buChar char="•"/>
+              <a:defRPr sz="2000" kern="1200">
+                <a:solidFill>
+                  <a:schemeClr val="tx1"/>
+                </a:solidFill>
+                <a:latin typeface="+mn-lt"/>
+                <a:ea typeface="+mn-ea"/>
+                <a:cs typeface="+mn-cs"/>
+              </a:defRPr>
+            </a:lvl8pPr>
+            <a:lvl9pPr marL="3886200" indent="-228600" algn="l" defTabSz="457200" rtl="0" eaLnBrk="1" latinLnBrk="0" hangingPunct="1">
+              <a:spcBef>
+                <a:spcPct val="20000"/>
+              </a:spcBef>
+              <a:buFont typeface="Arial"/>
+              <a:buChar char="•"/>
+              <a:defRPr sz="2000" kern="1200">
+                <a:solidFill>
+                  <a:schemeClr val="tx1"/>
+                </a:solidFill>
+                <a:latin typeface="+mn-lt"/>
+                <a:ea typeface="+mn-ea"/>
+                <a:cs typeface="+mn-cs"/>
+              </a:defRPr>
+            </a:lvl9pPr>
+          </a:lstStyle>
+          <a:p>
+            <a:pPr>
+              <a:buFont typeface="Wingdings" panose="05000000000000000000" pitchFamily="2" charset="2"/>
+              <a:buChar char="Ø"/>
+            </a:pPr>
+            <a:r>
+              <a:rPr lang="en-US" sz="2000" dirty="0"/>
+              <a:t>Place a queen in the next column, from the bottom and upward. If possible, continue to the next column, otherwise remove the last queen and try to place it further upward in the same column. If not possible, remove that one and go one column backward</a:t>
+            </a:r>
+          </a:p>
+          <a:p>
+            <a:pPr>
+              <a:buFont typeface="Wingdings" panose="05000000000000000000" pitchFamily="2" charset="2"/>
+              <a:buChar char="Ø"/>
+            </a:pPr>
+            <a:r>
+              <a:rPr lang="en-US" sz="2000" dirty="0"/>
+              <a:t>A new solution is found, if the last queen is placed</a:t>
+            </a:r>
+          </a:p>
+          <a:p>
+            <a:pPr>
+              <a:buFont typeface="Wingdings" panose="05000000000000000000" pitchFamily="2" charset="2"/>
+              <a:buChar char="Ø"/>
+            </a:pPr>
+            <a:r>
+              <a:rPr lang="en-US" sz="2000" dirty="0"/>
+              <a:t>No more solutions may be found, if no queen can be placed on the first column</a:t>
+            </a:r>
+          </a:p>
+        </p:txBody>
+      </p:sp>
+      <p:sp>
+        <p:nvSpPr>
+          <p:cNvPr id="35" name="Title 1">
+            <a:extLst>
+              <a:ext uri="{FF2B5EF4-FFF2-40B4-BE49-F238E27FC236}">
+                <a16:creationId xmlns:a16="http://schemas.microsoft.com/office/drawing/2014/main" id="{A88BDC47-34C6-4CD1-BD21-87B110C7F7D1}"/>
+              </a:ext>
+            </a:extLst>
+          </p:cNvPr>
+          <p:cNvSpPr txBox="1">
+            <a:spLocks/>
+          </p:cNvSpPr>
+          <p:nvPr/>
+        </p:nvSpPr>
+        <p:spPr>
+          <a:xfrm>
+            <a:off x="1082525" y="610692"/>
+            <a:ext cx="6640286" cy="784830"/>
+          </a:xfrm>
+          <a:prstGeom prst="rect">
+            <a:avLst/>
+          </a:prstGeom>
+        </p:spPr>
+        <p:txBody>
+          <a:bodyPr vert="horz" wrap="square" lIns="0" tIns="0" rIns="0" bIns="0" rtlCol="0" anchor="t" anchorCtr="0">
+            <a:spAutoFit/>
+          </a:bodyPr>
+          <a:lstStyle>
+            <a:lvl1pPr>
+              <a:lnSpc>
+                <a:spcPct val="85000"/>
+              </a:lnSpc>
+              <a:spcBef>
+                <a:spcPct val="0"/>
+              </a:spcBef>
+              <a:buNone/>
+              <a:defRPr sz="3200" b="0" i="0" baseline="0">
+                <a:solidFill>
+                  <a:schemeClr val="bg1"/>
+                </a:solidFill>
+                <a:latin typeface="Museo 700"/>
+                <a:ea typeface="+mj-ea"/>
+                <a:cs typeface="Museo 700"/>
+              </a:defRPr>
+            </a:lvl1pPr>
+          </a:lstStyle>
+          <a:p>
+            <a:r>
+              <a:rPr lang="en-US" dirty="0"/>
+              <a:t>Overview of Algorithm,</a:t>
+            </a:r>
+          </a:p>
+          <a:p>
+            <a:r>
+              <a:rPr lang="en-US" sz="2800" dirty="0"/>
+              <a:t>Back-Tracking and Tail Recursive</a:t>
+            </a:r>
+          </a:p>
+        </p:txBody>
+      </p:sp>
+      <p:sp>
+        <p:nvSpPr>
+          <p:cNvPr id="5" name="Slide Number Placeholder 30">
+            <a:extLst>
+              <a:ext uri="{FF2B5EF4-FFF2-40B4-BE49-F238E27FC236}">
+                <a16:creationId xmlns:a16="http://schemas.microsoft.com/office/drawing/2014/main" id="{39A7066A-C5A6-42BA-8FAA-71D4B3F898CD}"/>
+              </a:ext>
+            </a:extLst>
+          </p:cNvPr>
           <p:cNvSpPr>
             <a:spLocks noGrp="1"/>
           </p:cNvSpPr>
@@ -11872,79 +9619,15 @@
           </a:p>
         </p:txBody>
       </p:sp>
-      <p:graphicFrame>
-        <p:nvGraphicFramePr>
-          <p:cNvPr id="3" name="Object 2">
-            <a:hlinkClick r:id="rId4" action="ppaction://hlinkfile"/>
-            <a:extLst>
-              <a:ext uri="{FF2B5EF4-FFF2-40B4-BE49-F238E27FC236}">
-                <a16:creationId xmlns:a16="http://schemas.microsoft.com/office/drawing/2014/main" id="{E36A2E6E-DE20-44E3-826B-CF2AFC9CD393}"/>
-              </a:ext>
-            </a:extLst>
-          </p:cNvPr>
-          <p:cNvGraphicFramePr>
-            <a:graphicFrameLocks noChangeAspect="1"/>
-          </p:cNvGraphicFramePr>
-          <p:nvPr>
-            <p:extLst>
-              <p:ext uri="{D42A27DB-BD31-4B8C-83A1-F6EECF244321}">
-                <p14:modId xmlns:p14="http://schemas.microsoft.com/office/powerpoint/2010/main" val="2259856660"/>
-              </p:ext>
-            </p:extLst>
-          </p:nvPr>
-        </p:nvGraphicFramePr>
-        <p:xfrm>
-          <a:off x="2884488" y="2268538"/>
-          <a:ext cx="3375025" cy="604837"/>
-        </p:xfrm>
-        <a:graphic>
-          <a:graphicData uri="http://schemas.openxmlformats.org/presentationml/2006/ole">
-            <mc:AlternateContent xmlns:mc="http://schemas.openxmlformats.org/markup-compatibility/2006">
-              <mc:Choice xmlns:v="urn:schemas-microsoft-com:vml" Requires="v">
-                <p:oleObj name="Packager Shell Object" showAsIcon="1" r:id="rId5" imgW="3375000" imgH="604800" progId="Package">
-                  <p:embed/>
-                </p:oleObj>
-              </mc:Choice>
-              <mc:Fallback>
-                <p:oleObj name="Packager Shell Object" showAsIcon="1" r:id="rId5" imgW="3375000" imgH="604800" progId="Package">
-                  <p:embed/>
-                  <p:pic>
-                    <p:nvPicPr>
-                      <p:cNvPr id="0" name=""/>
-                      <p:cNvPicPr/>
-                      <p:nvPr/>
-                    </p:nvPicPr>
-                    <p:blipFill>
-                      <a:blip r:embed="rId6"/>
-                      <a:stretch>
-                        <a:fillRect/>
-                      </a:stretch>
-                    </p:blipFill>
-                    <p:spPr>
-                      <a:xfrm>
-                        <a:off x="2884488" y="2268538"/>
-                        <a:ext cx="3375025" cy="604837"/>
-                      </a:xfrm>
-                      <a:prstGeom prst="rect">
-                        <a:avLst/>
-                      </a:prstGeom>
-                    </p:spPr>
-                  </p:pic>
-                </p:oleObj>
-              </mc:Fallback>
-            </mc:AlternateContent>
-          </a:graphicData>
-        </a:graphic>
-      </p:graphicFrame>
     </p:spTree>
     <p:extLst>
       <p:ext uri="{BB962C8B-B14F-4D97-AF65-F5344CB8AC3E}">
-        <p14:creationId xmlns:p14="http://schemas.microsoft.com/office/powerpoint/2010/main" val="4202854270"/>
+        <p14:creationId xmlns:p14="http://schemas.microsoft.com/office/powerpoint/2010/main" val="3924764732"/>
       </p:ext>
     </p:extLst>
   </p:cSld>
   <p:clrMapOvr>
-    <a:masterClrMapping/>
+    <a:overrideClrMapping bg1="lt1" tx1="dk1" bg2="lt2" tx2="dk2" accent1="accent1" accent2="accent2" accent3="accent3" accent4="accent4" accent5="accent5" accent6="accent6" hlink="hlink" folHlink="folHlink"/>
   </p:clrMapOvr>
   <p:transition spd="slow">
     <p:wipe/>
@@ -11969,41 +9652,288 @@
           <a:chExt cx="0" cy="0"/>
         </a:xfrm>
       </p:grpSpPr>
+      <p:sp>
+        <p:nvSpPr>
+          <p:cNvPr id="10" name="Title 9">
+            <a:extLst>
+              <a:ext uri="{FF2B5EF4-FFF2-40B4-BE49-F238E27FC236}">
+                <a16:creationId xmlns:a16="http://schemas.microsoft.com/office/drawing/2014/main" id="{F7BA15D8-4BE4-4774-806D-C728CCC40C6B}"/>
+              </a:ext>
+            </a:extLst>
+          </p:cNvPr>
+          <p:cNvSpPr>
+            <a:spLocks noGrp="1"/>
+          </p:cNvSpPr>
+          <p:nvPr>
+            <p:ph type="ctrTitle"/>
+          </p:nvPr>
+        </p:nvSpPr>
+        <p:spPr>
+          <a:xfrm>
+            <a:off x="1082525" y="610693"/>
+            <a:ext cx="6640286" cy="418576"/>
+          </a:xfrm>
+        </p:spPr>
+        <p:txBody>
+          <a:bodyPr vert="horz" wrap="square" lIns="0" tIns="0" rIns="0" bIns="0" rtlCol="0" anchor="t" anchorCtr="0">
+            <a:spAutoFit/>
+          </a:bodyPr>
+          <a:lstStyle/>
+          <a:p>
+            <a:r>
+              <a:rPr lang="en-US" noProof="0" dirty="0"/>
+              <a:t>Solution Modus</a:t>
+            </a:r>
+          </a:p>
+        </p:txBody>
+      </p:sp>
+      <p:sp>
+        <p:nvSpPr>
+          <p:cNvPr id="11" name="Slide Number Placeholder 10">
+            <a:extLst>
+              <a:ext uri="{FF2B5EF4-FFF2-40B4-BE49-F238E27FC236}">
+                <a16:creationId xmlns:a16="http://schemas.microsoft.com/office/drawing/2014/main" id="{EE9BCE3B-59CC-4E88-9331-6CFD6C770193}"/>
+              </a:ext>
+            </a:extLst>
+          </p:cNvPr>
+          <p:cNvSpPr>
+            <a:spLocks noGrp="1"/>
+          </p:cNvSpPr>
+          <p:nvPr>
+            <p:ph type="sldNum" sz="quarter" idx="12"/>
+          </p:nvPr>
+        </p:nvSpPr>
+        <p:spPr/>
+        <p:txBody>
+          <a:bodyPr/>
+          <a:lstStyle/>
+          <a:p>
+            <a:fld id="{5AA702B1-EDA3-FF46-994A-18FFB6DE5B39}" type="slidenum">
+              <a:rPr lang="en-US" smtClean="0"/>
+              <a:pPr/>
+              <a:t>8</a:t>
+            </a:fld>
+            <a:endParaRPr lang="en-US"/>
+          </a:p>
+        </p:txBody>
+      </p:sp>
       <mc:AlternateContent xmlns:mc="http://schemas.openxmlformats.org/markup-compatibility/2006" xmlns:a14="http://schemas.microsoft.com/office/drawing/2010/main">
         <mc:Choice Requires="a14">
           <p:sp>
             <p:nvSpPr>
-              <p:cNvPr id="2" name="Title 1"/>
-              <p:cNvSpPr>
-                <a:spLocks noGrp="1"/>
+              <p:cNvPr id="12" name="Subtitle 2">
+                <a:extLst>
+                  <a:ext uri="{FF2B5EF4-FFF2-40B4-BE49-F238E27FC236}">
+                    <a16:creationId xmlns:a16="http://schemas.microsoft.com/office/drawing/2014/main" id="{C1ECDE8C-A778-4D1D-8B14-5FE88ED18A5D}"/>
+                  </a:ext>
+                </a:extLst>
+              </p:cNvPr>
+              <p:cNvSpPr txBox="1">
+                <a:spLocks/>
               </p:cNvSpPr>
-              <p:nvPr>
-                <p:ph type="ctrTitle"/>
-              </p:nvPr>
+              <p:nvPr/>
             </p:nvSpPr>
             <p:spPr>
               <a:xfrm>
-                <a:off x="1082524" y="363186"/>
-                <a:ext cx="6793329" cy="421013"/>
+                <a:off x="1082523" y="1270093"/>
+                <a:ext cx="7900111" cy="3145476"/>
               </a:xfrm>
+              <a:prstGeom prst="rect">
+                <a:avLst/>
+              </a:prstGeom>
             </p:spPr>
             <p:txBody>
-              <a:bodyPr>
+              <a:bodyPr wrap="square">
                 <a:spAutoFit/>
               </a:bodyPr>
-              <a:lstStyle/>
+              <a:lstStyle>
+                <a:lvl1pPr marL="342900" indent="-342900" algn="l" defTabSz="457200" rtl="0" eaLnBrk="1" latinLnBrk="0" hangingPunct="1">
+                  <a:spcBef>
+                    <a:spcPct val="20000"/>
+                  </a:spcBef>
+                  <a:buFont typeface="Arial"/>
+                  <a:buChar char="•"/>
+                  <a:defRPr sz="2400" kern="1200">
+                    <a:solidFill>
+                      <a:schemeClr val="bg1"/>
+                    </a:solidFill>
+                    <a:latin typeface="Open Sans Light"/>
+                    <a:ea typeface="+mn-ea"/>
+                    <a:cs typeface="Open Sans Light"/>
+                  </a:defRPr>
+                </a:lvl1pPr>
+                <a:lvl2pPr marL="742950" indent="-285750" algn="l" defTabSz="457200" rtl="0" eaLnBrk="1" latinLnBrk="0" hangingPunct="1">
+                  <a:spcBef>
+                    <a:spcPct val="20000"/>
+                  </a:spcBef>
+                  <a:buFont typeface="Arial"/>
+                  <a:buChar char="–"/>
+                  <a:defRPr sz="2000" kern="1200">
+                    <a:solidFill>
+                      <a:schemeClr val="bg1"/>
+                    </a:solidFill>
+                    <a:latin typeface="Open Sans Light"/>
+                    <a:ea typeface="+mn-ea"/>
+                    <a:cs typeface="Open Sans Light"/>
+                  </a:defRPr>
+                </a:lvl2pPr>
+                <a:lvl3pPr marL="1143000" indent="-228600" algn="l" defTabSz="457200" rtl="0" eaLnBrk="1" latinLnBrk="0" hangingPunct="1">
+                  <a:spcBef>
+                    <a:spcPct val="20000"/>
+                  </a:spcBef>
+                  <a:buFont typeface="Arial"/>
+                  <a:buChar char="•"/>
+                  <a:defRPr sz="1800" kern="1200">
+                    <a:solidFill>
+                      <a:schemeClr val="bg1"/>
+                    </a:solidFill>
+                    <a:latin typeface="Open Sans Light"/>
+                    <a:ea typeface="+mn-ea"/>
+                    <a:cs typeface="Open Sans Light"/>
+                  </a:defRPr>
+                </a:lvl3pPr>
+                <a:lvl4pPr marL="1600200" indent="-228600" algn="l" defTabSz="457200" rtl="0" eaLnBrk="1" latinLnBrk="0" hangingPunct="1">
+                  <a:spcBef>
+                    <a:spcPct val="20000"/>
+                  </a:spcBef>
+                  <a:buFont typeface="Arial"/>
+                  <a:buChar char="–"/>
+                  <a:defRPr sz="1600" kern="1200">
+                    <a:solidFill>
+                      <a:schemeClr val="bg1"/>
+                    </a:solidFill>
+                    <a:latin typeface="Open Sans Light"/>
+                    <a:ea typeface="+mn-ea"/>
+                    <a:cs typeface="Open Sans Light"/>
+                  </a:defRPr>
+                </a:lvl4pPr>
+                <a:lvl5pPr marL="2057400" indent="-228600" algn="l" defTabSz="457200" rtl="0" eaLnBrk="1" latinLnBrk="0" hangingPunct="1">
+                  <a:spcBef>
+                    <a:spcPct val="20000"/>
+                  </a:spcBef>
+                  <a:buFont typeface="Arial"/>
+                  <a:buChar char="»"/>
+                  <a:defRPr sz="1600" kern="1200">
+                    <a:solidFill>
+                      <a:schemeClr val="bg1"/>
+                    </a:solidFill>
+                    <a:latin typeface="Open Sans Light"/>
+                    <a:ea typeface="+mn-ea"/>
+                    <a:cs typeface="Open Sans Light"/>
+                  </a:defRPr>
+                </a:lvl5pPr>
+                <a:lvl6pPr marL="2514600" indent="-228600" algn="l" defTabSz="457200" rtl="0" eaLnBrk="1" latinLnBrk="0" hangingPunct="1">
+                  <a:spcBef>
+                    <a:spcPct val="20000"/>
+                  </a:spcBef>
+                  <a:buFont typeface="Arial"/>
+                  <a:buChar char="•"/>
+                  <a:defRPr sz="2000" kern="1200">
+                    <a:solidFill>
+                      <a:schemeClr val="tx1"/>
+                    </a:solidFill>
+                    <a:latin typeface="+mn-lt"/>
+                    <a:ea typeface="+mn-ea"/>
+                    <a:cs typeface="+mn-cs"/>
+                  </a:defRPr>
+                </a:lvl6pPr>
+                <a:lvl7pPr marL="2971800" indent="-228600" algn="l" defTabSz="457200" rtl="0" eaLnBrk="1" latinLnBrk="0" hangingPunct="1">
+                  <a:spcBef>
+                    <a:spcPct val="20000"/>
+                  </a:spcBef>
+                  <a:buFont typeface="Arial"/>
+                  <a:buChar char="•"/>
+                  <a:defRPr sz="2000" kern="1200">
+                    <a:solidFill>
+                      <a:schemeClr val="tx1"/>
+                    </a:solidFill>
+                    <a:latin typeface="+mn-lt"/>
+                    <a:ea typeface="+mn-ea"/>
+                    <a:cs typeface="+mn-cs"/>
+                  </a:defRPr>
+                </a:lvl7pPr>
+                <a:lvl8pPr marL="3429000" indent="-228600" algn="l" defTabSz="457200" rtl="0" eaLnBrk="1" latinLnBrk="0" hangingPunct="1">
+                  <a:spcBef>
+                    <a:spcPct val="20000"/>
+                  </a:spcBef>
+                  <a:buFont typeface="Arial"/>
+                  <a:buChar char="•"/>
+                  <a:defRPr sz="2000" kern="1200">
+                    <a:solidFill>
+                      <a:schemeClr val="tx1"/>
+                    </a:solidFill>
+                    <a:latin typeface="+mn-lt"/>
+                    <a:ea typeface="+mn-ea"/>
+                    <a:cs typeface="+mn-cs"/>
+                  </a:defRPr>
+                </a:lvl8pPr>
+                <a:lvl9pPr marL="3886200" indent="-228600" algn="l" defTabSz="457200" rtl="0" eaLnBrk="1" latinLnBrk="0" hangingPunct="1">
+                  <a:spcBef>
+                    <a:spcPct val="20000"/>
+                  </a:spcBef>
+                  <a:buFont typeface="Arial"/>
+                  <a:buChar char="•"/>
+                  <a:defRPr sz="2000" kern="1200">
+                    <a:solidFill>
+                      <a:schemeClr val="tx1"/>
+                    </a:solidFill>
+                    <a:latin typeface="+mn-lt"/>
+                    <a:ea typeface="+mn-ea"/>
+                    <a:cs typeface="+mn-cs"/>
+                  </a:defRPr>
+                </a:lvl9pPr>
+              </a:lstStyle>
               <a:p>
+                <a:pPr>
+                  <a:buFont typeface="Wingdings" panose="05000000000000000000" pitchFamily="2" charset="2"/>
+                  <a:buChar char="Ø"/>
+                </a:pPr>
                 <a:r>
-                  <a:rPr lang="en-US" noProof="0" dirty="0"/>
-                  <a:t>Under simulation – </a:t>
+                  <a:rPr lang="en-US" dirty="0"/>
+                  <a:t>Placement of a queen is given with two numbers: </a:t>
+                </a:r>
+                <a:r>
+                  <a:rPr lang="en-US" sz="2000" dirty="0"/>
+                  <a:t>(column no., row no.)</a:t>
+                </a:r>
+                <a:endParaRPr lang="en-US" dirty="0"/>
+              </a:p>
+              <a:p>
+                <a:pPr>
+                  <a:buFont typeface="Wingdings" panose="05000000000000000000" pitchFamily="2" charset="2"/>
+                  <a:buChar char="Ø"/>
+                </a:pPr>
+                <a:r>
+                  <a:rPr lang="en-US" dirty="0"/>
+                  <a:t>Solution modus may be chosen between:</a:t>
+                </a:r>
+              </a:p>
+              <a:p>
+                <a:pPr lvl="1">
+                  <a:buFont typeface="Wingdings" panose="05000000000000000000" pitchFamily="2" charset="2"/>
+                  <a:buChar char="ü"/>
+                </a:pPr>
+                <a:r>
+                  <a:rPr lang="en-US" i="1" dirty="0"/>
+                  <a:t>Single</a:t>
                 </a:r>
                 <a:r>
                   <a:rPr lang="en-US" dirty="0"/>
-                  <a:t>S</a:t>
+                  <a:t>, </a:t>
                 </a:r>
                 <a:r>
-                  <a:rPr lang="en-US" noProof="0" dirty="0"/>
-                  <a:t>ingle and </a:t>
+                  <a:rPr lang="en-US" i="1" dirty="0"/>
+                  <a:t>Unique and All</a:t>
+                </a:r>
+              </a:p>
+              <a:p>
+                <a:pPr>
+                  <a:buFont typeface="Wingdings" panose="05000000000000000000" pitchFamily="2" charset="2"/>
+                  <a:buChar char="ü"/>
+                </a:pPr>
+                <a:r>
+                  <a:rPr lang="en-US" dirty="0"/>
+                  <a:t>A single solution is a </a:t>
                 </a:r>
                 <a14:m>
                   <m:oMath xmlns:m="http://schemas.openxmlformats.org/officeDocument/2006/math">
@@ -12016,8 +9946,48 @@
                   </m:oMath>
                 </a14:m>
                 <a:r>
-                  <a:rPr lang="en-US" noProof="0" dirty="0"/>
-                  <a:t>= 30</a:t>
+                  <a:rPr lang="en-US" i="1" dirty="0"/>
+                  <a:t>-vector</a:t>
+                </a:r>
+                <a:r>
+                  <a:rPr lang="en-US" dirty="0"/>
+                  <a:t> of queen locations</a:t>
+                </a:r>
+              </a:p>
+              <a:p>
+                <a:pPr algn="just">
+                  <a:buFont typeface="Wingdings" panose="05000000000000000000" pitchFamily="2" charset="2"/>
+                  <a:buChar char="Ø"/>
+                </a:pPr>
+                <a:r>
+                  <a:rPr lang="en-US" dirty="0"/>
+                  <a:t>Unique solutions:</a:t>
+                </a:r>
+              </a:p>
+              <a:p>
+                <a:pPr lvl="1" algn="just">
+                  <a:buFont typeface="Wingdings" panose="05000000000000000000" pitchFamily="2" charset="2"/>
+                  <a:buChar char="ü"/>
+                </a:pPr>
+                <a:r>
+                  <a:rPr lang="en-US" dirty="0"/>
+                  <a:t>a solution is characterized as </a:t>
+                </a:r>
+                <a:r>
+                  <a:rPr lang="en-US" i="1" dirty="0"/>
+                  <a:t>unique</a:t>
+                </a:r>
+                <a:r>
+                  <a:rPr lang="en-US" dirty="0"/>
+                  <a:t>,</a:t>
+                </a:r>
+                <a:r>
+                  <a:rPr lang="en-US" i="1" dirty="0"/>
+                  <a:t> </a:t>
+                </a:r>
+                <a:r>
+                  <a:rPr lang="en-US" dirty="0"/>
+                  <a:t>if it is not equal to any other solution or their symm. counterparts</a:t>
                 </a:r>
               </a:p>
             </p:txBody>
@@ -12026,23 +9996,30 @@
         <mc:Fallback xmlns="">
           <p:sp>
             <p:nvSpPr>
-              <p:cNvPr id="2" name="Title 1"/>
-              <p:cNvSpPr>
-                <a:spLocks noGrp="1" noRot="1" noChangeAspect="1" noMove="1" noResize="1" noEditPoints="1" noAdjustHandles="1" noChangeArrowheads="1" noChangeShapeType="1" noTextEdit="1"/>
+              <p:cNvPr id="12" name="Subtitle 2">
+                <a:extLst>
+                  <a:ext uri="{FF2B5EF4-FFF2-40B4-BE49-F238E27FC236}">
+                    <a16:creationId xmlns:a16="http://schemas.microsoft.com/office/drawing/2014/main" id="{C1ECDE8C-A778-4D1D-8B14-5FE88ED18A5D}"/>
+                  </a:ext>
+                </a:extLst>
+              </p:cNvPr>
+              <p:cNvSpPr txBox="1">
+                <a:spLocks noRot="1" noChangeAspect="1" noMove="1" noResize="1" noEditPoints="1" noAdjustHandles="1" noChangeArrowheads="1" noChangeShapeType="1" noTextEdit="1"/>
               </p:cNvSpPr>
-              <p:nvPr>
-                <p:ph type="ctrTitle"/>
-              </p:nvPr>
+              <p:nvPr/>
             </p:nvSpPr>
             <p:spPr>
               <a:xfrm>
-                <a:off x="1082524" y="363186"/>
-                <a:ext cx="6793329" cy="421013"/>
+                <a:off x="1082523" y="1270093"/>
+                <a:ext cx="7900111" cy="3145476"/>
               </a:xfrm>
+              <a:prstGeom prst="rect">
+                <a:avLst/>
+              </a:prstGeom>
               <a:blipFill>
                 <a:blip r:embed="rId3"/>
                 <a:stretch>
-                  <a:fillRect l="-3680" t="-46377" b="-57971"/>
+                  <a:fillRect l="-1080" t="-1357" r="-772" b="-2713"/>
                 </a:stretch>
               </a:blipFill>
             </p:spPr>
@@ -12051,7 +10028,7 @@
               <a:lstStyle/>
               <a:p>
                 <a:r>
-                  <a:rPr lang="nb-NO">
+                  <a:rPr lang="en-US">
                     <a:noFill/>
                   </a:rPr>
                   <a:t> </a:t>
@@ -12061,107 +10038,16 @@
           </p:sp>
         </mc:Fallback>
       </mc:AlternateContent>
-      <p:sp>
-        <p:nvSpPr>
-          <p:cNvPr id="4" name="Slide Number Placeholder 3"/>
-          <p:cNvSpPr>
-            <a:spLocks noGrp="1"/>
-          </p:cNvSpPr>
-          <p:nvPr>
-            <p:ph type="sldNum" sz="quarter" idx="12"/>
-          </p:nvPr>
-        </p:nvSpPr>
-        <p:spPr/>
-        <p:txBody>
-          <a:bodyPr/>
-          <a:lstStyle/>
-          <a:p>
-            <a:fld id="{5AA702B1-EDA3-FF46-994A-18FFB6DE5B39}" type="slidenum">
-              <a:rPr lang="en-US"/>
-              <a:pPr/>
-              <a:t>8</a:t>
-            </a:fld>
-            <a:endParaRPr lang="en-US"/>
-          </a:p>
-        </p:txBody>
-      </p:sp>
-      <p:graphicFrame>
-        <p:nvGraphicFramePr>
-          <p:cNvPr id="3" name="Object 2">
-            <a:hlinkClick r:id="rId4" action="ppaction://hlinkfile"/>
-            <a:extLst>
-              <a:ext uri="{FF2B5EF4-FFF2-40B4-BE49-F238E27FC236}">
-                <a16:creationId xmlns:a16="http://schemas.microsoft.com/office/drawing/2014/main" id="{E665C3BF-3017-4621-81B1-DAFFAC21905E}"/>
-              </a:ext>
-            </a:extLst>
-          </p:cNvPr>
-          <p:cNvGraphicFramePr>
-            <a:graphicFrameLocks noChangeAspect="1"/>
-          </p:cNvGraphicFramePr>
-          <p:nvPr>
-            <p:extLst>
-              <p:ext uri="{D42A27DB-BD31-4B8C-83A1-F6EECF244321}">
-                <p14:modId xmlns:p14="http://schemas.microsoft.com/office/powerpoint/2010/main" val="43557095"/>
-              </p:ext>
-            </p:extLst>
-          </p:nvPr>
-        </p:nvGraphicFramePr>
-        <p:xfrm>
-          <a:off x="3052763" y="2268538"/>
-          <a:ext cx="3038475" cy="604837"/>
-        </p:xfrm>
-        <a:graphic>
-          <a:graphicData uri="http://schemas.openxmlformats.org/presentationml/2006/ole">
-            <mc:AlternateContent xmlns:mc="http://schemas.openxmlformats.org/markup-compatibility/2006">
-              <mc:Choice xmlns:v="urn:schemas-microsoft-com:vml" Requires="v">
-                <p:oleObj name="Packager Shell Object" showAsIcon="1" r:id="rId5" imgW="3038760" imgH="604800" progId="Package">
-                  <p:embed/>
-                </p:oleObj>
-              </mc:Choice>
-              <mc:Fallback>
-                <p:oleObj name="Packager Shell Object" showAsIcon="1" r:id="rId5" imgW="3038760" imgH="604800" progId="Package">
-                  <p:embed/>
-                  <p:pic>
-                    <p:nvPicPr>
-                      <p:cNvPr id="0" name=""/>
-                      <p:cNvPicPr/>
-                      <p:nvPr/>
-                    </p:nvPicPr>
-                    <p:blipFill>
-                      <a:blip r:embed="rId6"/>
-                      <a:stretch>
-                        <a:fillRect/>
-                      </a:stretch>
-                    </p:blipFill>
-                    <p:spPr>
-                      <a:xfrm>
-                        <a:off x="3052763" y="2268538"/>
-                        <a:ext cx="3038475" cy="604837"/>
-                      </a:xfrm>
-                      <a:prstGeom prst="rect">
-                        <a:avLst/>
-                      </a:prstGeom>
-                    </p:spPr>
-                  </p:pic>
-                </p:oleObj>
-              </mc:Fallback>
-            </mc:AlternateContent>
-          </a:graphicData>
-        </a:graphic>
-      </p:graphicFrame>
     </p:spTree>
     <p:extLst>
       <p:ext uri="{BB962C8B-B14F-4D97-AF65-F5344CB8AC3E}">
-        <p14:creationId xmlns:p14="http://schemas.microsoft.com/office/powerpoint/2010/main" val="1339937154"/>
+        <p14:creationId xmlns:p14="http://schemas.microsoft.com/office/powerpoint/2010/main" val="26657"/>
       </p:ext>
     </p:extLst>
   </p:cSld>
   <p:clrMapOvr>
-    <a:masterClrMapping/>
+    <a:overrideClrMapping bg1="lt1" tx1="dk1" bg2="lt2" tx2="dk2" accent1="accent1" accent2="accent2" accent3="accent3" accent4="accent4" accent5="accent5" accent6="accent6" hlink="hlink" folHlink="folHlink"/>
   </p:clrMapOvr>
-  <p:transition spd="slow">
-    <p:wipe/>
-  </p:transition>
 </p:sld>
 </file>
 
@@ -12184,7 +10070,48 @@
       </p:grpSpPr>
       <p:sp>
         <p:nvSpPr>
-          <p:cNvPr id="4" name="Slide Number Placeholder 3"/>
+          <p:cNvPr id="10" name="Title 9">
+            <a:extLst>
+              <a:ext uri="{FF2B5EF4-FFF2-40B4-BE49-F238E27FC236}">
+                <a16:creationId xmlns:a16="http://schemas.microsoft.com/office/drawing/2014/main" id="{F7BA15D8-4BE4-4774-806D-C728CCC40C6B}"/>
+              </a:ext>
+            </a:extLst>
+          </p:cNvPr>
+          <p:cNvSpPr>
+            <a:spLocks noGrp="1"/>
+          </p:cNvSpPr>
+          <p:nvPr>
+            <p:ph type="ctrTitle"/>
+          </p:nvPr>
+        </p:nvSpPr>
+        <p:spPr>
+          <a:xfrm>
+            <a:off x="1082525" y="610693"/>
+            <a:ext cx="6640286" cy="418576"/>
+          </a:xfrm>
+        </p:spPr>
+        <p:txBody>
+          <a:bodyPr vert="horz" wrap="square" lIns="0" tIns="0" rIns="0" bIns="0" rtlCol="0" anchor="t" anchorCtr="0">
+            <a:spAutoFit/>
+          </a:bodyPr>
+          <a:lstStyle/>
+          <a:p>
+            <a:r>
+              <a:rPr lang="en-US" noProof="0" dirty="0"/>
+              <a:t>Solution Modus Continues</a:t>
+            </a:r>
+          </a:p>
+        </p:txBody>
+      </p:sp>
+      <p:sp>
+        <p:nvSpPr>
+          <p:cNvPr id="11" name="Slide Number Placeholder 10">
+            <a:extLst>
+              <a:ext uri="{FF2B5EF4-FFF2-40B4-BE49-F238E27FC236}">
+                <a16:creationId xmlns:a16="http://schemas.microsoft.com/office/drawing/2014/main" id="{EE9BCE3B-59CC-4E88-9331-6CFD6C770193}"/>
+              </a:ext>
+            </a:extLst>
+          </p:cNvPr>
           <p:cNvSpPr>
             <a:spLocks noGrp="1"/>
           </p:cNvSpPr>
@@ -12198,7 +10125,7 @@
           <a:lstStyle/>
           <a:p>
             <a:fld id="{5AA702B1-EDA3-FF46-994A-18FFB6DE5B39}" type="slidenum">
-              <a:rPr lang="en-US"/>
+              <a:rPr lang="en-US" smtClean="0"/>
               <a:pPr/>
               <a:t>9</a:t>
             </a:fld>
@@ -12208,10 +10135,10 @@
       </p:sp>
       <p:sp>
         <p:nvSpPr>
-          <p:cNvPr id="9" name="Title 1">
+          <p:cNvPr id="12" name="Subtitle 2">
             <a:extLst>
               <a:ext uri="{FF2B5EF4-FFF2-40B4-BE49-F238E27FC236}">
-                <a16:creationId xmlns:a16="http://schemas.microsoft.com/office/drawing/2014/main" id="{C2713ADD-689C-4011-A28C-7D45F9A26854}"/>
+                <a16:creationId xmlns:a16="http://schemas.microsoft.com/office/drawing/2014/main" id="{C1ECDE8C-A778-4D1D-8B14-5FE88ED18A5D}"/>
               </a:ext>
             </a:extLst>
           </p:cNvPr>
@@ -12222,62 +10149,8 @@
         </p:nvSpPr>
         <p:spPr>
           <a:xfrm>
-            <a:off x="1082525" y="395542"/>
-            <a:ext cx="6541958" cy="422295"/>
-          </a:xfrm>
-          <a:prstGeom prst="rect">
-            <a:avLst/>
-          </a:prstGeom>
-        </p:spPr>
-        <p:txBody>
-          <a:bodyPr vert="horz" wrap="square" lIns="0" tIns="0" rIns="0" bIns="0" rtlCol="0" anchor="t" anchorCtr="0">
-            <a:spAutoFit/>
-          </a:bodyPr>
-          <a:lstStyle>
-            <a:lvl1pPr>
-              <a:lnSpc>
-                <a:spcPct val="85000"/>
-              </a:lnSpc>
-              <a:spcBef>
-                <a:spcPct val="0"/>
-              </a:spcBef>
-              <a:buNone/>
-              <a:defRPr sz="3200" b="0" i="0" baseline="0">
-                <a:solidFill>
-                  <a:schemeClr val="bg1"/>
-                </a:solidFill>
-                <a:latin typeface="Museo 700"/>
-                <a:ea typeface="+mj-ea"/>
-                <a:cs typeface="Museo 700"/>
-              </a:defRPr>
-            </a:lvl1pPr>
-          </a:lstStyle>
-          <a:p>
-            <a:r>
-              <a:rPr lang="en-US" dirty="0"/>
-              <a:t>Technology and Tools</a:t>
-            </a:r>
-          </a:p>
-        </p:txBody>
-      </p:sp>
-      <p:sp>
-        <p:nvSpPr>
-          <p:cNvPr id="10" name="Subtitle 2">
-            <a:extLst>
-              <a:ext uri="{FF2B5EF4-FFF2-40B4-BE49-F238E27FC236}">
-                <a16:creationId xmlns:a16="http://schemas.microsoft.com/office/drawing/2014/main" id="{27403F2F-3705-432A-8697-455633FDCBA0}"/>
-              </a:ext>
-            </a:extLst>
-          </p:cNvPr>
-          <p:cNvSpPr txBox="1">
-            <a:spLocks/>
-          </p:cNvSpPr>
-          <p:nvPr/>
-        </p:nvSpPr>
-        <p:spPr>
-          <a:xfrm>
-            <a:off x="739589" y="1159475"/>
-            <a:ext cx="8191280" cy="3637919"/>
+            <a:off x="1082524" y="1270093"/>
+            <a:ext cx="7669590" cy="3083921"/>
           </a:xfrm>
           <a:prstGeom prst="rect">
             <a:avLst/>
@@ -12425,58 +10298,31 @@
             </a:lvl9pPr>
           </a:lstStyle>
           <a:p>
+            <a:pPr algn="just">
+              <a:buFont typeface="Wingdings" panose="05000000000000000000" pitchFamily="2" charset="2"/>
+              <a:buChar char="Ø"/>
+            </a:pPr>
+            <a:r>
+              <a:rPr lang="en-US" dirty="0"/>
+              <a:t>All solutions</a:t>
+            </a:r>
+          </a:p>
+          <a:p>
+            <a:pPr lvl="1" algn="just">
+              <a:buFont typeface="Wingdings" panose="05000000000000000000" pitchFamily="2" charset="2"/>
+              <a:buChar char="ü"/>
+            </a:pPr>
+            <a:r>
+              <a:rPr lang="en-US" dirty="0"/>
+              <a:t>are unique solutions and all their symm. Counterparts</a:t>
+            </a:r>
+          </a:p>
+          <a:p>
             <a:pPr>
               <a:buFont typeface="Wingdings" panose="05000000000000000000" pitchFamily="2" charset="2"/>
               <a:buChar char="Ø"/>
             </a:pPr>
-            <a:r>
-              <a:rPr lang="en-US" i="1" dirty="0"/>
-              <a:t>Framework and language</a:t>
-            </a:r>
-            <a:r>
-              <a:rPr lang="en-US" dirty="0"/>
-              <a:t>:</a:t>
-            </a:r>
-            <a:r>
-              <a:rPr lang="en-US" sz="2000" dirty="0"/>
-              <a:t> .NET 5.0, C# 8.0, WPF og MVVM</a:t>
-            </a:r>
-          </a:p>
-          <a:p>
-            <a:pPr>
-              <a:buFont typeface="Wingdings" panose="05000000000000000000" pitchFamily="2" charset="2"/>
-              <a:buChar char="Ø"/>
-            </a:pPr>
-            <a:r>
-              <a:rPr lang="en-US" i="1" dirty="0"/>
-              <a:t>IDE</a:t>
-            </a:r>
-            <a:r>
-              <a:rPr lang="en-US" dirty="0"/>
-              <a:t>:</a:t>
-            </a:r>
-            <a:r>
-              <a:rPr lang="en-US" sz="2000" dirty="0"/>
-              <a:t> MS Visual Studio 2019, Community Version</a:t>
-            </a:r>
-          </a:p>
-          <a:p>
-            <a:pPr>
-              <a:buFont typeface="Wingdings" panose="05000000000000000000" pitchFamily="2" charset="2"/>
-              <a:buChar char="Ø"/>
-            </a:pPr>
-            <a:r>
-              <a:rPr lang="en-US" i="1" dirty="0"/>
-              <a:t>Version Control</a:t>
-            </a:r>
-            <a:r>
-              <a:rPr lang="en-US" dirty="0"/>
-              <a:t>:</a:t>
-            </a:r>
-            <a:r>
-              <a:rPr lang="en-US" sz="2000" dirty="0"/>
-              <a:t> Git and GitHub</a:t>
-            </a:r>
+            <a:endParaRPr lang="en-US" dirty="0"/>
           </a:p>
           <a:p>
             <a:pPr>
@@ -12485,77 +10331,47 @@
             </a:pPr>
             <a:r>
               <a:rPr lang="en-US" dirty="0"/>
-              <a:t>Library</a:t>
+              <a:t>Every solution may have up to 7 symm. counterparts:</a:t>
             </a:r>
           </a:p>
           <a:p>
-            <a:pPr lvl="1" indent="-342900">
+            <a:pPr lvl="1">
               <a:buFont typeface="Wingdings" panose="05000000000000000000" pitchFamily="2" charset="2"/>
               <a:buChar char="ü"/>
             </a:pPr>
             <a:r>
-              <a:rPr lang="en-US" i="1" dirty="0"/>
-              <a:t>Task Parallel Library </a:t>
+              <a:rPr lang="en-US" dirty="0"/>
+              <a:t>The solutions are packed in groups with size of up to eight:</a:t>
             </a:r>
-            <a:r>
-              <a:rPr lang="en-US" dirty="0"/>
-              <a:t>(TPL): for Asynchronous Development</a:t>
-            </a:r>
-          </a:p>
-          <a:p>
-            <a:pPr lvl="1" indent="-342900">
+          </a:p>
+          <a:p>
+            <a:pPr lvl="2">
               <a:buFont typeface="Wingdings" panose="05000000000000000000" pitchFamily="2" charset="2"/>
               <a:buChar char="ü"/>
             </a:pPr>
             <a:r>
-              <a:rPr lang="en-US" i="1" dirty="0"/>
-              <a:t>MvvmLight</a:t>
+              <a:rPr lang="en-US" dirty="0"/>
+              <a:t>Symm. with respect to horizontal and vertical midline (2)</a:t>
             </a:r>
-            <a:r>
-              <a:rPr lang="en-US" dirty="0"/>
-              <a:t>: for GUI-development with WPF og MVVM</a:t>
-            </a:r>
-          </a:p>
-          <a:p>
-            <a:pPr lvl="1" indent="-342900">
+          </a:p>
+          <a:p>
+            <a:pPr lvl="2">
               <a:buFont typeface="Wingdings" panose="05000000000000000000" pitchFamily="2" charset="2"/>
               <a:buChar char="ü"/>
             </a:pPr>
             <a:r>
-              <a:rPr lang="en-US" i="1" dirty="0"/>
-              <a:t>FluentValidation: </a:t>
+              <a:rPr lang="en-US" dirty="0"/>
+              <a:t>Symm. with respect to main diagonals (2)</a:t>
             </a:r>
-            <a:r>
-              <a:rPr lang="en-US" dirty="0"/>
-              <a:t>for validation of the input data</a:t>
-            </a:r>
-          </a:p>
-          <a:p>
-            <a:pPr lvl="1" indent="-342900">
+          </a:p>
+          <a:p>
+            <a:pPr lvl="2">
               <a:buFont typeface="Wingdings" panose="05000000000000000000" pitchFamily="2" charset="2"/>
               <a:buChar char="ü"/>
             </a:pPr>
             <a:r>
-              <a:rPr lang="en-US" i="1" dirty="0"/>
-              <a:t>FluentAssertions: </a:t>
-            </a:r>
-            <a:r>
               <a:rPr lang="en-US" dirty="0"/>
-              <a:t>for validation of collections</a:t>
-            </a:r>
-          </a:p>
-          <a:p>
-            <a:pPr lvl="1" indent="-342900">
-              <a:buFont typeface="Wingdings" panose="05000000000000000000" pitchFamily="2" charset="2"/>
-              <a:buChar char="ü"/>
-            </a:pPr>
-            <a:r>
-              <a:rPr lang="en-US" i="1" dirty="0"/>
-              <a:t>NUnit and NUnitTestAdapter: </a:t>
-            </a:r>
-            <a:r>
-              <a:rPr lang="en-US" dirty="0"/>
-              <a:t>for unit testing</a:t>
+              <a:t>Turning clockwise an amount of 90, 180 and 270 degrees (3)</a:t>
             </a:r>
           </a:p>
         </p:txBody>
@@ -12563,16 +10379,13 @@
     </p:spTree>
     <p:extLst>
       <p:ext uri="{BB962C8B-B14F-4D97-AF65-F5344CB8AC3E}">
-        <p14:creationId xmlns:p14="http://schemas.microsoft.com/office/powerpoint/2010/main" val="1377503921"/>
+        <p14:creationId xmlns:p14="http://schemas.microsoft.com/office/powerpoint/2010/main" val="1872910531"/>
       </p:ext>
     </p:extLst>
   </p:cSld>
   <p:clrMapOvr>
-    <a:overrideClrMapping bg1="lt1" tx1="dk1" bg2="lt2" tx2="dk2" accent1="accent1" accent2="accent2" accent3="accent3" accent4="accent4" accent5="accent5" accent6="accent6" hlink="hlink" folHlink="folHlink"/>
+    <a:masterClrMapping/>
   </p:clrMapOvr>
-  <p:transition spd="slow">
-    <p:wipe/>
-  </p:transition>
 </p:sld>
 </file>
 
@@ -13590,49 +11403,6 @@
 </a:themeOverride>
 </file>
 
-<file path=ppt/theme/themeOverride10.xml><?xml version="1.0" encoding="utf-8"?>
-<a:themeOverride xmlns:a="http://schemas.openxmlformats.org/drawingml/2006/main">
-  <a:clrScheme name="Office">
-    <a:dk1>
-      <a:sysClr val="windowText" lastClr="000000"/>
-    </a:dk1>
-    <a:lt1>
-      <a:sysClr val="window" lastClr="FFFFFF"/>
-    </a:lt1>
-    <a:dk2>
-      <a:srgbClr val="1F497D"/>
-    </a:dk2>
-    <a:lt2>
-      <a:srgbClr val="EEECE1"/>
-    </a:lt2>
-    <a:accent1>
-      <a:srgbClr val="4F81BD"/>
-    </a:accent1>
-    <a:accent2>
-      <a:srgbClr val="C0504D"/>
-    </a:accent2>
-    <a:accent3>
-      <a:srgbClr val="9BBB59"/>
-    </a:accent3>
-    <a:accent4>
-      <a:srgbClr val="8064A2"/>
-    </a:accent4>
-    <a:accent5>
-      <a:srgbClr val="4BACC6"/>
-    </a:accent5>
-    <a:accent6>
-      <a:srgbClr val="F79646"/>
-    </a:accent6>
-    <a:hlink>
-      <a:srgbClr val="0000FF"/>
-    </a:hlink>
-    <a:folHlink>
-      <a:srgbClr val="800080"/>
-    </a:folHlink>
-  </a:clrScheme>
-</a:themeOverride>
-</file>
-
 <file path=ppt/theme/themeOverride2.xml><?xml version="1.0" encoding="utf-8"?>
 <a:themeOverride xmlns:a="http://schemas.openxmlformats.org/drawingml/2006/main">
   <a:clrScheme name="Office">

--- a/Documentation/NQueen Presentation.pptx
+++ b/Documentation/NQueen Presentation.pptx
@@ -234,7 +234,7 @@
           </a:lstStyle>
           <a:p>
             <a:fld id="{22356391-CFA0-1544-8425-9183CAE42ACA}" type="datetimeFigureOut">
-              <a:t>2/13/2021</a:t>
+              <a:t>2/14/2021</a:t>
             </a:fld>
             <a:endParaRPr lang="en-US" dirty="0"/>
           </a:p>
@@ -404,7 +404,7 @@
             <a:fld id="{DB01AB9E-8BFB-DA44-9869-DDFC164FA55D}" type="datetimeFigureOut">
               <a:rPr lang="en-US"/>
               <a:pPr/>
-              <a:t>2/13/2021</a:t>
+              <a:t>2/14/2021</a:t>
             </a:fld>
             <a:endParaRPr lang="en-US" dirty="0"/>
           </a:p>
@@ -6206,8 +6206,8 @@
           </a:p>
         </p:txBody>
       </p:sp>
-      <mc:AlternateContent xmlns:mc="http://schemas.openxmlformats.org/markup-compatibility/2006">
-        <mc:Choice xmlns:a14="http://schemas.microsoft.com/office/drawing/2010/main" Requires="a14">
+      <mc:AlternateContent xmlns:mc="http://schemas.openxmlformats.org/markup-compatibility/2006" xmlns:a14="http://schemas.microsoft.com/office/drawing/2010/main">
+        <mc:Choice Requires="a14">
           <p:sp>
             <p:nvSpPr>
               <p:cNvPr id="12" name="Subtitle 2">
@@ -6496,7 +6496,7 @@
             </p:txBody>
           </p:sp>
         </mc:Choice>
-        <mc:Fallback>
+        <mc:Fallback xmlns="">
           <p:sp>
             <p:nvSpPr>
               <p:cNvPr id="12" name="Subtitle 2">
@@ -9350,7 +9350,7 @@
         <p:spPr>
           <a:xfrm>
             <a:off x="1082524" y="1765656"/>
-            <a:ext cx="7445874" cy="2677656"/>
+            <a:ext cx="7445874" cy="2739211"/>
           </a:xfrm>
           <a:prstGeom prst="rect">
             <a:avLst/>
@@ -9504,8 +9504,15 @@
             </a:pPr>
             <a:r>
               <a:rPr lang="en-US" sz="2000" dirty="0"/>
-              <a:t>Place a queen in the next column, from the bottom and upward. If possible, continue to the next column, otherwise remove the last queen and try to place it further upward in the same column. If not possible, remove that one and go one column backward</a:t>
+              <a:t>Try to place a queen in a column from the bottom and upward. If possible, continue to the next column, otherwise remove the last queen and try to place it further upward in the same column </a:t>
             </a:r>
+          </a:p>
+          <a:p>
+            <a:pPr>
+              <a:buFont typeface="Wingdings" panose="05000000000000000000" pitchFamily="2" charset="2"/>
+              <a:buChar char="Ø"/>
+            </a:pPr>
+            <a:endParaRPr lang="en-US" sz="2000" dirty="0"/>
           </a:p>
           <a:p>
             <a:pPr>
@@ -9717,8 +9724,8 @@
           </a:p>
         </p:txBody>
       </p:sp>
-      <mc:AlternateContent xmlns:mc="http://schemas.openxmlformats.org/markup-compatibility/2006" xmlns:a14="http://schemas.microsoft.com/office/drawing/2010/main">
-        <mc:Choice Requires="a14">
+      <mc:AlternateContent xmlns:mc="http://schemas.openxmlformats.org/markup-compatibility/2006">
+        <mc:Choice xmlns:a14="http://schemas.microsoft.com/office/drawing/2010/main" Requires="a14">
           <p:sp>
             <p:nvSpPr>
               <p:cNvPr id="12" name="Subtitle 2">
@@ -9929,7 +9936,7 @@
               <a:p>
                 <a:pPr>
                   <a:buFont typeface="Wingdings" panose="05000000000000000000" pitchFamily="2" charset="2"/>
-                  <a:buChar char="ü"/>
+                  <a:buChar char="Ø"/>
                 </a:pPr>
                 <a:r>
                   <a:rPr lang="en-US" dirty="0"/>
@@ -9987,13 +9994,13 @@
                 </a:r>
                 <a:r>
                   <a:rPr lang="en-US" dirty="0"/>
-                  <a:t>if it is not equal to any other solution or their symm. counterparts</a:t>
+                  <a:t>if it is not equal to any other solution or their symm. Counterparts</a:t>
                 </a:r>
               </a:p>
             </p:txBody>
           </p:sp>
         </mc:Choice>
-        <mc:Fallback xmlns="">
+        <mc:Fallback>
           <p:sp>
             <p:nvSpPr>
               <p:cNvPr id="12" name="Subtitle 2">
@@ -10314,7 +10321,7 @@
             </a:pPr>
             <a:r>
               <a:rPr lang="en-US" dirty="0"/>
-              <a:t>are unique solutions and all their symm. Counterparts</a:t>
+              <a:t>are unique solutions and all their symm. counterparts</a:t>
             </a:r>
           </a:p>
           <a:p>
@@ -10347,7 +10354,7 @@
           <a:p>
             <a:pPr lvl="2">
               <a:buFont typeface="Wingdings" panose="05000000000000000000" pitchFamily="2" charset="2"/>
-              <a:buChar char="ü"/>
+              <a:buChar char="v"/>
             </a:pPr>
             <a:r>
               <a:rPr lang="en-US" dirty="0"/>
@@ -10357,7 +10364,7 @@
           <a:p>
             <a:pPr lvl="2">
               <a:buFont typeface="Wingdings" panose="05000000000000000000" pitchFamily="2" charset="2"/>
-              <a:buChar char="ü"/>
+              <a:buChar char="v"/>
             </a:pPr>
             <a:r>
               <a:rPr lang="en-US" dirty="0"/>
@@ -10367,7 +10374,7 @@
           <a:p>
             <a:pPr lvl="2">
               <a:buFont typeface="Wingdings" panose="05000000000000000000" pitchFamily="2" charset="2"/>
-              <a:buChar char="ü"/>
+              <a:buChar char="v"/>
             </a:pPr>
             <a:r>
               <a:rPr lang="en-US" dirty="0"/>
